--- a/مشروع نظام تحكم رقمي - ثالث تحكم.pptx
+++ b/مشروع نظام تحكم رقمي - ثالث تحكم.pptx
@@ -8,6 +8,10 @@
     <p:sldId id="270" r:id="rId2"/>
     <p:sldId id="273" r:id="rId3"/>
     <p:sldId id="274" r:id="rId4"/>
+    <p:sldId id="279" r:id="rId5"/>
+    <p:sldId id="275" r:id="rId6"/>
+    <p:sldId id="276" r:id="rId7"/>
+    <p:sldId id="277" r:id="rId8"/>
   </p:sldIdLst>
   <p:sldSz cx="12192000" cy="6858000"/>
   <p:notesSz cx="6858000" cy="9144000"/>
@@ -106,6 +110,11 @@
       </a:defRPr>
     </a:lvl9pPr>
   </p:defaultTextStyle>
+  <p:extLst>
+    <p:ext uri="{EFAFB233-063F-42B5-8137-9DF3F51BA10A}">
+      <p15:sldGuideLst xmlns:p15="http://schemas.microsoft.com/office/powerpoint/2012/main"/>
+    </p:ext>
+  </p:extLst>
 </p:presentation>
 </file>
 
@@ -256,7 +265,7 @@
           <a:p>
             <a:fld id="{90829C1E-E322-41E1-8B09-BD09A8CCC7E7}" type="datetimeFigureOut">
               <a:rPr lang="en-US" smtClean="0"/>
-              <a:t>3/4/2019</a:t>
+              <a:t>3/13/2019</a:t>
             </a:fld>
             <a:endParaRPr lang="en-US"/>
           </a:p>
@@ -454,7 +463,7 @@
           <a:p>
             <a:fld id="{90829C1E-E322-41E1-8B09-BD09A8CCC7E7}" type="datetimeFigureOut">
               <a:rPr lang="en-US" smtClean="0"/>
-              <a:t>3/4/2019</a:t>
+              <a:t>3/13/2019</a:t>
             </a:fld>
             <a:endParaRPr lang="en-US"/>
           </a:p>
@@ -662,7 +671,7 @@
           <a:p>
             <a:fld id="{90829C1E-E322-41E1-8B09-BD09A8CCC7E7}" type="datetimeFigureOut">
               <a:rPr lang="en-US" smtClean="0"/>
-              <a:t>3/4/2019</a:t>
+              <a:t>3/13/2019</a:t>
             </a:fld>
             <a:endParaRPr lang="en-US"/>
           </a:p>
@@ -860,7 +869,7 @@
           <a:p>
             <a:fld id="{90829C1E-E322-41E1-8B09-BD09A8CCC7E7}" type="datetimeFigureOut">
               <a:rPr lang="en-US" smtClean="0"/>
-              <a:t>3/4/2019</a:t>
+              <a:t>3/13/2019</a:t>
             </a:fld>
             <a:endParaRPr lang="en-US"/>
           </a:p>
@@ -1135,7 +1144,7 @@
           <a:p>
             <a:fld id="{90829C1E-E322-41E1-8B09-BD09A8CCC7E7}" type="datetimeFigureOut">
               <a:rPr lang="en-US" smtClean="0"/>
-              <a:t>3/4/2019</a:t>
+              <a:t>3/13/2019</a:t>
             </a:fld>
             <a:endParaRPr lang="en-US"/>
           </a:p>
@@ -1400,7 +1409,7 @@
           <a:p>
             <a:fld id="{90829C1E-E322-41E1-8B09-BD09A8CCC7E7}" type="datetimeFigureOut">
               <a:rPr lang="en-US" smtClean="0"/>
-              <a:t>3/4/2019</a:t>
+              <a:t>3/13/2019</a:t>
             </a:fld>
             <a:endParaRPr lang="en-US"/>
           </a:p>
@@ -1812,7 +1821,7 @@
           <a:p>
             <a:fld id="{90829C1E-E322-41E1-8B09-BD09A8CCC7E7}" type="datetimeFigureOut">
               <a:rPr lang="en-US" smtClean="0"/>
-              <a:t>3/4/2019</a:t>
+              <a:t>3/13/2019</a:t>
             </a:fld>
             <a:endParaRPr lang="en-US"/>
           </a:p>
@@ -1953,7 +1962,7 @@
           <a:p>
             <a:fld id="{90829C1E-E322-41E1-8B09-BD09A8CCC7E7}" type="datetimeFigureOut">
               <a:rPr lang="en-US" smtClean="0"/>
-              <a:t>3/4/2019</a:t>
+              <a:t>3/13/2019</a:t>
             </a:fld>
             <a:endParaRPr lang="en-US"/>
           </a:p>
@@ -2066,7 +2075,7 @@
           <a:p>
             <a:fld id="{90829C1E-E322-41E1-8B09-BD09A8CCC7E7}" type="datetimeFigureOut">
               <a:rPr lang="en-US" smtClean="0"/>
-              <a:t>3/4/2019</a:t>
+              <a:t>3/13/2019</a:t>
             </a:fld>
             <a:endParaRPr lang="en-US"/>
           </a:p>
@@ -2377,7 +2386,7 @@
           <a:p>
             <a:fld id="{90829C1E-E322-41E1-8B09-BD09A8CCC7E7}" type="datetimeFigureOut">
               <a:rPr lang="en-US" smtClean="0"/>
-              <a:t>3/4/2019</a:t>
+              <a:t>3/13/2019</a:t>
             </a:fld>
             <a:endParaRPr lang="en-US"/>
           </a:p>
@@ -2665,7 +2674,7 @@
           <a:p>
             <a:fld id="{90829C1E-E322-41E1-8B09-BD09A8CCC7E7}" type="datetimeFigureOut">
               <a:rPr lang="en-US" smtClean="0"/>
-              <a:t>3/4/2019</a:t>
+              <a:t>3/13/2019</a:t>
             </a:fld>
             <a:endParaRPr lang="en-US"/>
           </a:p>
@@ -2906,7 +2915,7 @@
           <a:p>
             <a:fld id="{90829C1E-E322-41E1-8B09-BD09A8CCC7E7}" type="datetimeFigureOut">
               <a:rPr lang="en-US" smtClean="0"/>
-              <a:t>3/4/2019</a:t>
+              <a:t>3/13/2019</a:t>
             </a:fld>
             <a:endParaRPr lang="en-US"/>
           </a:p>
@@ -5297,6 +5306,2493 @@
 </p:sld>
 </file>
 
+<file path=ppt/slides/slide4.xml><?xml version="1.0" encoding="utf-8"?>
+<p:sld xmlns:a="http://schemas.openxmlformats.org/drawingml/2006/main" xmlns:r="http://schemas.openxmlformats.org/officeDocument/2006/relationships" xmlns:p="http://schemas.openxmlformats.org/presentationml/2006/main">
+  <p:cSld>
+    <p:spTree>
+      <p:nvGrpSpPr>
+        <p:cNvPr id="1" name=""/>
+        <p:cNvGrpSpPr/>
+        <p:nvPr/>
+      </p:nvGrpSpPr>
+      <p:grpSpPr>
+        <a:xfrm>
+          <a:off x="0" y="0"/>
+          <a:ext cx="0" cy="0"/>
+          <a:chOff x="0" y="0"/>
+          <a:chExt cx="0" cy="0"/>
+        </a:xfrm>
+      </p:grpSpPr>
+      <p:sp>
+        <p:nvSpPr>
+          <p:cNvPr id="4" name="Title 1">
+            <a:extLst>
+              <a:ext uri="{FF2B5EF4-FFF2-40B4-BE49-F238E27FC236}">
+                <a16:creationId xmlns:a16="http://schemas.microsoft.com/office/drawing/2014/main" id="{400BF6D4-7C75-4FDB-A9F2-AE3E304B32E1}"/>
+              </a:ext>
+            </a:extLst>
+          </p:cNvPr>
+          <p:cNvSpPr>
+            <a:spLocks noGrp="1"/>
+          </p:cNvSpPr>
+          <p:nvPr>
+            <p:ph type="title"/>
+          </p:nvPr>
+        </p:nvSpPr>
+        <p:spPr>
+          <a:xfrm>
+            <a:off x="838200" y="0"/>
+            <a:ext cx="10515600" cy="919537"/>
+          </a:xfrm>
+        </p:spPr>
+        <p:txBody>
+          <a:bodyPr/>
+          <a:lstStyle/>
+          <a:p>
+            <a:pPr algn="ctr"/>
+            <a:r>
+              <a:rPr lang="ar-SY" b="1" dirty="0">
+                <a:solidFill>
+                  <a:srgbClr val="FF0000"/>
+                </a:solidFill>
+              </a:rPr>
+              <a:t>مشروع نظام تحكم رقمي</a:t>
+            </a:r>
+            <a:endParaRPr lang="en-US" b="1" dirty="0">
+              <a:solidFill>
+                <a:srgbClr val="FF0000"/>
+              </a:solidFill>
+            </a:endParaRPr>
+          </a:p>
+        </p:txBody>
+      </p:sp>
+      <p:sp>
+        <p:nvSpPr>
+          <p:cNvPr id="3" name="Content Placeholder 2">
+            <a:extLst>
+              <a:ext uri="{FF2B5EF4-FFF2-40B4-BE49-F238E27FC236}">
+                <a16:creationId xmlns:a16="http://schemas.microsoft.com/office/drawing/2014/main" id="{66772C95-8B64-4510-87F3-5B05D2685CDC}"/>
+              </a:ext>
+            </a:extLst>
+          </p:cNvPr>
+          <p:cNvSpPr>
+            <a:spLocks noGrp="1"/>
+          </p:cNvSpPr>
+          <p:nvPr>
+            <p:ph idx="1"/>
+          </p:nvPr>
+        </p:nvSpPr>
+        <p:spPr>
+          <a:xfrm>
+            <a:off x="1135294" y="873303"/>
+            <a:ext cx="10218506" cy="5568594"/>
+          </a:xfrm>
+        </p:spPr>
+        <p:txBody>
+          <a:bodyPr>
+            <a:normAutofit/>
+          </a:bodyPr>
+          <a:lstStyle/>
+          <a:p>
+            <a:pPr marL="0" indent="0" algn="r" rtl="1">
+              <a:lnSpc>
+                <a:spcPct val="150000"/>
+              </a:lnSpc>
+              <a:spcBef>
+                <a:spcPts val="0"/>
+              </a:spcBef>
+              <a:spcAft>
+                <a:spcPts val="1200"/>
+              </a:spcAft>
+              <a:buNone/>
+            </a:pPr>
+            <a:r>
+              <a:rPr lang="ar-SY" b="1" dirty="0">
+                <a:solidFill>
+                  <a:srgbClr val="FF0000"/>
+                </a:solidFill>
+              </a:rPr>
+              <a:t>اللقاء الأول</a:t>
+            </a:r>
+          </a:p>
+          <a:p>
+            <a:pPr algn="r" rtl="1">
+              <a:lnSpc>
+                <a:spcPct val="150000"/>
+              </a:lnSpc>
+              <a:spcBef>
+                <a:spcPts val="0"/>
+              </a:spcBef>
+              <a:spcAft>
+                <a:spcPts val="1200"/>
+              </a:spcAft>
+            </a:pPr>
+            <a:r>
+              <a:rPr lang="ar-SY" sz="2000" b="1" dirty="0"/>
+              <a:t>جدول مشاريع الطلاب على الرابط:</a:t>
+            </a:r>
+            <a:endParaRPr lang="en-US" sz="2000" b="1" dirty="0"/>
+          </a:p>
+          <a:p>
+            <a:pPr marL="0" indent="0" algn="ctr" rtl="1">
+              <a:lnSpc>
+                <a:spcPct val="150000"/>
+              </a:lnSpc>
+              <a:spcBef>
+                <a:spcPts val="0"/>
+              </a:spcBef>
+              <a:spcAft>
+                <a:spcPts val="1200"/>
+              </a:spcAft>
+              <a:buNone/>
+            </a:pPr>
+            <a:r>
+              <a:rPr lang="en-US" sz="2400" b="1" dirty="0">
+                <a:hlinkClick r:id="rId2"/>
+              </a:rPr>
+              <a:t>https://tinyurl.com/DigitalControlProj19View</a:t>
+            </a:r>
+            <a:r>
+              <a:rPr lang="en-US" sz="2400" b="1" dirty="0"/>
+              <a:t> </a:t>
+            </a:r>
+            <a:endParaRPr lang="ar-SY" sz="2400" b="1" dirty="0"/>
+          </a:p>
+          <a:p>
+            <a:pPr marL="914400" lvl="1" indent="-457200" algn="r" rtl="1">
+              <a:lnSpc>
+                <a:spcPct val="150000"/>
+              </a:lnSpc>
+              <a:spcBef>
+                <a:spcPts val="0"/>
+              </a:spcBef>
+              <a:spcAft>
+                <a:spcPts val="1200"/>
+              </a:spcAft>
+              <a:buFont typeface="+mj-lt"/>
+              <a:buAutoNum type="arabicPeriod"/>
+            </a:pPr>
+            <a:endParaRPr lang="ar-SY" sz="2000" b="1" dirty="0"/>
+          </a:p>
+          <a:p>
+            <a:pPr algn="r" rtl="1">
+              <a:lnSpc>
+                <a:spcPct val="150000"/>
+              </a:lnSpc>
+              <a:spcBef>
+                <a:spcPts val="0"/>
+              </a:spcBef>
+              <a:spcAft>
+                <a:spcPts val="1200"/>
+              </a:spcAft>
+            </a:pPr>
+            <a:endParaRPr lang="ar-SY" sz="2000" b="1" dirty="0"/>
+          </a:p>
+        </p:txBody>
+      </p:sp>
+    </p:spTree>
+    <p:extLst>
+      <p:ext uri="{BB962C8B-B14F-4D97-AF65-F5344CB8AC3E}">
+        <p14:creationId xmlns:p14="http://schemas.microsoft.com/office/powerpoint/2010/main" val="3300298523"/>
+      </p:ext>
+    </p:extLst>
+  </p:cSld>
+  <p:clrMapOvr>
+    <a:masterClrMapping/>
+  </p:clrMapOvr>
+  <p:timing>
+    <p:tnLst>
+      <p:par>
+        <p:cTn id="1" dur="indefinite" restart="never" nodeType="tmRoot">
+          <p:childTnLst>
+            <p:seq concurrent="1" nextAc="seek">
+              <p:cTn id="2" dur="indefinite" nodeType="mainSeq">
+                <p:childTnLst>
+                  <p:par>
+                    <p:cTn id="3" fill="hold">
+                      <p:stCondLst>
+                        <p:cond delay="indefinite"/>
+                      </p:stCondLst>
+                      <p:childTnLst>
+                        <p:par>
+                          <p:cTn id="4" fill="hold">
+                            <p:stCondLst>
+                              <p:cond delay="0"/>
+                            </p:stCondLst>
+                            <p:childTnLst>
+                              <p:par>
+                                <p:cTn id="5" presetID="1" presetClass="entr" presetSubtype="0" fill="hold" grpId="0" nodeType="clickEffect">
+                                  <p:stCondLst>
+                                    <p:cond delay="0"/>
+                                  </p:stCondLst>
+                                  <p:childTnLst>
+                                    <p:set>
+                                      <p:cBhvr>
+                                        <p:cTn id="6" dur="1" fill="hold">
+                                          <p:stCondLst>
+                                            <p:cond delay="0"/>
+                                          </p:stCondLst>
+                                        </p:cTn>
+                                        <p:tgtEl>
+                                          <p:spTgt spid="3">
+                                            <p:txEl>
+                                              <p:pRg st="0" end="0"/>
+                                            </p:txEl>
+                                          </p:spTgt>
+                                        </p:tgtEl>
+                                        <p:attrNameLst>
+                                          <p:attrName>style.visibility</p:attrName>
+                                        </p:attrNameLst>
+                                      </p:cBhvr>
+                                      <p:to>
+                                        <p:strVal val="visible"/>
+                                      </p:to>
+                                    </p:set>
+                                  </p:childTnLst>
+                                </p:cTn>
+                              </p:par>
+                            </p:childTnLst>
+                          </p:cTn>
+                        </p:par>
+                      </p:childTnLst>
+                    </p:cTn>
+                  </p:par>
+                  <p:par>
+                    <p:cTn id="7" fill="hold">
+                      <p:stCondLst>
+                        <p:cond delay="indefinite"/>
+                      </p:stCondLst>
+                      <p:childTnLst>
+                        <p:par>
+                          <p:cTn id="8" fill="hold">
+                            <p:stCondLst>
+                              <p:cond delay="0"/>
+                            </p:stCondLst>
+                            <p:childTnLst>
+                              <p:par>
+                                <p:cTn id="9" presetID="1" presetClass="entr" presetSubtype="0" fill="hold" grpId="0" nodeType="clickEffect">
+                                  <p:stCondLst>
+                                    <p:cond delay="0"/>
+                                  </p:stCondLst>
+                                  <p:childTnLst>
+                                    <p:set>
+                                      <p:cBhvr>
+                                        <p:cTn id="10" dur="1" fill="hold">
+                                          <p:stCondLst>
+                                            <p:cond delay="0"/>
+                                          </p:stCondLst>
+                                        </p:cTn>
+                                        <p:tgtEl>
+                                          <p:spTgt spid="3">
+                                            <p:txEl>
+                                              <p:pRg st="1" end="1"/>
+                                            </p:txEl>
+                                          </p:spTgt>
+                                        </p:tgtEl>
+                                        <p:attrNameLst>
+                                          <p:attrName>style.visibility</p:attrName>
+                                        </p:attrNameLst>
+                                      </p:cBhvr>
+                                      <p:to>
+                                        <p:strVal val="visible"/>
+                                      </p:to>
+                                    </p:set>
+                                  </p:childTnLst>
+                                </p:cTn>
+                              </p:par>
+                            </p:childTnLst>
+                          </p:cTn>
+                        </p:par>
+                      </p:childTnLst>
+                    </p:cTn>
+                  </p:par>
+                  <p:par>
+                    <p:cTn id="11" fill="hold">
+                      <p:stCondLst>
+                        <p:cond delay="indefinite"/>
+                      </p:stCondLst>
+                      <p:childTnLst>
+                        <p:par>
+                          <p:cTn id="12" fill="hold">
+                            <p:stCondLst>
+                              <p:cond delay="0"/>
+                            </p:stCondLst>
+                            <p:childTnLst>
+                              <p:par>
+                                <p:cTn id="13" presetID="1" presetClass="entr" presetSubtype="0" fill="hold" grpId="0" nodeType="clickEffect">
+                                  <p:stCondLst>
+                                    <p:cond delay="0"/>
+                                  </p:stCondLst>
+                                  <p:childTnLst>
+                                    <p:set>
+                                      <p:cBhvr>
+                                        <p:cTn id="14" dur="1" fill="hold">
+                                          <p:stCondLst>
+                                            <p:cond delay="0"/>
+                                          </p:stCondLst>
+                                        </p:cTn>
+                                        <p:tgtEl>
+                                          <p:spTgt spid="3">
+                                            <p:txEl>
+                                              <p:pRg st="2" end="2"/>
+                                            </p:txEl>
+                                          </p:spTgt>
+                                        </p:tgtEl>
+                                        <p:attrNameLst>
+                                          <p:attrName>style.visibility</p:attrName>
+                                        </p:attrNameLst>
+                                      </p:cBhvr>
+                                      <p:to>
+                                        <p:strVal val="visible"/>
+                                      </p:to>
+                                    </p:set>
+                                  </p:childTnLst>
+                                </p:cTn>
+                              </p:par>
+                            </p:childTnLst>
+                          </p:cTn>
+                        </p:par>
+                      </p:childTnLst>
+                    </p:cTn>
+                  </p:par>
+                </p:childTnLst>
+              </p:cTn>
+              <p:prevCondLst>
+                <p:cond evt="onPrev" delay="0">
+                  <p:tgtEl>
+                    <p:sldTgt/>
+                  </p:tgtEl>
+                </p:cond>
+              </p:prevCondLst>
+              <p:nextCondLst>
+                <p:cond evt="onNext" delay="0">
+                  <p:tgtEl>
+                    <p:sldTgt/>
+                  </p:tgtEl>
+                </p:cond>
+              </p:nextCondLst>
+            </p:seq>
+          </p:childTnLst>
+        </p:cTn>
+      </p:par>
+    </p:tnLst>
+    <p:bldLst>
+      <p:bldP spid="3" grpId="0" build="p"/>
+    </p:bldLst>
+  </p:timing>
+</p:sld>
+</file>
+
+<file path=ppt/slides/slide5.xml><?xml version="1.0" encoding="utf-8"?>
+<p:sld xmlns:a="http://schemas.openxmlformats.org/drawingml/2006/main" xmlns:r="http://schemas.openxmlformats.org/officeDocument/2006/relationships" xmlns:p="http://schemas.openxmlformats.org/presentationml/2006/main">
+  <p:cSld>
+    <p:spTree>
+      <p:nvGrpSpPr>
+        <p:cNvPr id="1" name=""/>
+        <p:cNvGrpSpPr/>
+        <p:nvPr/>
+      </p:nvGrpSpPr>
+      <p:grpSpPr>
+        <a:xfrm>
+          <a:off x="0" y="0"/>
+          <a:ext cx="0" cy="0"/>
+          <a:chOff x="0" y="0"/>
+          <a:chExt cx="0" cy="0"/>
+        </a:xfrm>
+      </p:grpSpPr>
+      <p:sp>
+        <p:nvSpPr>
+          <p:cNvPr id="4" name="Title 1">
+            <a:extLst>
+              <a:ext uri="{FF2B5EF4-FFF2-40B4-BE49-F238E27FC236}">
+                <a16:creationId xmlns:a16="http://schemas.microsoft.com/office/drawing/2014/main" id="{400BF6D4-7C75-4FDB-A9F2-AE3E304B32E1}"/>
+              </a:ext>
+            </a:extLst>
+          </p:cNvPr>
+          <p:cNvSpPr>
+            <a:spLocks noGrp="1"/>
+          </p:cNvSpPr>
+          <p:nvPr>
+            <p:ph type="title"/>
+          </p:nvPr>
+        </p:nvSpPr>
+        <p:spPr>
+          <a:xfrm>
+            <a:off x="838200" y="0"/>
+            <a:ext cx="10515600" cy="919537"/>
+          </a:xfrm>
+        </p:spPr>
+        <p:txBody>
+          <a:bodyPr/>
+          <a:lstStyle/>
+          <a:p>
+            <a:pPr algn="ctr"/>
+            <a:r>
+              <a:rPr lang="ar-SY" b="1" dirty="0">
+                <a:solidFill>
+                  <a:srgbClr val="FF0000"/>
+                </a:solidFill>
+              </a:rPr>
+              <a:t>مشروع نظام تحكم رقمي</a:t>
+            </a:r>
+            <a:endParaRPr lang="en-US" b="1" dirty="0">
+              <a:solidFill>
+                <a:srgbClr val="FF0000"/>
+              </a:solidFill>
+            </a:endParaRPr>
+          </a:p>
+        </p:txBody>
+      </p:sp>
+      <p:sp>
+        <p:nvSpPr>
+          <p:cNvPr id="3" name="Content Placeholder 2">
+            <a:extLst>
+              <a:ext uri="{FF2B5EF4-FFF2-40B4-BE49-F238E27FC236}">
+                <a16:creationId xmlns:a16="http://schemas.microsoft.com/office/drawing/2014/main" id="{66772C95-8B64-4510-87F3-5B05D2685CDC}"/>
+              </a:ext>
+            </a:extLst>
+          </p:cNvPr>
+          <p:cNvSpPr>
+            <a:spLocks noGrp="1"/>
+          </p:cNvSpPr>
+          <p:nvPr>
+            <p:ph idx="1"/>
+          </p:nvPr>
+        </p:nvSpPr>
+        <p:spPr>
+          <a:xfrm>
+            <a:off x="1135294" y="873303"/>
+            <a:ext cx="10218506" cy="5568594"/>
+          </a:xfrm>
+        </p:spPr>
+        <p:txBody>
+          <a:bodyPr>
+            <a:normAutofit/>
+          </a:bodyPr>
+          <a:lstStyle/>
+          <a:p>
+            <a:pPr marL="0" indent="0" algn="r" rtl="1">
+              <a:lnSpc>
+                <a:spcPct val="150000"/>
+              </a:lnSpc>
+              <a:spcBef>
+                <a:spcPts val="0"/>
+              </a:spcBef>
+              <a:spcAft>
+                <a:spcPts val="600"/>
+              </a:spcAft>
+              <a:buNone/>
+            </a:pPr>
+            <a:r>
+              <a:rPr lang="ar-SY" b="1" dirty="0">
+                <a:solidFill>
+                  <a:srgbClr val="FF0000"/>
+                </a:solidFill>
+              </a:rPr>
+              <a:t>اللقاء الثاني</a:t>
+            </a:r>
+          </a:p>
+          <a:p>
+            <a:pPr algn="r" rtl="1">
+              <a:lnSpc>
+                <a:spcPct val="150000"/>
+              </a:lnSpc>
+              <a:spcBef>
+                <a:spcPts val="0"/>
+              </a:spcBef>
+              <a:spcAft>
+                <a:spcPts val="600"/>
+              </a:spcAft>
+            </a:pPr>
+            <a:r>
+              <a:rPr lang="ar-SY" sz="2000" b="1" dirty="0"/>
+              <a:t>الثلاثاء </a:t>
+            </a:r>
+            <a:r>
+              <a:rPr lang="en-US" sz="2000" b="1" dirty="0"/>
+              <a:t>26/3/2019</a:t>
+            </a:r>
+            <a:r>
+              <a:rPr lang="ar-SY" sz="2000" b="1" dirty="0"/>
+              <a:t>: مخبر الإلكترونيات الصناعية مع أ. زكي اعتباراً من الساعة 10:00.</a:t>
+            </a:r>
+            <a:endParaRPr lang="en-US" sz="2000" b="1" dirty="0"/>
+          </a:p>
+          <a:p>
+            <a:pPr algn="r" rtl="1">
+              <a:lnSpc>
+                <a:spcPct val="150000"/>
+              </a:lnSpc>
+              <a:spcBef>
+                <a:spcPts val="0"/>
+              </a:spcBef>
+              <a:spcAft>
+                <a:spcPts val="600"/>
+              </a:spcAft>
+            </a:pPr>
+            <a:r>
+              <a:rPr lang="ar-SY" sz="2000" b="1" dirty="0"/>
+              <a:t>المطلوب إنجازه:</a:t>
+            </a:r>
+          </a:p>
+          <a:p>
+            <a:pPr lvl="1" algn="r" rtl="1">
+              <a:lnSpc>
+                <a:spcPct val="150000"/>
+              </a:lnSpc>
+              <a:spcBef>
+                <a:spcPts val="0"/>
+              </a:spcBef>
+              <a:spcAft>
+                <a:spcPts val="600"/>
+              </a:spcAft>
+            </a:pPr>
+            <a:r>
+              <a:rPr lang="ar-SY" sz="2000" b="1" dirty="0"/>
+              <a:t>البحث عن تصميم دارة المشروع</a:t>
+            </a:r>
+            <a:endParaRPr lang="en-US" sz="2000" b="1" dirty="0"/>
+          </a:p>
+          <a:p>
+            <a:pPr lvl="1" algn="r" rtl="1">
+              <a:lnSpc>
+                <a:spcPct val="150000"/>
+              </a:lnSpc>
+              <a:spcBef>
+                <a:spcPts val="0"/>
+              </a:spcBef>
+              <a:spcAft>
+                <a:spcPts val="600"/>
+              </a:spcAft>
+            </a:pPr>
+            <a:r>
+              <a:rPr lang="ar-SY" sz="2000" b="1" dirty="0"/>
+              <a:t>اختيار عناصر المشروع وتقدير الميزانية</a:t>
+            </a:r>
+          </a:p>
+          <a:p>
+            <a:pPr lvl="1" algn="r" rtl="1">
+              <a:lnSpc>
+                <a:spcPct val="150000"/>
+              </a:lnSpc>
+              <a:spcBef>
+                <a:spcPts val="0"/>
+              </a:spcBef>
+              <a:spcAft>
+                <a:spcPts val="600"/>
+              </a:spcAft>
+            </a:pPr>
+            <a:r>
+              <a:rPr lang="ar-SY" sz="2000" b="1" dirty="0"/>
+              <a:t>رسم المخطط النظري </a:t>
+            </a:r>
+            <a:r>
+              <a:rPr lang="en-US" sz="2000" b="1" dirty="0"/>
+              <a:t>schematic</a:t>
+            </a:r>
+            <a:r>
+              <a:rPr lang="ar-SY" sz="2000" b="1" dirty="0"/>
+              <a:t> باستخدام برنامج </a:t>
+            </a:r>
+            <a:r>
+              <a:rPr lang="en-US" sz="2000" b="1" dirty="0"/>
+              <a:t>Eagle</a:t>
+            </a:r>
+            <a:endParaRPr lang="ar-SY" sz="2000" b="1" dirty="0"/>
+          </a:p>
+          <a:p>
+            <a:pPr algn="r" rtl="1">
+              <a:lnSpc>
+                <a:spcPct val="150000"/>
+              </a:lnSpc>
+              <a:spcBef>
+                <a:spcPts val="0"/>
+              </a:spcBef>
+              <a:spcAft>
+                <a:spcPts val="600"/>
+              </a:spcAft>
+            </a:pPr>
+            <a:endParaRPr lang="ar-SY" sz="2000" b="1" dirty="0"/>
+          </a:p>
+        </p:txBody>
+      </p:sp>
+    </p:spTree>
+    <p:extLst>
+      <p:ext uri="{BB962C8B-B14F-4D97-AF65-F5344CB8AC3E}">
+        <p14:creationId xmlns:p14="http://schemas.microsoft.com/office/powerpoint/2010/main" val="2165248113"/>
+      </p:ext>
+    </p:extLst>
+  </p:cSld>
+  <p:clrMapOvr>
+    <a:masterClrMapping/>
+  </p:clrMapOvr>
+  <p:timing>
+    <p:tnLst>
+      <p:par>
+        <p:cTn id="1" dur="indefinite" restart="never" nodeType="tmRoot">
+          <p:childTnLst>
+            <p:seq concurrent="1" nextAc="seek">
+              <p:cTn id="2" dur="indefinite" nodeType="mainSeq">
+                <p:childTnLst>
+                  <p:par>
+                    <p:cTn id="3" fill="hold">
+                      <p:stCondLst>
+                        <p:cond delay="indefinite"/>
+                      </p:stCondLst>
+                      <p:childTnLst>
+                        <p:par>
+                          <p:cTn id="4" fill="hold">
+                            <p:stCondLst>
+                              <p:cond delay="0"/>
+                            </p:stCondLst>
+                            <p:childTnLst>
+                              <p:par>
+                                <p:cTn id="5" presetID="1" presetClass="entr" presetSubtype="0" fill="hold" grpId="0" nodeType="clickEffect">
+                                  <p:stCondLst>
+                                    <p:cond delay="0"/>
+                                  </p:stCondLst>
+                                  <p:childTnLst>
+                                    <p:set>
+                                      <p:cBhvr>
+                                        <p:cTn id="6" dur="1" fill="hold">
+                                          <p:stCondLst>
+                                            <p:cond delay="0"/>
+                                          </p:stCondLst>
+                                        </p:cTn>
+                                        <p:tgtEl>
+                                          <p:spTgt spid="3">
+                                            <p:txEl>
+                                              <p:pRg st="0" end="0"/>
+                                            </p:txEl>
+                                          </p:spTgt>
+                                        </p:tgtEl>
+                                        <p:attrNameLst>
+                                          <p:attrName>style.visibility</p:attrName>
+                                        </p:attrNameLst>
+                                      </p:cBhvr>
+                                      <p:to>
+                                        <p:strVal val="visible"/>
+                                      </p:to>
+                                    </p:set>
+                                  </p:childTnLst>
+                                </p:cTn>
+                              </p:par>
+                            </p:childTnLst>
+                          </p:cTn>
+                        </p:par>
+                      </p:childTnLst>
+                    </p:cTn>
+                  </p:par>
+                  <p:par>
+                    <p:cTn id="7" fill="hold">
+                      <p:stCondLst>
+                        <p:cond delay="indefinite"/>
+                      </p:stCondLst>
+                      <p:childTnLst>
+                        <p:par>
+                          <p:cTn id="8" fill="hold">
+                            <p:stCondLst>
+                              <p:cond delay="0"/>
+                            </p:stCondLst>
+                            <p:childTnLst>
+                              <p:par>
+                                <p:cTn id="9" presetID="1" presetClass="entr" presetSubtype="0" fill="hold" grpId="0" nodeType="clickEffect">
+                                  <p:stCondLst>
+                                    <p:cond delay="0"/>
+                                  </p:stCondLst>
+                                  <p:childTnLst>
+                                    <p:set>
+                                      <p:cBhvr>
+                                        <p:cTn id="10" dur="1" fill="hold">
+                                          <p:stCondLst>
+                                            <p:cond delay="0"/>
+                                          </p:stCondLst>
+                                        </p:cTn>
+                                        <p:tgtEl>
+                                          <p:spTgt spid="3">
+                                            <p:txEl>
+                                              <p:pRg st="1" end="1"/>
+                                            </p:txEl>
+                                          </p:spTgt>
+                                        </p:tgtEl>
+                                        <p:attrNameLst>
+                                          <p:attrName>style.visibility</p:attrName>
+                                        </p:attrNameLst>
+                                      </p:cBhvr>
+                                      <p:to>
+                                        <p:strVal val="visible"/>
+                                      </p:to>
+                                    </p:set>
+                                  </p:childTnLst>
+                                </p:cTn>
+                              </p:par>
+                            </p:childTnLst>
+                          </p:cTn>
+                        </p:par>
+                      </p:childTnLst>
+                    </p:cTn>
+                  </p:par>
+                  <p:par>
+                    <p:cTn id="11" fill="hold">
+                      <p:stCondLst>
+                        <p:cond delay="indefinite"/>
+                      </p:stCondLst>
+                      <p:childTnLst>
+                        <p:par>
+                          <p:cTn id="12" fill="hold">
+                            <p:stCondLst>
+                              <p:cond delay="0"/>
+                            </p:stCondLst>
+                            <p:childTnLst>
+                              <p:par>
+                                <p:cTn id="13" presetID="1" presetClass="entr" presetSubtype="0" fill="hold" grpId="0" nodeType="clickEffect">
+                                  <p:stCondLst>
+                                    <p:cond delay="0"/>
+                                  </p:stCondLst>
+                                  <p:childTnLst>
+                                    <p:set>
+                                      <p:cBhvr>
+                                        <p:cTn id="14" dur="1" fill="hold">
+                                          <p:stCondLst>
+                                            <p:cond delay="0"/>
+                                          </p:stCondLst>
+                                        </p:cTn>
+                                        <p:tgtEl>
+                                          <p:spTgt spid="3">
+                                            <p:txEl>
+                                              <p:pRg st="2" end="2"/>
+                                            </p:txEl>
+                                          </p:spTgt>
+                                        </p:tgtEl>
+                                        <p:attrNameLst>
+                                          <p:attrName>style.visibility</p:attrName>
+                                        </p:attrNameLst>
+                                      </p:cBhvr>
+                                      <p:to>
+                                        <p:strVal val="visible"/>
+                                      </p:to>
+                                    </p:set>
+                                  </p:childTnLst>
+                                </p:cTn>
+                              </p:par>
+                              <p:par>
+                                <p:cTn id="15" presetID="1" presetClass="entr" presetSubtype="0" fill="hold" grpId="0" nodeType="withEffect">
+                                  <p:stCondLst>
+                                    <p:cond delay="0"/>
+                                  </p:stCondLst>
+                                  <p:childTnLst>
+                                    <p:set>
+                                      <p:cBhvr>
+                                        <p:cTn id="16" dur="1" fill="hold">
+                                          <p:stCondLst>
+                                            <p:cond delay="0"/>
+                                          </p:stCondLst>
+                                        </p:cTn>
+                                        <p:tgtEl>
+                                          <p:spTgt spid="3">
+                                            <p:txEl>
+                                              <p:pRg st="3" end="3"/>
+                                            </p:txEl>
+                                          </p:spTgt>
+                                        </p:tgtEl>
+                                        <p:attrNameLst>
+                                          <p:attrName>style.visibility</p:attrName>
+                                        </p:attrNameLst>
+                                      </p:cBhvr>
+                                      <p:to>
+                                        <p:strVal val="visible"/>
+                                      </p:to>
+                                    </p:set>
+                                  </p:childTnLst>
+                                </p:cTn>
+                              </p:par>
+                              <p:par>
+                                <p:cTn id="17" presetID="1" presetClass="entr" presetSubtype="0" fill="hold" grpId="0" nodeType="withEffect">
+                                  <p:stCondLst>
+                                    <p:cond delay="0"/>
+                                  </p:stCondLst>
+                                  <p:childTnLst>
+                                    <p:set>
+                                      <p:cBhvr>
+                                        <p:cTn id="18" dur="1" fill="hold">
+                                          <p:stCondLst>
+                                            <p:cond delay="0"/>
+                                          </p:stCondLst>
+                                        </p:cTn>
+                                        <p:tgtEl>
+                                          <p:spTgt spid="3">
+                                            <p:txEl>
+                                              <p:pRg st="4" end="4"/>
+                                            </p:txEl>
+                                          </p:spTgt>
+                                        </p:tgtEl>
+                                        <p:attrNameLst>
+                                          <p:attrName>style.visibility</p:attrName>
+                                        </p:attrNameLst>
+                                      </p:cBhvr>
+                                      <p:to>
+                                        <p:strVal val="visible"/>
+                                      </p:to>
+                                    </p:set>
+                                  </p:childTnLst>
+                                </p:cTn>
+                              </p:par>
+                              <p:par>
+                                <p:cTn id="19" presetID="1" presetClass="entr" presetSubtype="0" fill="hold" grpId="0" nodeType="withEffect">
+                                  <p:stCondLst>
+                                    <p:cond delay="0"/>
+                                  </p:stCondLst>
+                                  <p:childTnLst>
+                                    <p:set>
+                                      <p:cBhvr>
+                                        <p:cTn id="20" dur="1" fill="hold">
+                                          <p:stCondLst>
+                                            <p:cond delay="0"/>
+                                          </p:stCondLst>
+                                        </p:cTn>
+                                        <p:tgtEl>
+                                          <p:spTgt spid="3">
+                                            <p:txEl>
+                                              <p:pRg st="5" end="5"/>
+                                            </p:txEl>
+                                          </p:spTgt>
+                                        </p:tgtEl>
+                                        <p:attrNameLst>
+                                          <p:attrName>style.visibility</p:attrName>
+                                        </p:attrNameLst>
+                                      </p:cBhvr>
+                                      <p:to>
+                                        <p:strVal val="visible"/>
+                                      </p:to>
+                                    </p:set>
+                                  </p:childTnLst>
+                                </p:cTn>
+                              </p:par>
+                            </p:childTnLst>
+                          </p:cTn>
+                        </p:par>
+                      </p:childTnLst>
+                    </p:cTn>
+                  </p:par>
+                </p:childTnLst>
+              </p:cTn>
+              <p:prevCondLst>
+                <p:cond evt="onPrev" delay="0">
+                  <p:tgtEl>
+                    <p:sldTgt/>
+                  </p:tgtEl>
+                </p:cond>
+              </p:prevCondLst>
+              <p:nextCondLst>
+                <p:cond evt="onNext" delay="0">
+                  <p:tgtEl>
+                    <p:sldTgt/>
+                  </p:tgtEl>
+                </p:cond>
+              </p:nextCondLst>
+            </p:seq>
+          </p:childTnLst>
+        </p:cTn>
+      </p:par>
+    </p:tnLst>
+    <p:bldLst>
+      <p:bldP spid="3" grpId="0" build="p"/>
+    </p:bldLst>
+  </p:timing>
+</p:sld>
+</file>
+
+<file path=ppt/slides/slide6.xml><?xml version="1.0" encoding="utf-8"?>
+<p:sld xmlns:a="http://schemas.openxmlformats.org/drawingml/2006/main" xmlns:r="http://schemas.openxmlformats.org/officeDocument/2006/relationships" xmlns:p="http://schemas.openxmlformats.org/presentationml/2006/main">
+  <p:cSld>
+    <p:spTree>
+      <p:nvGrpSpPr>
+        <p:cNvPr id="1" name=""/>
+        <p:cNvGrpSpPr/>
+        <p:nvPr/>
+      </p:nvGrpSpPr>
+      <p:grpSpPr>
+        <a:xfrm>
+          <a:off x="0" y="0"/>
+          <a:ext cx="0" cy="0"/>
+          <a:chOff x="0" y="0"/>
+          <a:chExt cx="0" cy="0"/>
+        </a:xfrm>
+      </p:grpSpPr>
+      <p:sp>
+        <p:nvSpPr>
+          <p:cNvPr id="4" name="Title 1">
+            <a:extLst>
+              <a:ext uri="{FF2B5EF4-FFF2-40B4-BE49-F238E27FC236}">
+                <a16:creationId xmlns:a16="http://schemas.microsoft.com/office/drawing/2014/main" id="{400BF6D4-7C75-4FDB-A9F2-AE3E304B32E1}"/>
+              </a:ext>
+            </a:extLst>
+          </p:cNvPr>
+          <p:cNvSpPr>
+            <a:spLocks noGrp="1"/>
+          </p:cNvSpPr>
+          <p:nvPr>
+            <p:ph type="title"/>
+          </p:nvPr>
+        </p:nvSpPr>
+        <p:spPr>
+          <a:xfrm>
+            <a:off x="838200" y="0"/>
+            <a:ext cx="10515600" cy="919537"/>
+          </a:xfrm>
+        </p:spPr>
+        <p:txBody>
+          <a:bodyPr/>
+          <a:lstStyle/>
+          <a:p>
+            <a:pPr algn="ctr"/>
+            <a:r>
+              <a:rPr lang="ar-SY" b="1" dirty="0">
+                <a:solidFill>
+                  <a:srgbClr val="FF0000"/>
+                </a:solidFill>
+              </a:rPr>
+              <a:t>مشروع نظام تحكم رقمي</a:t>
+            </a:r>
+            <a:endParaRPr lang="en-US" b="1" dirty="0">
+              <a:solidFill>
+                <a:srgbClr val="FF0000"/>
+              </a:solidFill>
+            </a:endParaRPr>
+          </a:p>
+        </p:txBody>
+      </p:sp>
+      <p:sp>
+        <p:nvSpPr>
+          <p:cNvPr id="3" name="Content Placeholder 2">
+            <a:extLst>
+              <a:ext uri="{FF2B5EF4-FFF2-40B4-BE49-F238E27FC236}">
+                <a16:creationId xmlns:a16="http://schemas.microsoft.com/office/drawing/2014/main" id="{66772C95-8B64-4510-87F3-5B05D2685CDC}"/>
+              </a:ext>
+            </a:extLst>
+          </p:cNvPr>
+          <p:cNvSpPr>
+            <a:spLocks noGrp="1"/>
+          </p:cNvSpPr>
+          <p:nvPr>
+            <p:ph idx="1"/>
+          </p:nvPr>
+        </p:nvSpPr>
+        <p:spPr>
+          <a:xfrm>
+            <a:off x="1135294" y="873303"/>
+            <a:ext cx="10218506" cy="5568594"/>
+          </a:xfrm>
+        </p:spPr>
+        <p:txBody>
+          <a:bodyPr>
+            <a:normAutofit/>
+          </a:bodyPr>
+          <a:lstStyle/>
+          <a:p>
+            <a:pPr marL="0" indent="0" algn="r" rtl="1">
+              <a:lnSpc>
+                <a:spcPct val="150000"/>
+              </a:lnSpc>
+              <a:spcBef>
+                <a:spcPts val="0"/>
+              </a:spcBef>
+              <a:spcAft>
+                <a:spcPts val="600"/>
+              </a:spcAft>
+              <a:buNone/>
+            </a:pPr>
+            <a:r>
+              <a:rPr lang="ar-SY" b="1" dirty="0">
+                <a:solidFill>
+                  <a:srgbClr val="FF0000"/>
+                </a:solidFill>
+              </a:rPr>
+              <a:t>اللقاء الثاني</a:t>
+            </a:r>
+          </a:p>
+          <a:p>
+            <a:pPr algn="r" rtl="1">
+              <a:lnSpc>
+                <a:spcPct val="150000"/>
+              </a:lnSpc>
+              <a:spcBef>
+                <a:spcPts val="0"/>
+              </a:spcBef>
+              <a:spcAft>
+                <a:spcPts val="600"/>
+              </a:spcAft>
+            </a:pPr>
+            <a:r>
+              <a:rPr lang="ar-SY" sz="2400" b="1" dirty="0"/>
+              <a:t>البحث عن تصميم دارة المشروع</a:t>
+            </a:r>
+            <a:endParaRPr lang="en-US" sz="2400" b="1" dirty="0"/>
+          </a:p>
+          <a:p>
+            <a:pPr lvl="1" algn="r" rtl="1">
+              <a:lnSpc>
+                <a:spcPct val="150000"/>
+              </a:lnSpc>
+              <a:spcBef>
+                <a:spcPts val="0"/>
+              </a:spcBef>
+              <a:spcAft>
+                <a:spcPts val="600"/>
+              </a:spcAft>
+            </a:pPr>
+            <a:r>
+              <a:rPr lang="ar-SY" sz="3200" b="1" dirty="0"/>
+              <a:t>ابحث على الانترنت!</a:t>
+            </a:r>
+          </a:p>
+          <a:p>
+            <a:pPr lvl="1" algn="r" rtl="1">
+              <a:lnSpc>
+                <a:spcPct val="150000"/>
+              </a:lnSpc>
+              <a:spcBef>
+                <a:spcPts val="0"/>
+              </a:spcBef>
+              <a:spcAft>
+                <a:spcPts val="600"/>
+              </a:spcAft>
+            </a:pPr>
+            <a:r>
+              <a:rPr lang="ar-SY" sz="2000" b="1" dirty="0"/>
+              <a:t>المشاريع السابقة في الكلية</a:t>
+            </a:r>
+          </a:p>
+          <a:p>
+            <a:pPr lvl="1" algn="r" rtl="1">
+              <a:lnSpc>
+                <a:spcPct val="150000"/>
+              </a:lnSpc>
+              <a:spcBef>
+                <a:spcPts val="0"/>
+              </a:spcBef>
+              <a:spcAft>
+                <a:spcPts val="600"/>
+              </a:spcAft>
+            </a:pPr>
+            <a:r>
+              <a:rPr lang="ar-SY" sz="2000" b="1" dirty="0"/>
+              <a:t>اسأل المهندسين أو الطلاب السابقين</a:t>
+            </a:r>
+          </a:p>
+          <a:p>
+            <a:pPr lvl="1" algn="r" rtl="1">
+              <a:lnSpc>
+                <a:spcPct val="150000"/>
+              </a:lnSpc>
+              <a:spcBef>
+                <a:spcPts val="0"/>
+              </a:spcBef>
+              <a:spcAft>
+                <a:spcPts val="600"/>
+              </a:spcAft>
+            </a:pPr>
+            <a:r>
+              <a:rPr lang="ar-SY" sz="2000" b="1" dirty="0"/>
+              <a:t>اسأل المهندسين في مخبر المعالجات</a:t>
+            </a:r>
+          </a:p>
+          <a:p>
+            <a:pPr lvl="1" algn="r" rtl="1">
+              <a:lnSpc>
+                <a:spcPct val="150000"/>
+              </a:lnSpc>
+              <a:spcBef>
+                <a:spcPts val="0"/>
+              </a:spcBef>
+              <a:spcAft>
+                <a:spcPts val="600"/>
+              </a:spcAft>
+            </a:pPr>
+            <a:r>
+              <a:rPr lang="ar-SY" b="1" dirty="0"/>
+              <a:t>...</a:t>
+            </a:r>
+            <a:endParaRPr lang="en-US" b="1" dirty="0"/>
+          </a:p>
+          <a:p>
+            <a:pPr algn="r" rtl="1">
+              <a:lnSpc>
+                <a:spcPct val="150000"/>
+              </a:lnSpc>
+              <a:spcBef>
+                <a:spcPts val="0"/>
+              </a:spcBef>
+              <a:spcAft>
+                <a:spcPts val="600"/>
+              </a:spcAft>
+            </a:pPr>
+            <a:endParaRPr lang="ar-SY" sz="2000" b="1" dirty="0"/>
+          </a:p>
+        </p:txBody>
+      </p:sp>
+    </p:spTree>
+    <p:extLst>
+      <p:ext uri="{BB962C8B-B14F-4D97-AF65-F5344CB8AC3E}">
+        <p14:creationId xmlns:p14="http://schemas.microsoft.com/office/powerpoint/2010/main" val="3961725265"/>
+      </p:ext>
+    </p:extLst>
+  </p:cSld>
+  <p:clrMapOvr>
+    <a:masterClrMapping/>
+  </p:clrMapOvr>
+  <p:timing>
+    <p:tnLst>
+      <p:par>
+        <p:cTn id="1" dur="indefinite" restart="never" nodeType="tmRoot">
+          <p:childTnLst>
+            <p:seq concurrent="1" nextAc="seek">
+              <p:cTn id="2" dur="indefinite" nodeType="mainSeq">
+                <p:childTnLst>
+                  <p:par>
+                    <p:cTn id="3" fill="hold">
+                      <p:stCondLst>
+                        <p:cond delay="indefinite"/>
+                      </p:stCondLst>
+                      <p:childTnLst>
+                        <p:par>
+                          <p:cTn id="4" fill="hold">
+                            <p:stCondLst>
+                              <p:cond delay="0"/>
+                            </p:stCondLst>
+                            <p:childTnLst>
+                              <p:par>
+                                <p:cTn id="5" presetID="1" presetClass="entr" presetSubtype="0" fill="hold" grpId="0" nodeType="clickEffect">
+                                  <p:stCondLst>
+                                    <p:cond delay="0"/>
+                                  </p:stCondLst>
+                                  <p:childTnLst>
+                                    <p:set>
+                                      <p:cBhvr>
+                                        <p:cTn id="6" dur="1" fill="hold">
+                                          <p:stCondLst>
+                                            <p:cond delay="0"/>
+                                          </p:stCondLst>
+                                        </p:cTn>
+                                        <p:tgtEl>
+                                          <p:spTgt spid="3">
+                                            <p:txEl>
+                                              <p:pRg st="0" end="0"/>
+                                            </p:txEl>
+                                          </p:spTgt>
+                                        </p:tgtEl>
+                                        <p:attrNameLst>
+                                          <p:attrName>style.visibility</p:attrName>
+                                        </p:attrNameLst>
+                                      </p:cBhvr>
+                                      <p:to>
+                                        <p:strVal val="visible"/>
+                                      </p:to>
+                                    </p:set>
+                                  </p:childTnLst>
+                                </p:cTn>
+                              </p:par>
+                            </p:childTnLst>
+                          </p:cTn>
+                        </p:par>
+                      </p:childTnLst>
+                    </p:cTn>
+                  </p:par>
+                  <p:par>
+                    <p:cTn id="7" fill="hold">
+                      <p:stCondLst>
+                        <p:cond delay="indefinite"/>
+                      </p:stCondLst>
+                      <p:childTnLst>
+                        <p:par>
+                          <p:cTn id="8" fill="hold">
+                            <p:stCondLst>
+                              <p:cond delay="0"/>
+                            </p:stCondLst>
+                            <p:childTnLst>
+                              <p:par>
+                                <p:cTn id="9" presetID="1" presetClass="entr" presetSubtype="0" fill="hold" grpId="0" nodeType="clickEffect">
+                                  <p:stCondLst>
+                                    <p:cond delay="0"/>
+                                  </p:stCondLst>
+                                  <p:childTnLst>
+                                    <p:set>
+                                      <p:cBhvr>
+                                        <p:cTn id="10" dur="1" fill="hold">
+                                          <p:stCondLst>
+                                            <p:cond delay="0"/>
+                                          </p:stCondLst>
+                                        </p:cTn>
+                                        <p:tgtEl>
+                                          <p:spTgt spid="3">
+                                            <p:txEl>
+                                              <p:pRg st="1" end="1"/>
+                                            </p:txEl>
+                                          </p:spTgt>
+                                        </p:tgtEl>
+                                        <p:attrNameLst>
+                                          <p:attrName>style.visibility</p:attrName>
+                                        </p:attrNameLst>
+                                      </p:cBhvr>
+                                      <p:to>
+                                        <p:strVal val="visible"/>
+                                      </p:to>
+                                    </p:set>
+                                  </p:childTnLst>
+                                </p:cTn>
+                              </p:par>
+                              <p:par>
+                                <p:cTn id="11" presetID="1" presetClass="entr" presetSubtype="0" fill="hold" grpId="0" nodeType="withEffect">
+                                  <p:stCondLst>
+                                    <p:cond delay="0"/>
+                                  </p:stCondLst>
+                                  <p:childTnLst>
+                                    <p:set>
+                                      <p:cBhvr>
+                                        <p:cTn id="12" dur="1" fill="hold">
+                                          <p:stCondLst>
+                                            <p:cond delay="0"/>
+                                          </p:stCondLst>
+                                        </p:cTn>
+                                        <p:tgtEl>
+                                          <p:spTgt spid="3">
+                                            <p:txEl>
+                                              <p:pRg st="2" end="2"/>
+                                            </p:txEl>
+                                          </p:spTgt>
+                                        </p:tgtEl>
+                                        <p:attrNameLst>
+                                          <p:attrName>style.visibility</p:attrName>
+                                        </p:attrNameLst>
+                                      </p:cBhvr>
+                                      <p:to>
+                                        <p:strVal val="visible"/>
+                                      </p:to>
+                                    </p:set>
+                                  </p:childTnLst>
+                                </p:cTn>
+                              </p:par>
+                              <p:par>
+                                <p:cTn id="13" presetID="1" presetClass="entr" presetSubtype="0" fill="hold" grpId="0" nodeType="withEffect">
+                                  <p:stCondLst>
+                                    <p:cond delay="0"/>
+                                  </p:stCondLst>
+                                  <p:childTnLst>
+                                    <p:set>
+                                      <p:cBhvr>
+                                        <p:cTn id="14" dur="1" fill="hold">
+                                          <p:stCondLst>
+                                            <p:cond delay="0"/>
+                                          </p:stCondLst>
+                                        </p:cTn>
+                                        <p:tgtEl>
+                                          <p:spTgt spid="3">
+                                            <p:txEl>
+                                              <p:pRg st="3" end="3"/>
+                                            </p:txEl>
+                                          </p:spTgt>
+                                        </p:tgtEl>
+                                        <p:attrNameLst>
+                                          <p:attrName>style.visibility</p:attrName>
+                                        </p:attrNameLst>
+                                      </p:cBhvr>
+                                      <p:to>
+                                        <p:strVal val="visible"/>
+                                      </p:to>
+                                    </p:set>
+                                  </p:childTnLst>
+                                </p:cTn>
+                              </p:par>
+                              <p:par>
+                                <p:cTn id="15" presetID="1" presetClass="entr" presetSubtype="0" fill="hold" grpId="0" nodeType="withEffect">
+                                  <p:stCondLst>
+                                    <p:cond delay="0"/>
+                                  </p:stCondLst>
+                                  <p:childTnLst>
+                                    <p:set>
+                                      <p:cBhvr>
+                                        <p:cTn id="16" dur="1" fill="hold">
+                                          <p:stCondLst>
+                                            <p:cond delay="0"/>
+                                          </p:stCondLst>
+                                        </p:cTn>
+                                        <p:tgtEl>
+                                          <p:spTgt spid="3">
+                                            <p:txEl>
+                                              <p:pRg st="4" end="4"/>
+                                            </p:txEl>
+                                          </p:spTgt>
+                                        </p:tgtEl>
+                                        <p:attrNameLst>
+                                          <p:attrName>style.visibility</p:attrName>
+                                        </p:attrNameLst>
+                                      </p:cBhvr>
+                                      <p:to>
+                                        <p:strVal val="visible"/>
+                                      </p:to>
+                                    </p:set>
+                                  </p:childTnLst>
+                                </p:cTn>
+                              </p:par>
+                              <p:par>
+                                <p:cTn id="17" presetID="1" presetClass="entr" presetSubtype="0" fill="hold" grpId="0" nodeType="withEffect">
+                                  <p:stCondLst>
+                                    <p:cond delay="0"/>
+                                  </p:stCondLst>
+                                  <p:childTnLst>
+                                    <p:set>
+                                      <p:cBhvr>
+                                        <p:cTn id="18" dur="1" fill="hold">
+                                          <p:stCondLst>
+                                            <p:cond delay="0"/>
+                                          </p:stCondLst>
+                                        </p:cTn>
+                                        <p:tgtEl>
+                                          <p:spTgt spid="3">
+                                            <p:txEl>
+                                              <p:pRg st="5" end="5"/>
+                                            </p:txEl>
+                                          </p:spTgt>
+                                        </p:tgtEl>
+                                        <p:attrNameLst>
+                                          <p:attrName>style.visibility</p:attrName>
+                                        </p:attrNameLst>
+                                      </p:cBhvr>
+                                      <p:to>
+                                        <p:strVal val="visible"/>
+                                      </p:to>
+                                    </p:set>
+                                  </p:childTnLst>
+                                </p:cTn>
+                              </p:par>
+                              <p:par>
+                                <p:cTn id="19" presetID="1" presetClass="entr" presetSubtype="0" fill="hold" grpId="0" nodeType="withEffect">
+                                  <p:stCondLst>
+                                    <p:cond delay="0"/>
+                                  </p:stCondLst>
+                                  <p:childTnLst>
+                                    <p:set>
+                                      <p:cBhvr>
+                                        <p:cTn id="20" dur="1" fill="hold">
+                                          <p:stCondLst>
+                                            <p:cond delay="0"/>
+                                          </p:stCondLst>
+                                        </p:cTn>
+                                        <p:tgtEl>
+                                          <p:spTgt spid="3">
+                                            <p:txEl>
+                                              <p:pRg st="6" end="6"/>
+                                            </p:txEl>
+                                          </p:spTgt>
+                                        </p:tgtEl>
+                                        <p:attrNameLst>
+                                          <p:attrName>style.visibility</p:attrName>
+                                        </p:attrNameLst>
+                                      </p:cBhvr>
+                                      <p:to>
+                                        <p:strVal val="visible"/>
+                                      </p:to>
+                                    </p:set>
+                                  </p:childTnLst>
+                                </p:cTn>
+                              </p:par>
+                            </p:childTnLst>
+                          </p:cTn>
+                        </p:par>
+                      </p:childTnLst>
+                    </p:cTn>
+                  </p:par>
+                </p:childTnLst>
+              </p:cTn>
+              <p:prevCondLst>
+                <p:cond evt="onPrev" delay="0">
+                  <p:tgtEl>
+                    <p:sldTgt/>
+                  </p:tgtEl>
+                </p:cond>
+              </p:prevCondLst>
+              <p:nextCondLst>
+                <p:cond evt="onNext" delay="0">
+                  <p:tgtEl>
+                    <p:sldTgt/>
+                  </p:tgtEl>
+                </p:cond>
+              </p:nextCondLst>
+            </p:seq>
+          </p:childTnLst>
+        </p:cTn>
+      </p:par>
+    </p:tnLst>
+    <p:bldLst>
+      <p:bldP spid="3" grpId="0" build="p"/>
+    </p:bldLst>
+  </p:timing>
+</p:sld>
+</file>
+
+<file path=ppt/slides/slide7.xml><?xml version="1.0" encoding="utf-8"?>
+<p:sld xmlns:a="http://schemas.openxmlformats.org/drawingml/2006/main" xmlns:r="http://schemas.openxmlformats.org/officeDocument/2006/relationships" xmlns:p="http://schemas.openxmlformats.org/presentationml/2006/main">
+  <p:cSld>
+    <p:spTree>
+      <p:nvGrpSpPr>
+        <p:cNvPr id="1" name=""/>
+        <p:cNvGrpSpPr/>
+        <p:nvPr/>
+      </p:nvGrpSpPr>
+      <p:grpSpPr>
+        <a:xfrm>
+          <a:off x="0" y="0"/>
+          <a:ext cx="0" cy="0"/>
+          <a:chOff x="0" y="0"/>
+          <a:chExt cx="0" cy="0"/>
+        </a:xfrm>
+      </p:grpSpPr>
+      <p:sp>
+        <p:nvSpPr>
+          <p:cNvPr id="4" name="Title 1">
+            <a:extLst>
+              <a:ext uri="{FF2B5EF4-FFF2-40B4-BE49-F238E27FC236}">
+                <a16:creationId xmlns:a16="http://schemas.microsoft.com/office/drawing/2014/main" id="{400BF6D4-7C75-4FDB-A9F2-AE3E304B32E1}"/>
+              </a:ext>
+            </a:extLst>
+          </p:cNvPr>
+          <p:cNvSpPr>
+            <a:spLocks noGrp="1"/>
+          </p:cNvSpPr>
+          <p:nvPr>
+            <p:ph type="title"/>
+          </p:nvPr>
+        </p:nvSpPr>
+        <p:spPr>
+          <a:xfrm>
+            <a:off x="838200" y="0"/>
+            <a:ext cx="10515600" cy="919537"/>
+          </a:xfrm>
+        </p:spPr>
+        <p:txBody>
+          <a:bodyPr/>
+          <a:lstStyle/>
+          <a:p>
+            <a:pPr algn="ctr"/>
+            <a:r>
+              <a:rPr lang="ar-SY" b="1" dirty="0">
+                <a:solidFill>
+                  <a:srgbClr val="FF0000"/>
+                </a:solidFill>
+              </a:rPr>
+              <a:t>مشروع نظام تحكم رقمي</a:t>
+            </a:r>
+            <a:endParaRPr lang="en-US" b="1" dirty="0">
+              <a:solidFill>
+                <a:srgbClr val="FF0000"/>
+              </a:solidFill>
+            </a:endParaRPr>
+          </a:p>
+        </p:txBody>
+      </p:sp>
+      <p:sp>
+        <p:nvSpPr>
+          <p:cNvPr id="3" name="Content Placeholder 2">
+            <a:extLst>
+              <a:ext uri="{FF2B5EF4-FFF2-40B4-BE49-F238E27FC236}">
+                <a16:creationId xmlns:a16="http://schemas.microsoft.com/office/drawing/2014/main" id="{66772C95-8B64-4510-87F3-5B05D2685CDC}"/>
+              </a:ext>
+            </a:extLst>
+          </p:cNvPr>
+          <p:cNvSpPr>
+            <a:spLocks noGrp="1"/>
+          </p:cNvSpPr>
+          <p:nvPr>
+            <p:ph idx="1"/>
+          </p:nvPr>
+        </p:nvSpPr>
+        <p:spPr>
+          <a:xfrm>
+            <a:off x="1135294" y="873303"/>
+            <a:ext cx="10218506" cy="5568594"/>
+          </a:xfrm>
+        </p:spPr>
+        <p:txBody>
+          <a:bodyPr>
+            <a:normAutofit/>
+          </a:bodyPr>
+          <a:lstStyle/>
+          <a:p>
+            <a:pPr marL="0" indent="0" algn="r" rtl="1">
+              <a:lnSpc>
+                <a:spcPct val="150000"/>
+              </a:lnSpc>
+              <a:spcBef>
+                <a:spcPts val="0"/>
+              </a:spcBef>
+              <a:spcAft>
+                <a:spcPts val="600"/>
+              </a:spcAft>
+              <a:buNone/>
+            </a:pPr>
+            <a:r>
+              <a:rPr lang="ar-SY" b="1" dirty="0">
+                <a:solidFill>
+                  <a:srgbClr val="FF0000"/>
+                </a:solidFill>
+              </a:rPr>
+              <a:t>اللقاء الثاني</a:t>
+            </a:r>
+          </a:p>
+          <a:p>
+            <a:pPr algn="r" rtl="1">
+              <a:lnSpc>
+                <a:spcPct val="150000"/>
+              </a:lnSpc>
+              <a:spcBef>
+                <a:spcPts val="0"/>
+              </a:spcBef>
+              <a:spcAft>
+                <a:spcPts val="600"/>
+              </a:spcAft>
+            </a:pPr>
+            <a:r>
+              <a:rPr lang="ar-SY" sz="2400" b="1" dirty="0"/>
+              <a:t>تجميع قائمة العناصر </a:t>
+            </a:r>
+            <a:r>
+              <a:rPr lang="en-US" sz="2400" b="1" dirty="0"/>
+              <a:t>Bill of Materials (BOM)</a:t>
+            </a:r>
+            <a:r>
+              <a:rPr lang="ar-SY" sz="2400" b="1" dirty="0"/>
+              <a:t> مع الميزانية</a:t>
+            </a:r>
+            <a:endParaRPr lang="en-US" sz="2400" b="1" dirty="0"/>
+          </a:p>
+          <a:p>
+            <a:pPr algn="r" rtl="1">
+              <a:lnSpc>
+                <a:spcPct val="150000"/>
+              </a:lnSpc>
+              <a:spcBef>
+                <a:spcPts val="0"/>
+              </a:spcBef>
+              <a:spcAft>
+                <a:spcPts val="600"/>
+              </a:spcAft>
+            </a:pPr>
+            <a:endParaRPr lang="ar-SY" sz="2000" b="1" dirty="0"/>
+          </a:p>
+        </p:txBody>
+      </p:sp>
+      <p:graphicFrame>
+        <p:nvGraphicFramePr>
+          <p:cNvPr id="2" name="Table 1">
+            <a:extLst>
+              <a:ext uri="{FF2B5EF4-FFF2-40B4-BE49-F238E27FC236}">
+                <a16:creationId xmlns:a16="http://schemas.microsoft.com/office/drawing/2014/main" id="{12B7934D-5EF6-42BA-BA6D-51F3CA011485}"/>
+              </a:ext>
+            </a:extLst>
+          </p:cNvPr>
+          <p:cNvGraphicFramePr>
+            <a:graphicFrameLocks noGrp="1"/>
+          </p:cNvGraphicFramePr>
+          <p:nvPr>
+            <p:extLst>
+              <p:ext uri="{D42A27DB-BD31-4B8C-83A1-F6EECF244321}">
+                <p14:modId xmlns:p14="http://schemas.microsoft.com/office/powerpoint/2010/main" val="918854153"/>
+              </p:ext>
+            </p:extLst>
+          </p:nvPr>
+        </p:nvGraphicFramePr>
+        <p:xfrm>
+          <a:off x="581890" y="2714914"/>
+          <a:ext cx="11118272" cy="2865120"/>
+        </p:xfrm>
+        <a:graphic>
+          <a:graphicData uri="http://schemas.openxmlformats.org/drawingml/2006/table">
+            <a:tbl>
+              <a:tblPr firstRow="1" bandRow="1">
+                <a:tableStyleId>{5C22544A-7EE6-4342-B048-85BDC9FD1C3A}</a:tableStyleId>
+              </a:tblPr>
+              <a:tblGrid>
+                <a:gridCol w="1385776">
+                  <a:extLst>
+                    <a:ext uri="{9D8B030D-6E8A-4147-A177-3AD203B41FA5}">
+                      <a16:colId xmlns:a16="http://schemas.microsoft.com/office/drawing/2014/main" val="1224450336"/>
+                    </a:ext>
+                  </a:extLst>
+                </a:gridCol>
+                <a:gridCol w="935156">
+                  <a:extLst>
+                    <a:ext uri="{9D8B030D-6E8A-4147-A177-3AD203B41FA5}">
+                      <a16:colId xmlns:a16="http://schemas.microsoft.com/office/drawing/2014/main" val="752312398"/>
+                    </a:ext>
+                  </a:extLst>
+                </a:gridCol>
+                <a:gridCol w="1347012">
+                  <a:extLst>
+                    <a:ext uri="{9D8B030D-6E8A-4147-A177-3AD203B41FA5}">
+                      <a16:colId xmlns:a16="http://schemas.microsoft.com/office/drawing/2014/main" val="3821662436"/>
+                    </a:ext>
+                  </a:extLst>
+                </a:gridCol>
+                <a:gridCol w="2727942">
+                  <a:extLst>
+                    <a:ext uri="{9D8B030D-6E8A-4147-A177-3AD203B41FA5}">
+                      <a16:colId xmlns:a16="http://schemas.microsoft.com/office/drawing/2014/main" val="1237823325"/>
+                    </a:ext>
+                  </a:extLst>
+                </a:gridCol>
+                <a:gridCol w="1545738">
+                  <a:extLst>
+                    <a:ext uri="{9D8B030D-6E8A-4147-A177-3AD203B41FA5}">
+                      <a16:colId xmlns:a16="http://schemas.microsoft.com/office/drawing/2014/main" val="2613997901"/>
+                    </a:ext>
+                  </a:extLst>
+                </a:gridCol>
+                <a:gridCol w="1588324">
+                  <a:extLst>
+                    <a:ext uri="{9D8B030D-6E8A-4147-A177-3AD203B41FA5}">
+                      <a16:colId xmlns:a16="http://schemas.microsoft.com/office/drawing/2014/main" val="184326639"/>
+                    </a:ext>
+                  </a:extLst>
+                </a:gridCol>
+                <a:gridCol w="1588324">
+                  <a:extLst>
+                    <a:ext uri="{9D8B030D-6E8A-4147-A177-3AD203B41FA5}">
+                      <a16:colId xmlns:a16="http://schemas.microsoft.com/office/drawing/2014/main" val="968670964"/>
+                    </a:ext>
+                  </a:extLst>
+                </a:gridCol>
+              </a:tblGrid>
+              <a:tr h="370840">
+                <a:tc>
+                  <a:txBody>
+                    <a:bodyPr/>
+                    <a:lstStyle/>
+                    <a:p>
+                      <a:pPr algn="ctr"/>
+                      <a:r>
+                        <a:rPr lang="ar-SY" dirty="0"/>
+                        <a:t>السعر الإجمالي</a:t>
+                      </a:r>
+                      <a:endParaRPr lang="en-US" dirty="0"/>
+                    </a:p>
+                  </a:txBody>
+                  <a:tcPr/>
+                </a:tc>
+                <a:tc>
+                  <a:txBody>
+                    <a:bodyPr/>
+                    <a:lstStyle/>
+                    <a:p>
+                      <a:pPr algn="ctr"/>
+                      <a:r>
+                        <a:rPr lang="ar-SY" dirty="0"/>
+                        <a:t>الكمية</a:t>
+                      </a:r>
+                      <a:endParaRPr lang="en-US" dirty="0"/>
+                    </a:p>
+                  </a:txBody>
+                  <a:tcPr/>
+                </a:tc>
+                <a:tc>
+                  <a:txBody>
+                    <a:bodyPr/>
+                    <a:lstStyle/>
+                    <a:p>
+                      <a:pPr algn="ctr"/>
+                      <a:r>
+                        <a:rPr lang="ar-SY" dirty="0"/>
+                        <a:t>السعر المفرد</a:t>
+                      </a:r>
+                      <a:endParaRPr lang="en-US" dirty="0"/>
+                    </a:p>
+                  </a:txBody>
+                  <a:tcPr/>
+                </a:tc>
+                <a:tc>
+                  <a:txBody>
+                    <a:bodyPr/>
+                    <a:lstStyle/>
+                    <a:p>
+                      <a:pPr algn="ctr"/>
+                      <a:r>
+                        <a:rPr lang="ar-SY" dirty="0"/>
+                        <a:t>الوصف</a:t>
+                      </a:r>
+                      <a:endParaRPr lang="en-US" dirty="0"/>
+                    </a:p>
+                  </a:txBody>
+                  <a:tcPr/>
+                </a:tc>
+                <a:tc>
+                  <a:txBody>
+                    <a:bodyPr/>
+                    <a:lstStyle/>
+                    <a:p>
+                      <a:pPr algn="ctr"/>
+                      <a:r>
+                        <a:rPr lang="ar-SY" dirty="0"/>
+                        <a:t>الشركة المصنعة</a:t>
+                      </a:r>
+                      <a:endParaRPr lang="en-US" dirty="0"/>
+                    </a:p>
+                  </a:txBody>
+                  <a:tcPr/>
+                </a:tc>
+                <a:tc>
+                  <a:txBody>
+                    <a:bodyPr/>
+                    <a:lstStyle/>
+                    <a:p>
+                      <a:pPr algn="ctr"/>
+                      <a:r>
+                        <a:rPr lang="ar-SY" dirty="0"/>
+                        <a:t>اسم العنصر</a:t>
+                      </a:r>
+                      <a:endParaRPr lang="en-US" dirty="0"/>
+                    </a:p>
+                  </a:txBody>
+                  <a:tcPr/>
+                </a:tc>
+                <a:tc>
+                  <a:txBody>
+                    <a:bodyPr/>
+                    <a:lstStyle/>
+                    <a:p>
+                      <a:pPr algn="ctr"/>
+                      <a:r>
+                        <a:rPr lang="ar-SY" dirty="0"/>
+                        <a:t>رمز العنصر</a:t>
+                      </a:r>
+                      <a:endParaRPr lang="en-US" dirty="0"/>
+                    </a:p>
+                  </a:txBody>
+                  <a:tcPr/>
+                </a:tc>
+                <a:extLst>
+                  <a:ext uri="{0D108BD9-81ED-4DB2-BD59-A6C34878D82A}">
+                    <a16:rowId xmlns:a16="http://schemas.microsoft.com/office/drawing/2014/main" val="3266214352"/>
+                  </a:ext>
+                </a:extLst>
+              </a:tr>
+              <a:tr h="370840">
+                <a:tc>
+                  <a:txBody>
+                    <a:bodyPr/>
+                    <a:lstStyle/>
+                    <a:p>
+                      <a:pPr algn="ctr"/>
+                      <a:r>
+                        <a:rPr lang="en-US" dirty="0"/>
+                        <a:t>500</a:t>
+                      </a:r>
+                    </a:p>
+                  </a:txBody>
+                  <a:tcPr/>
+                </a:tc>
+                <a:tc>
+                  <a:txBody>
+                    <a:bodyPr/>
+                    <a:lstStyle/>
+                    <a:p>
+                      <a:pPr algn="ctr"/>
+                      <a:r>
+                        <a:rPr lang="en-US" dirty="0"/>
+                        <a:t>1</a:t>
+                      </a:r>
+                    </a:p>
+                  </a:txBody>
+                  <a:tcPr/>
+                </a:tc>
+                <a:tc>
+                  <a:txBody>
+                    <a:bodyPr/>
+                    <a:lstStyle/>
+                    <a:p>
+                      <a:pPr algn="ctr"/>
+                      <a:r>
+                        <a:rPr lang="en-US" dirty="0"/>
+                        <a:t>500</a:t>
+                      </a:r>
+                    </a:p>
+                  </a:txBody>
+                  <a:tcPr/>
+                </a:tc>
+                <a:tc>
+                  <a:txBody>
+                    <a:bodyPr/>
+                    <a:lstStyle/>
+                    <a:p>
+                      <a:pPr algn="ctr" rtl="1"/>
+                      <a:r>
+                        <a:rPr lang="ar-SY" dirty="0"/>
+                        <a:t>متحكم </a:t>
+                      </a:r>
+                      <a:r>
+                        <a:rPr lang="en-US" dirty="0"/>
+                        <a:t>8MHz, 8-bit</a:t>
+                      </a:r>
+                    </a:p>
+                  </a:txBody>
+                  <a:tcPr/>
+                </a:tc>
+                <a:tc>
+                  <a:txBody>
+                    <a:bodyPr/>
+                    <a:lstStyle/>
+                    <a:p>
+                      <a:pPr algn="ctr"/>
+                      <a:r>
+                        <a:rPr lang="en-US" dirty="0"/>
+                        <a:t>Atmel</a:t>
+                      </a:r>
+                    </a:p>
+                  </a:txBody>
+                  <a:tcPr/>
+                </a:tc>
+                <a:tc>
+                  <a:txBody>
+                    <a:bodyPr/>
+                    <a:lstStyle/>
+                    <a:p>
+                      <a:pPr algn="ctr"/>
+                      <a:r>
+                        <a:rPr lang="en-US" dirty="0"/>
+                        <a:t>ATmega8A-PU</a:t>
+                      </a:r>
+                    </a:p>
+                  </a:txBody>
+                  <a:tcPr/>
+                </a:tc>
+                <a:tc>
+                  <a:txBody>
+                    <a:bodyPr/>
+                    <a:lstStyle/>
+                    <a:p>
+                      <a:pPr algn="ctr"/>
+                      <a:r>
+                        <a:rPr lang="en-US" dirty="0"/>
+                        <a:t>U1</a:t>
+                      </a:r>
+                    </a:p>
+                  </a:txBody>
+                  <a:tcPr/>
+                </a:tc>
+                <a:extLst>
+                  <a:ext uri="{0D108BD9-81ED-4DB2-BD59-A6C34878D82A}">
+                    <a16:rowId xmlns:a16="http://schemas.microsoft.com/office/drawing/2014/main" val="3340231213"/>
+                  </a:ext>
+                </a:extLst>
+              </a:tr>
+              <a:tr h="370840">
+                <a:tc>
+                  <a:txBody>
+                    <a:bodyPr/>
+                    <a:lstStyle/>
+                    <a:p>
+                      <a:pPr algn="ctr"/>
+                      <a:r>
+                        <a:rPr lang="en-US" dirty="0"/>
+                        <a:t>50</a:t>
+                      </a:r>
+                    </a:p>
+                  </a:txBody>
+                  <a:tcPr/>
+                </a:tc>
+                <a:tc>
+                  <a:txBody>
+                    <a:bodyPr/>
+                    <a:lstStyle/>
+                    <a:p>
+                      <a:pPr algn="ctr"/>
+                      <a:r>
+                        <a:rPr lang="en-US" dirty="0"/>
+                        <a:t>5</a:t>
+                      </a:r>
+                    </a:p>
+                  </a:txBody>
+                  <a:tcPr/>
+                </a:tc>
+                <a:tc>
+                  <a:txBody>
+                    <a:bodyPr/>
+                    <a:lstStyle/>
+                    <a:p>
+                      <a:pPr algn="ctr"/>
+                      <a:r>
+                        <a:rPr lang="en-US" dirty="0"/>
+                        <a:t>10</a:t>
+                      </a:r>
+                    </a:p>
+                  </a:txBody>
+                  <a:tcPr/>
+                </a:tc>
+                <a:tc>
+                  <a:txBody>
+                    <a:bodyPr/>
+                    <a:lstStyle/>
+                    <a:p>
+                      <a:pPr algn="ctr" rtl="1"/>
+                      <a:r>
+                        <a:rPr lang="ar-SY" dirty="0"/>
+                        <a:t>مقاومة </a:t>
+                      </a:r>
+                      <a:r>
+                        <a:rPr lang="en-US" dirty="0"/>
+                        <a:t>1Kohm</a:t>
+                      </a:r>
+                    </a:p>
+                  </a:txBody>
+                  <a:tcPr/>
+                </a:tc>
+                <a:tc>
+                  <a:txBody>
+                    <a:bodyPr/>
+                    <a:lstStyle/>
+                    <a:p>
+                      <a:pPr algn="ctr"/>
+                      <a:r>
+                        <a:rPr lang="en-US" dirty="0"/>
+                        <a:t>-</a:t>
+                      </a:r>
+                    </a:p>
+                  </a:txBody>
+                  <a:tcPr/>
+                </a:tc>
+                <a:tc>
+                  <a:txBody>
+                    <a:bodyPr/>
+                    <a:lstStyle/>
+                    <a:p>
+                      <a:pPr algn="ctr"/>
+                      <a:r>
+                        <a:rPr lang="en-US" dirty="0"/>
+                        <a:t>1Kohm</a:t>
+                      </a:r>
+                    </a:p>
+                  </a:txBody>
+                  <a:tcPr/>
+                </a:tc>
+                <a:tc>
+                  <a:txBody>
+                    <a:bodyPr/>
+                    <a:lstStyle/>
+                    <a:p>
+                      <a:pPr algn="ctr"/>
+                      <a:r>
+                        <a:rPr lang="en-US" dirty="0"/>
+                        <a:t>R1, R2, R3, R7, R8</a:t>
+                      </a:r>
+                    </a:p>
+                  </a:txBody>
+                  <a:tcPr/>
+                </a:tc>
+                <a:extLst>
+                  <a:ext uri="{0D108BD9-81ED-4DB2-BD59-A6C34878D82A}">
+                    <a16:rowId xmlns:a16="http://schemas.microsoft.com/office/drawing/2014/main" val="885357690"/>
+                  </a:ext>
+                </a:extLst>
+              </a:tr>
+              <a:tr h="370840">
+                <a:tc>
+                  <a:txBody>
+                    <a:bodyPr/>
+                    <a:lstStyle/>
+                    <a:p>
+                      <a:pPr algn="ctr"/>
+                      <a:endParaRPr lang="en-US" dirty="0"/>
+                    </a:p>
+                  </a:txBody>
+                  <a:tcPr/>
+                </a:tc>
+                <a:tc>
+                  <a:txBody>
+                    <a:bodyPr/>
+                    <a:lstStyle/>
+                    <a:p>
+                      <a:pPr algn="ctr"/>
+                      <a:endParaRPr lang="en-US" dirty="0"/>
+                    </a:p>
+                  </a:txBody>
+                  <a:tcPr/>
+                </a:tc>
+                <a:tc>
+                  <a:txBody>
+                    <a:bodyPr/>
+                    <a:lstStyle/>
+                    <a:p>
+                      <a:pPr algn="ctr"/>
+                      <a:endParaRPr lang="en-US" dirty="0"/>
+                    </a:p>
+                  </a:txBody>
+                  <a:tcPr/>
+                </a:tc>
+                <a:tc>
+                  <a:txBody>
+                    <a:bodyPr/>
+                    <a:lstStyle/>
+                    <a:p>
+                      <a:pPr algn="ctr" rtl="1"/>
+                      <a:endParaRPr lang="en-US" dirty="0"/>
+                    </a:p>
+                  </a:txBody>
+                  <a:tcPr/>
+                </a:tc>
+                <a:tc>
+                  <a:txBody>
+                    <a:bodyPr/>
+                    <a:lstStyle/>
+                    <a:p>
+                      <a:pPr algn="ctr"/>
+                      <a:endParaRPr lang="en-US" dirty="0"/>
+                    </a:p>
+                  </a:txBody>
+                  <a:tcPr/>
+                </a:tc>
+                <a:tc>
+                  <a:txBody>
+                    <a:bodyPr/>
+                    <a:lstStyle/>
+                    <a:p>
+                      <a:pPr algn="ctr"/>
+                      <a:endParaRPr lang="en-US" dirty="0"/>
+                    </a:p>
+                  </a:txBody>
+                  <a:tcPr/>
+                </a:tc>
+                <a:tc>
+                  <a:txBody>
+                    <a:bodyPr/>
+                    <a:lstStyle/>
+                    <a:p>
+                      <a:pPr algn="ctr"/>
+                      <a:endParaRPr lang="en-US" dirty="0"/>
+                    </a:p>
+                  </a:txBody>
+                  <a:tcPr/>
+                </a:tc>
+                <a:extLst>
+                  <a:ext uri="{0D108BD9-81ED-4DB2-BD59-A6C34878D82A}">
+                    <a16:rowId xmlns:a16="http://schemas.microsoft.com/office/drawing/2014/main" val="3929800802"/>
+                  </a:ext>
+                </a:extLst>
+              </a:tr>
+              <a:tr h="370840">
+                <a:tc>
+                  <a:txBody>
+                    <a:bodyPr/>
+                    <a:lstStyle/>
+                    <a:p>
+                      <a:pPr algn="ctr"/>
+                      <a:r>
+                        <a:rPr lang="en-US" dirty="0"/>
+                        <a:t>…</a:t>
+                      </a:r>
+                    </a:p>
+                  </a:txBody>
+                  <a:tcPr/>
+                </a:tc>
+                <a:tc>
+                  <a:txBody>
+                    <a:bodyPr/>
+                    <a:lstStyle/>
+                    <a:p>
+                      <a:pPr algn="ctr"/>
+                      <a:endParaRPr lang="en-US" dirty="0"/>
+                    </a:p>
+                  </a:txBody>
+                  <a:tcPr/>
+                </a:tc>
+                <a:tc>
+                  <a:txBody>
+                    <a:bodyPr/>
+                    <a:lstStyle/>
+                    <a:p>
+                      <a:pPr algn="ctr"/>
+                      <a:endParaRPr lang="en-US" dirty="0"/>
+                    </a:p>
+                  </a:txBody>
+                  <a:tcPr/>
+                </a:tc>
+                <a:tc>
+                  <a:txBody>
+                    <a:bodyPr/>
+                    <a:lstStyle/>
+                    <a:p>
+                      <a:pPr algn="ctr" rtl="1"/>
+                      <a:r>
+                        <a:rPr lang="en-US" dirty="0"/>
+                        <a:t>…</a:t>
+                      </a:r>
+                    </a:p>
+                  </a:txBody>
+                  <a:tcPr/>
+                </a:tc>
+                <a:tc>
+                  <a:txBody>
+                    <a:bodyPr/>
+                    <a:lstStyle/>
+                    <a:p>
+                      <a:pPr algn="ctr"/>
+                      <a:endParaRPr lang="en-US" dirty="0"/>
+                    </a:p>
+                  </a:txBody>
+                  <a:tcPr/>
+                </a:tc>
+                <a:tc>
+                  <a:txBody>
+                    <a:bodyPr/>
+                    <a:lstStyle/>
+                    <a:p>
+                      <a:pPr algn="ctr"/>
+                      <a:endParaRPr lang="en-US" dirty="0"/>
+                    </a:p>
+                  </a:txBody>
+                  <a:tcPr/>
+                </a:tc>
+                <a:tc>
+                  <a:txBody>
+                    <a:bodyPr/>
+                    <a:lstStyle/>
+                    <a:p>
+                      <a:pPr algn="ctr"/>
+                      <a:r>
+                        <a:rPr lang="en-US" dirty="0"/>
+                        <a:t>…</a:t>
+                      </a:r>
+                    </a:p>
+                  </a:txBody>
+                  <a:tcPr/>
+                </a:tc>
+                <a:extLst>
+                  <a:ext uri="{0D108BD9-81ED-4DB2-BD59-A6C34878D82A}">
+                    <a16:rowId xmlns:a16="http://schemas.microsoft.com/office/drawing/2014/main" val="2494356144"/>
+                  </a:ext>
+                </a:extLst>
+              </a:tr>
+              <a:tr h="370840">
+                <a:tc>
+                  <a:txBody>
+                    <a:bodyPr/>
+                    <a:lstStyle/>
+                    <a:p>
+                      <a:pPr algn="ctr"/>
+                      <a:endParaRPr lang="en-US" dirty="0"/>
+                    </a:p>
+                  </a:txBody>
+                  <a:tcPr/>
+                </a:tc>
+                <a:tc>
+                  <a:txBody>
+                    <a:bodyPr/>
+                    <a:lstStyle/>
+                    <a:p>
+                      <a:pPr algn="ctr"/>
+                      <a:endParaRPr lang="en-US" dirty="0"/>
+                    </a:p>
+                  </a:txBody>
+                  <a:tcPr/>
+                </a:tc>
+                <a:tc>
+                  <a:txBody>
+                    <a:bodyPr/>
+                    <a:lstStyle/>
+                    <a:p>
+                      <a:pPr algn="ctr"/>
+                      <a:endParaRPr lang="en-US" dirty="0"/>
+                    </a:p>
+                  </a:txBody>
+                  <a:tcPr/>
+                </a:tc>
+                <a:tc>
+                  <a:txBody>
+                    <a:bodyPr/>
+                    <a:lstStyle/>
+                    <a:p>
+                      <a:pPr algn="ctr" rtl="1"/>
+                      <a:endParaRPr lang="en-US" dirty="0"/>
+                    </a:p>
+                  </a:txBody>
+                  <a:tcPr/>
+                </a:tc>
+                <a:tc>
+                  <a:txBody>
+                    <a:bodyPr/>
+                    <a:lstStyle/>
+                    <a:p>
+                      <a:pPr algn="ctr"/>
+                      <a:endParaRPr lang="en-US" dirty="0"/>
+                    </a:p>
+                  </a:txBody>
+                  <a:tcPr/>
+                </a:tc>
+                <a:tc>
+                  <a:txBody>
+                    <a:bodyPr/>
+                    <a:lstStyle/>
+                    <a:p>
+                      <a:pPr algn="ctr"/>
+                      <a:endParaRPr lang="en-US" dirty="0"/>
+                    </a:p>
+                  </a:txBody>
+                  <a:tcPr/>
+                </a:tc>
+                <a:tc>
+                  <a:txBody>
+                    <a:bodyPr/>
+                    <a:lstStyle/>
+                    <a:p>
+                      <a:pPr algn="ctr"/>
+                      <a:endParaRPr lang="en-US" dirty="0"/>
+                    </a:p>
+                  </a:txBody>
+                  <a:tcPr/>
+                </a:tc>
+                <a:extLst>
+                  <a:ext uri="{0D108BD9-81ED-4DB2-BD59-A6C34878D82A}">
+                    <a16:rowId xmlns:a16="http://schemas.microsoft.com/office/drawing/2014/main" val="3461003442"/>
+                  </a:ext>
+                </a:extLst>
+              </a:tr>
+              <a:tr h="370840">
+                <a:tc>
+                  <a:txBody>
+                    <a:bodyPr/>
+                    <a:lstStyle/>
+                    <a:p>
+                      <a:pPr algn="ctr"/>
+                      <a:r>
+                        <a:rPr lang="ar-SY" dirty="0"/>
+                        <a:t>550</a:t>
+                      </a:r>
+                      <a:endParaRPr lang="en-US" dirty="0"/>
+                    </a:p>
+                  </a:txBody>
+                  <a:tcPr/>
+                </a:tc>
+                <a:tc>
+                  <a:txBody>
+                    <a:bodyPr/>
+                    <a:lstStyle/>
+                    <a:p>
+                      <a:pPr algn="ctr"/>
+                      <a:r>
+                        <a:rPr lang="ar-SY" dirty="0"/>
+                        <a:t>المجموع</a:t>
+                      </a:r>
+                      <a:endParaRPr lang="en-US" dirty="0"/>
+                    </a:p>
+                  </a:txBody>
+                  <a:tcPr/>
+                </a:tc>
+                <a:tc>
+                  <a:txBody>
+                    <a:bodyPr/>
+                    <a:lstStyle/>
+                    <a:p>
+                      <a:pPr algn="ctr"/>
+                      <a:endParaRPr lang="en-US" dirty="0"/>
+                    </a:p>
+                  </a:txBody>
+                  <a:tcPr/>
+                </a:tc>
+                <a:tc>
+                  <a:txBody>
+                    <a:bodyPr/>
+                    <a:lstStyle/>
+                    <a:p>
+                      <a:pPr algn="ctr" rtl="1"/>
+                      <a:endParaRPr lang="en-US" dirty="0"/>
+                    </a:p>
+                  </a:txBody>
+                  <a:tcPr/>
+                </a:tc>
+                <a:tc>
+                  <a:txBody>
+                    <a:bodyPr/>
+                    <a:lstStyle/>
+                    <a:p>
+                      <a:pPr algn="ctr"/>
+                      <a:endParaRPr lang="en-US" dirty="0"/>
+                    </a:p>
+                  </a:txBody>
+                  <a:tcPr/>
+                </a:tc>
+                <a:tc>
+                  <a:txBody>
+                    <a:bodyPr/>
+                    <a:lstStyle/>
+                    <a:p>
+                      <a:pPr algn="ctr"/>
+                      <a:endParaRPr lang="en-US" dirty="0"/>
+                    </a:p>
+                  </a:txBody>
+                  <a:tcPr/>
+                </a:tc>
+                <a:tc>
+                  <a:txBody>
+                    <a:bodyPr/>
+                    <a:lstStyle/>
+                    <a:p>
+                      <a:pPr algn="ctr"/>
+                      <a:endParaRPr lang="en-US" dirty="0"/>
+                    </a:p>
+                  </a:txBody>
+                  <a:tcPr/>
+                </a:tc>
+                <a:extLst>
+                  <a:ext uri="{0D108BD9-81ED-4DB2-BD59-A6C34878D82A}">
+                    <a16:rowId xmlns:a16="http://schemas.microsoft.com/office/drawing/2014/main" val="3100634424"/>
+                  </a:ext>
+                </a:extLst>
+              </a:tr>
+            </a:tbl>
+          </a:graphicData>
+        </a:graphic>
+      </p:graphicFrame>
+    </p:spTree>
+    <p:extLst>
+      <p:ext uri="{BB962C8B-B14F-4D97-AF65-F5344CB8AC3E}">
+        <p14:creationId xmlns:p14="http://schemas.microsoft.com/office/powerpoint/2010/main" val="2815940203"/>
+      </p:ext>
+    </p:extLst>
+  </p:cSld>
+  <p:clrMapOvr>
+    <a:masterClrMapping/>
+  </p:clrMapOvr>
+  <p:timing>
+    <p:tnLst>
+      <p:par>
+        <p:cTn id="1" dur="indefinite" restart="never" nodeType="tmRoot">
+          <p:childTnLst>
+            <p:seq concurrent="1" nextAc="seek">
+              <p:cTn id="2" dur="indefinite" nodeType="mainSeq">
+                <p:childTnLst>
+                  <p:par>
+                    <p:cTn id="3" fill="hold">
+                      <p:stCondLst>
+                        <p:cond delay="indefinite"/>
+                      </p:stCondLst>
+                      <p:childTnLst>
+                        <p:par>
+                          <p:cTn id="4" fill="hold">
+                            <p:stCondLst>
+                              <p:cond delay="0"/>
+                            </p:stCondLst>
+                            <p:childTnLst>
+                              <p:par>
+                                <p:cTn id="5" presetID="1" presetClass="entr" presetSubtype="0" fill="hold" grpId="0" nodeType="clickEffect">
+                                  <p:stCondLst>
+                                    <p:cond delay="0"/>
+                                  </p:stCondLst>
+                                  <p:childTnLst>
+                                    <p:set>
+                                      <p:cBhvr>
+                                        <p:cTn id="6" dur="1" fill="hold">
+                                          <p:stCondLst>
+                                            <p:cond delay="0"/>
+                                          </p:stCondLst>
+                                        </p:cTn>
+                                        <p:tgtEl>
+                                          <p:spTgt spid="3">
+                                            <p:txEl>
+                                              <p:pRg st="0" end="0"/>
+                                            </p:txEl>
+                                          </p:spTgt>
+                                        </p:tgtEl>
+                                        <p:attrNameLst>
+                                          <p:attrName>style.visibility</p:attrName>
+                                        </p:attrNameLst>
+                                      </p:cBhvr>
+                                      <p:to>
+                                        <p:strVal val="visible"/>
+                                      </p:to>
+                                    </p:set>
+                                  </p:childTnLst>
+                                </p:cTn>
+                              </p:par>
+                            </p:childTnLst>
+                          </p:cTn>
+                        </p:par>
+                      </p:childTnLst>
+                    </p:cTn>
+                  </p:par>
+                  <p:par>
+                    <p:cTn id="7" fill="hold">
+                      <p:stCondLst>
+                        <p:cond delay="indefinite"/>
+                      </p:stCondLst>
+                      <p:childTnLst>
+                        <p:par>
+                          <p:cTn id="8" fill="hold">
+                            <p:stCondLst>
+                              <p:cond delay="0"/>
+                            </p:stCondLst>
+                            <p:childTnLst>
+                              <p:par>
+                                <p:cTn id="9" presetID="1" presetClass="entr" presetSubtype="0" fill="hold" grpId="0" nodeType="clickEffect">
+                                  <p:stCondLst>
+                                    <p:cond delay="0"/>
+                                  </p:stCondLst>
+                                  <p:childTnLst>
+                                    <p:set>
+                                      <p:cBhvr>
+                                        <p:cTn id="10" dur="1" fill="hold">
+                                          <p:stCondLst>
+                                            <p:cond delay="0"/>
+                                          </p:stCondLst>
+                                        </p:cTn>
+                                        <p:tgtEl>
+                                          <p:spTgt spid="3">
+                                            <p:txEl>
+                                              <p:pRg st="1" end="1"/>
+                                            </p:txEl>
+                                          </p:spTgt>
+                                        </p:tgtEl>
+                                        <p:attrNameLst>
+                                          <p:attrName>style.visibility</p:attrName>
+                                        </p:attrNameLst>
+                                      </p:cBhvr>
+                                      <p:to>
+                                        <p:strVal val="visible"/>
+                                      </p:to>
+                                    </p:set>
+                                  </p:childTnLst>
+                                </p:cTn>
+                              </p:par>
+                            </p:childTnLst>
+                          </p:cTn>
+                        </p:par>
+                      </p:childTnLst>
+                    </p:cTn>
+                  </p:par>
+                </p:childTnLst>
+              </p:cTn>
+              <p:prevCondLst>
+                <p:cond evt="onPrev" delay="0">
+                  <p:tgtEl>
+                    <p:sldTgt/>
+                  </p:tgtEl>
+                </p:cond>
+              </p:prevCondLst>
+              <p:nextCondLst>
+                <p:cond evt="onNext" delay="0">
+                  <p:tgtEl>
+                    <p:sldTgt/>
+                  </p:tgtEl>
+                </p:cond>
+              </p:nextCondLst>
+            </p:seq>
+          </p:childTnLst>
+        </p:cTn>
+      </p:par>
+    </p:tnLst>
+    <p:bldLst>
+      <p:bldP spid="3" grpId="0" build="p"/>
+    </p:bldLst>
+  </p:timing>
+</p:sld>
+</file>
+
 <file path=ppt/theme/theme1.xml><?xml version="1.0" encoding="utf-8"?>
 <a:theme xmlns:a="http://schemas.openxmlformats.org/drawingml/2006/main" name="Office Theme">
   <a:themeElements>

--- a/مشروع نظام تحكم رقمي - ثالث تحكم.pptx
+++ b/مشروع نظام تحكم رقمي - ثالث تحكم.pptx
@@ -11,7 +11,15 @@
     <p:sldId id="279" r:id="rId5"/>
     <p:sldId id="275" r:id="rId6"/>
     <p:sldId id="276" r:id="rId7"/>
-    <p:sldId id="277" r:id="rId8"/>
+    <p:sldId id="280" r:id="rId8"/>
+    <p:sldId id="277" r:id="rId9"/>
+    <p:sldId id="281" r:id="rId10"/>
+    <p:sldId id="282" r:id="rId11"/>
+    <p:sldId id="283" r:id="rId12"/>
+    <p:sldId id="284" r:id="rId13"/>
+    <p:sldId id="285" r:id="rId14"/>
+    <p:sldId id="286" r:id="rId15"/>
+    <p:sldId id="287" r:id="rId16"/>
   </p:sldIdLst>
   <p:sldSz cx="12192000" cy="6858000"/>
   <p:notesSz cx="6858000" cy="9144000"/>
@@ -265,7 +273,7 @@
           <a:p>
             <a:fld id="{90829C1E-E322-41E1-8B09-BD09A8CCC7E7}" type="datetimeFigureOut">
               <a:rPr lang="en-US" smtClean="0"/>
-              <a:t>3/13/2019</a:t>
+              <a:t>4/2/2019</a:t>
             </a:fld>
             <a:endParaRPr lang="en-US"/>
           </a:p>
@@ -463,7 +471,7 @@
           <a:p>
             <a:fld id="{90829C1E-E322-41E1-8B09-BD09A8CCC7E7}" type="datetimeFigureOut">
               <a:rPr lang="en-US" smtClean="0"/>
-              <a:t>3/13/2019</a:t>
+              <a:t>4/2/2019</a:t>
             </a:fld>
             <a:endParaRPr lang="en-US"/>
           </a:p>
@@ -671,7 +679,7 @@
           <a:p>
             <a:fld id="{90829C1E-E322-41E1-8B09-BD09A8CCC7E7}" type="datetimeFigureOut">
               <a:rPr lang="en-US" smtClean="0"/>
-              <a:t>3/13/2019</a:t>
+              <a:t>4/2/2019</a:t>
             </a:fld>
             <a:endParaRPr lang="en-US"/>
           </a:p>
@@ -869,7 +877,7 @@
           <a:p>
             <a:fld id="{90829C1E-E322-41E1-8B09-BD09A8CCC7E7}" type="datetimeFigureOut">
               <a:rPr lang="en-US" smtClean="0"/>
-              <a:t>3/13/2019</a:t>
+              <a:t>4/2/2019</a:t>
             </a:fld>
             <a:endParaRPr lang="en-US"/>
           </a:p>
@@ -1144,7 +1152,7 @@
           <a:p>
             <a:fld id="{90829C1E-E322-41E1-8B09-BD09A8CCC7E7}" type="datetimeFigureOut">
               <a:rPr lang="en-US" smtClean="0"/>
-              <a:t>3/13/2019</a:t>
+              <a:t>4/2/2019</a:t>
             </a:fld>
             <a:endParaRPr lang="en-US"/>
           </a:p>
@@ -1409,7 +1417,7 @@
           <a:p>
             <a:fld id="{90829C1E-E322-41E1-8B09-BD09A8CCC7E7}" type="datetimeFigureOut">
               <a:rPr lang="en-US" smtClean="0"/>
-              <a:t>3/13/2019</a:t>
+              <a:t>4/2/2019</a:t>
             </a:fld>
             <a:endParaRPr lang="en-US"/>
           </a:p>
@@ -1821,7 +1829,7 @@
           <a:p>
             <a:fld id="{90829C1E-E322-41E1-8B09-BD09A8CCC7E7}" type="datetimeFigureOut">
               <a:rPr lang="en-US" smtClean="0"/>
-              <a:t>3/13/2019</a:t>
+              <a:t>4/2/2019</a:t>
             </a:fld>
             <a:endParaRPr lang="en-US"/>
           </a:p>
@@ -1962,7 +1970,7 @@
           <a:p>
             <a:fld id="{90829C1E-E322-41E1-8B09-BD09A8CCC7E7}" type="datetimeFigureOut">
               <a:rPr lang="en-US" smtClean="0"/>
-              <a:t>3/13/2019</a:t>
+              <a:t>4/2/2019</a:t>
             </a:fld>
             <a:endParaRPr lang="en-US"/>
           </a:p>
@@ -2075,7 +2083,7 @@
           <a:p>
             <a:fld id="{90829C1E-E322-41E1-8B09-BD09A8CCC7E7}" type="datetimeFigureOut">
               <a:rPr lang="en-US" smtClean="0"/>
-              <a:t>3/13/2019</a:t>
+              <a:t>4/2/2019</a:t>
             </a:fld>
             <a:endParaRPr lang="en-US"/>
           </a:p>
@@ -2386,7 +2394,7 @@
           <a:p>
             <a:fld id="{90829C1E-E322-41E1-8B09-BD09A8CCC7E7}" type="datetimeFigureOut">
               <a:rPr lang="en-US" smtClean="0"/>
-              <a:t>3/13/2019</a:t>
+              <a:t>4/2/2019</a:t>
             </a:fld>
             <a:endParaRPr lang="en-US"/>
           </a:p>
@@ -2674,7 +2682,7 @@
           <a:p>
             <a:fld id="{90829C1E-E322-41E1-8B09-BD09A8CCC7E7}" type="datetimeFigureOut">
               <a:rPr lang="en-US" smtClean="0"/>
-              <a:t>3/13/2019</a:t>
+              <a:t>4/2/2019</a:t>
             </a:fld>
             <a:endParaRPr lang="en-US"/>
           </a:p>
@@ -2915,7 +2923,7 @@
           <a:p>
             <a:fld id="{90829C1E-E322-41E1-8B09-BD09A8CCC7E7}" type="datetimeFigureOut">
               <a:rPr lang="en-US" smtClean="0"/>
-              <a:t>3/13/2019</a:t>
+              <a:t>4/2/2019</a:t>
             </a:fld>
             <a:endParaRPr lang="en-US"/>
           </a:p>
@@ -3454,12 +3462,16 @@
             <a:graphicFrameLocks noGrp="1"/>
           </p:cNvGraphicFramePr>
           <p:nvPr>
-            <p:extLst/>
+            <p:extLst>
+              <p:ext uri="{D42A27DB-BD31-4B8C-83A1-F6EECF244321}">
+                <p14:modId xmlns:p14="http://schemas.microsoft.com/office/powerpoint/2010/main" val="1091504891"/>
+              </p:ext>
+            </p:extLst>
           </p:nvPr>
         </p:nvGraphicFramePr>
         <p:xfrm>
           <a:off x="2032000" y="2476547"/>
-          <a:ext cx="8128000" cy="3774440"/>
+          <a:ext cx="8128000" cy="3472248"/>
         </p:xfrm>
         <a:graphic>
           <a:graphicData uri="http://schemas.openxmlformats.org/drawingml/2006/table">
@@ -3693,7 +3705,7 @@
                           <a:ea typeface="+mn-ea"/>
                           <a:cs typeface="+mn-cs"/>
                         </a:rPr>
-                        <a:t>10-11/4/2019</a:t>
+                        <a:t>16-18/4/2019</a:t>
                       </a:r>
                     </a:p>
                   </a:txBody>
@@ -3715,6 +3727,14 @@
                       <a:r>
                         <a:rPr lang="ar-SY" b="1" dirty="0"/>
                         <a:t>برمجة طرفيات المتحكم + خوارزمية التحكم + تشغيل المحاكاة وإجراء أي تعديلات على التصميم</a:t>
+                      </a:r>
+                      <a:r>
+                        <a:rPr lang="en-US" b="1" dirty="0"/>
+                        <a:t> </a:t>
+                      </a:r>
+                      <a:r>
+                        <a:rPr lang="ar-SY" b="1" dirty="0"/>
+                        <a:t>+ تصنيع الدارة المطبوعة </a:t>
                       </a:r>
                       <a:endParaRPr lang="en-US" b="1" dirty="0"/>
                     </a:p>
@@ -3758,7 +3778,7 @@
                           <a:ea typeface="+mn-ea"/>
                           <a:cs typeface="+mn-cs"/>
                         </a:rPr>
-                        <a:t>24-25/4/2019</a:t>
+                        <a:t>30/4/2019-2/5/2019</a:t>
                       </a:r>
                     </a:p>
                   </a:txBody>
@@ -3779,7 +3799,7 @@
                       <a:pPr algn="ctr" rtl="1"/>
                       <a:r>
                         <a:rPr lang="ar-SY" b="1" dirty="0"/>
-                        <a:t>تصنيع وتجميع الدارة المطبوعة + فحص الدارة وبرمجتها + إصلاح الأخطاء + معايرة نظام التحكم</a:t>
+                        <a:t>تجميع الدارة المطبوعة + فحص الدارة وبرمجتها + إصلاح الأخطاء + معايرة نظام التحكم</a:t>
                       </a:r>
                       <a:endParaRPr lang="en-US" b="1" dirty="0"/>
                     </a:p>
@@ -3823,7 +3843,7 @@
                           <a:ea typeface="+mn-ea"/>
                           <a:cs typeface="+mn-cs"/>
                         </a:rPr>
-                        <a:t>8-9/5/2019</a:t>
+                        <a:t>14-16/5/2019</a:t>
                       </a:r>
                     </a:p>
                   </a:txBody>
@@ -3835,8 +3855,8 @@
                   </a:ext>
                 </a:extLst>
               </a:tr>
-              <a:tr h="370840">
-                <a:tc rowSpan="2">
+              <a:tr h="439488">
+                <a:tc>
                   <a:txBody>
                     <a:bodyPr/>
                     <a:lstStyle/>
@@ -3888,7 +3908,7 @@
                           <a:ea typeface="+mn-ea"/>
                           <a:cs typeface="+mn-cs"/>
                         </a:rPr>
-                        <a:t>22-23/5/2019</a:t>
+                        <a:t>22-30/5/2019</a:t>
                       </a:r>
                     </a:p>
                   </a:txBody>
@@ -3900,13 +3920,1340 @@
                   </a:ext>
                 </a:extLst>
               </a:tr>
+            </a:tbl>
+          </a:graphicData>
+        </a:graphic>
+      </p:graphicFrame>
+    </p:spTree>
+    <p:extLst>
+      <p:ext uri="{BB962C8B-B14F-4D97-AF65-F5344CB8AC3E}">
+        <p14:creationId xmlns:p14="http://schemas.microsoft.com/office/powerpoint/2010/main" val="3181181196"/>
+      </p:ext>
+    </p:extLst>
+  </p:cSld>
+  <p:clrMapOvr>
+    <a:masterClrMapping/>
+  </p:clrMapOvr>
+</p:sld>
+</file>
+
+<file path=ppt/slides/slide10.xml><?xml version="1.0" encoding="utf-8"?>
+<p:sld xmlns:a="http://schemas.openxmlformats.org/drawingml/2006/main" xmlns:r="http://schemas.openxmlformats.org/officeDocument/2006/relationships" xmlns:p="http://schemas.openxmlformats.org/presentationml/2006/main">
+  <p:cSld>
+    <p:spTree>
+      <p:nvGrpSpPr>
+        <p:cNvPr id="1" name=""/>
+        <p:cNvGrpSpPr/>
+        <p:nvPr/>
+      </p:nvGrpSpPr>
+      <p:grpSpPr>
+        <a:xfrm>
+          <a:off x="0" y="0"/>
+          <a:ext cx="0" cy="0"/>
+          <a:chOff x="0" y="0"/>
+          <a:chExt cx="0" cy="0"/>
+        </a:xfrm>
+      </p:grpSpPr>
+      <p:sp>
+        <p:nvSpPr>
+          <p:cNvPr id="4" name="Title 1">
+            <a:extLst>
+              <a:ext uri="{FF2B5EF4-FFF2-40B4-BE49-F238E27FC236}">
+                <a16:creationId xmlns:a16="http://schemas.microsoft.com/office/drawing/2014/main" id="{400BF6D4-7C75-4FDB-A9F2-AE3E304B32E1}"/>
+              </a:ext>
+            </a:extLst>
+          </p:cNvPr>
+          <p:cNvSpPr>
+            <a:spLocks noGrp="1"/>
+          </p:cNvSpPr>
+          <p:nvPr>
+            <p:ph type="title"/>
+          </p:nvPr>
+        </p:nvSpPr>
+        <p:spPr>
+          <a:xfrm>
+            <a:off x="838200" y="0"/>
+            <a:ext cx="10515600" cy="919537"/>
+          </a:xfrm>
+        </p:spPr>
+        <p:txBody>
+          <a:bodyPr/>
+          <a:lstStyle/>
+          <a:p>
+            <a:pPr algn="ctr"/>
+            <a:r>
+              <a:rPr lang="ar-SY" b="1">
+                <a:solidFill>
+                  <a:srgbClr val="FF0000"/>
+                </a:solidFill>
+              </a:rPr>
+              <a:t>مشروع نظام تحكم رقمي</a:t>
+            </a:r>
+            <a:endParaRPr lang="en-US" b="1" dirty="0">
+              <a:solidFill>
+                <a:srgbClr val="FF0000"/>
+              </a:solidFill>
+            </a:endParaRPr>
+          </a:p>
+        </p:txBody>
+      </p:sp>
+      <p:sp>
+        <p:nvSpPr>
+          <p:cNvPr id="3" name="Content Placeholder 2">
+            <a:extLst>
+              <a:ext uri="{FF2B5EF4-FFF2-40B4-BE49-F238E27FC236}">
+                <a16:creationId xmlns:a16="http://schemas.microsoft.com/office/drawing/2014/main" id="{66772C95-8B64-4510-87F3-5B05D2685CDC}"/>
+              </a:ext>
+            </a:extLst>
+          </p:cNvPr>
+          <p:cNvSpPr>
+            <a:spLocks noGrp="1"/>
+          </p:cNvSpPr>
+          <p:nvPr>
+            <p:ph idx="1"/>
+          </p:nvPr>
+        </p:nvSpPr>
+        <p:spPr>
+          <a:xfrm>
+            <a:off x="4862946" y="873302"/>
+            <a:ext cx="6490854" cy="4098747"/>
+          </a:xfrm>
+        </p:spPr>
+        <p:txBody>
+          <a:bodyPr>
+            <a:noAutofit/>
+          </a:bodyPr>
+          <a:lstStyle/>
+          <a:p>
+            <a:pPr marL="0" indent="0" algn="r" rtl="1">
+              <a:lnSpc>
+                <a:spcPct val="150000"/>
+              </a:lnSpc>
+              <a:spcBef>
+                <a:spcPts val="0"/>
+              </a:spcBef>
+              <a:spcAft>
+                <a:spcPts val="600"/>
+              </a:spcAft>
+              <a:buNone/>
+            </a:pPr>
+            <a:r>
+              <a:rPr lang="ar-SY" sz="2400" b="1" dirty="0">
+                <a:solidFill>
+                  <a:srgbClr val="FF0000"/>
+                </a:solidFill>
+              </a:rPr>
+              <a:t>اللقاء الثالث</a:t>
+            </a:r>
+          </a:p>
+          <a:p>
+            <a:pPr algn="r" rtl="1">
+              <a:lnSpc>
+                <a:spcPct val="150000"/>
+              </a:lnSpc>
+              <a:spcBef>
+                <a:spcPts val="0"/>
+              </a:spcBef>
+              <a:spcAft>
+                <a:spcPts val="600"/>
+              </a:spcAft>
+            </a:pPr>
+            <a:r>
+              <a:rPr lang="ar-SY" sz="2400" b="1" dirty="0"/>
+              <a:t>اختبار الدارة على </a:t>
+            </a:r>
+            <a:r>
+              <a:rPr lang="en-US" sz="2400" b="1" dirty="0"/>
+              <a:t>test board</a:t>
+            </a:r>
+            <a:endParaRPr lang="ar-SY" sz="2400" b="1" dirty="0"/>
+          </a:p>
+          <a:p>
+            <a:pPr lvl="1" algn="r" rtl="1">
+              <a:lnSpc>
+                <a:spcPct val="150000"/>
+              </a:lnSpc>
+              <a:spcBef>
+                <a:spcPts val="0"/>
+              </a:spcBef>
+              <a:spcAft>
+                <a:spcPts val="600"/>
+              </a:spcAft>
+            </a:pPr>
+            <a:r>
+              <a:rPr lang="ar-SY" b="1" dirty="0"/>
+              <a:t>يمكن اختبار أجزاء من الدارة فقط (حساس الحرارة، دارة قيادة المحرك الخ). لا داعي لإحضار الدارة إلى اللقاء.</a:t>
+            </a:r>
+          </a:p>
+          <a:p>
+            <a:pPr lvl="1" algn="r" rtl="1">
+              <a:lnSpc>
+                <a:spcPct val="150000"/>
+              </a:lnSpc>
+              <a:spcBef>
+                <a:spcPts val="0"/>
+              </a:spcBef>
+              <a:spcAft>
+                <a:spcPts val="600"/>
+              </a:spcAft>
+            </a:pPr>
+            <a:r>
+              <a:rPr lang="ar-SY" b="1" dirty="0"/>
+              <a:t>قد تحتاج إلى كتابة برامج متحكم جزئية لاختبار جزء معين (مثلاُ برنامج قراءة </a:t>
+            </a:r>
+            <a:r>
+              <a:rPr lang="en-US" b="1" dirty="0"/>
+              <a:t>ADC</a:t>
+            </a:r>
+            <a:r>
+              <a:rPr lang="ar-SY" b="1" dirty="0"/>
+              <a:t> لاختبار حساس الحرارة).</a:t>
+            </a:r>
+          </a:p>
+          <a:p>
+            <a:pPr lvl="1" algn="r" rtl="1">
+              <a:lnSpc>
+                <a:spcPct val="150000"/>
+              </a:lnSpc>
+              <a:spcBef>
+                <a:spcPts val="0"/>
+              </a:spcBef>
+              <a:spcAft>
+                <a:spcPts val="600"/>
+              </a:spcAft>
+            </a:pPr>
+            <a:r>
+              <a:rPr lang="ar-SY" b="1" dirty="0"/>
+              <a:t>إجراء أي تعديلات على التصميم نتيجة للاختبارات.</a:t>
+            </a:r>
+            <a:endParaRPr lang="en-US" b="1" dirty="0"/>
+          </a:p>
+          <a:p>
+            <a:pPr algn="r" rtl="1">
+              <a:lnSpc>
+                <a:spcPct val="150000"/>
+              </a:lnSpc>
+              <a:spcBef>
+                <a:spcPts val="0"/>
+              </a:spcBef>
+              <a:spcAft>
+                <a:spcPts val="600"/>
+              </a:spcAft>
+            </a:pPr>
+            <a:endParaRPr lang="ar-SY" sz="2400" b="1" dirty="0"/>
+          </a:p>
+        </p:txBody>
+      </p:sp>
+      <p:pic>
+        <p:nvPicPr>
+          <p:cNvPr id="2052" name="Picture 4" descr="Image result for test board project">
+            <a:extLst>
+              <a:ext uri="{FF2B5EF4-FFF2-40B4-BE49-F238E27FC236}">
+                <a16:creationId xmlns:a16="http://schemas.microsoft.com/office/drawing/2014/main" id="{4D770083-89C5-4BD8-ABFE-A00278BB7886}"/>
+              </a:ext>
+            </a:extLst>
+          </p:cNvPr>
+          <p:cNvPicPr>
+            <a:picLocks noChangeAspect="1" noChangeArrowheads="1"/>
+          </p:cNvPicPr>
+          <p:nvPr/>
+        </p:nvPicPr>
+        <p:blipFill>
+          <a:blip r:embed="rId2">
+            <a:extLst>
+              <a:ext uri="{28A0092B-C50C-407E-A947-70E740481C1C}">
+                <a14:useLocalDpi xmlns:a14="http://schemas.microsoft.com/office/drawing/2010/main" val="0"/>
+              </a:ext>
+            </a:extLst>
+          </a:blip>
+          <a:srcRect/>
+          <a:stretch>
+            <a:fillRect/>
+          </a:stretch>
+        </p:blipFill>
+        <p:spPr bwMode="auto">
+          <a:xfrm>
+            <a:off x="604982" y="2018434"/>
+            <a:ext cx="4056688" cy="3042516"/>
+          </a:xfrm>
+          <a:prstGeom prst="rect">
+            <a:avLst/>
+          </a:prstGeom>
+          <a:noFill/>
+          <a:extLst>
+            <a:ext uri="{909E8E84-426E-40DD-AFC4-6F175D3DCCD1}">
+              <a14:hiddenFill xmlns:a14="http://schemas.microsoft.com/office/drawing/2010/main">
+                <a:solidFill>
+                  <a:srgbClr val="FFFFFF"/>
+                </a:solidFill>
+              </a14:hiddenFill>
+            </a:ext>
+          </a:extLst>
+        </p:spPr>
+      </p:pic>
+    </p:spTree>
+    <p:extLst>
+      <p:ext uri="{BB962C8B-B14F-4D97-AF65-F5344CB8AC3E}">
+        <p14:creationId xmlns:p14="http://schemas.microsoft.com/office/powerpoint/2010/main" val="533713799"/>
+      </p:ext>
+    </p:extLst>
+  </p:cSld>
+  <p:clrMapOvr>
+    <a:masterClrMapping/>
+  </p:clrMapOvr>
+  <p:timing>
+    <p:tnLst>
+      <p:par>
+        <p:cTn id="1" dur="indefinite" restart="never" nodeType="tmRoot">
+          <p:childTnLst>
+            <p:seq concurrent="1" nextAc="seek">
+              <p:cTn id="2" dur="indefinite" nodeType="mainSeq">
+                <p:childTnLst>
+                  <p:par>
+                    <p:cTn id="3" fill="hold">
+                      <p:stCondLst>
+                        <p:cond delay="indefinite"/>
+                      </p:stCondLst>
+                      <p:childTnLst>
+                        <p:par>
+                          <p:cTn id="4" fill="hold">
+                            <p:stCondLst>
+                              <p:cond delay="0"/>
+                            </p:stCondLst>
+                            <p:childTnLst>
+                              <p:par>
+                                <p:cTn id="5" presetID="1" presetClass="entr" presetSubtype="0" fill="hold" grpId="0" nodeType="clickEffect">
+                                  <p:stCondLst>
+                                    <p:cond delay="0"/>
+                                  </p:stCondLst>
+                                  <p:childTnLst>
+                                    <p:set>
+                                      <p:cBhvr>
+                                        <p:cTn id="6" dur="1" fill="hold">
+                                          <p:stCondLst>
+                                            <p:cond delay="0"/>
+                                          </p:stCondLst>
+                                        </p:cTn>
+                                        <p:tgtEl>
+                                          <p:spTgt spid="3">
+                                            <p:txEl>
+                                              <p:pRg st="0" end="0"/>
+                                            </p:txEl>
+                                          </p:spTgt>
+                                        </p:tgtEl>
+                                        <p:attrNameLst>
+                                          <p:attrName>style.visibility</p:attrName>
+                                        </p:attrNameLst>
+                                      </p:cBhvr>
+                                      <p:to>
+                                        <p:strVal val="visible"/>
+                                      </p:to>
+                                    </p:set>
+                                  </p:childTnLst>
+                                </p:cTn>
+                              </p:par>
+                              <p:par>
+                                <p:cTn id="7" presetID="1" presetClass="entr" presetSubtype="0" fill="hold" grpId="0" nodeType="withEffect">
+                                  <p:stCondLst>
+                                    <p:cond delay="0"/>
+                                  </p:stCondLst>
+                                  <p:childTnLst>
+                                    <p:set>
+                                      <p:cBhvr>
+                                        <p:cTn id="8" dur="1" fill="hold">
+                                          <p:stCondLst>
+                                            <p:cond delay="0"/>
+                                          </p:stCondLst>
+                                        </p:cTn>
+                                        <p:tgtEl>
+                                          <p:spTgt spid="3">
+                                            <p:txEl>
+                                              <p:pRg st="1" end="1"/>
+                                            </p:txEl>
+                                          </p:spTgt>
+                                        </p:tgtEl>
+                                        <p:attrNameLst>
+                                          <p:attrName>style.visibility</p:attrName>
+                                        </p:attrNameLst>
+                                      </p:cBhvr>
+                                      <p:to>
+                                        <p:strVal val="visible"/>
+                                      </p:to>
+                                    </p:set>
+                                  </p:childTnLst>
+                                </p:cTn>
+                              </p:par>
+                              <p:par>
+                                <p:cTn id="9" presetID="1" presetClass="entr" presetSubtype="0" fill="hold" grpId="0" nodeType="withEffect">
+                                  <p:stCondLst>
+                                    <p:cond delay="0"/>
+                                  </p:stCondLst>
+                                  <p:childTnLst>
+                                    <p:set>
+                                      <p:cBhvr>
+                                        <p:cTn id="10" dur="1" fill="hold">
+                                          <p:stCondLst>
+                                            <p:cond delay="0"/>
+                                          </p:stCondLst>
+                                        </p:cTn>
+                                        <p:tgtEl>
+                                          <p:spTgt spid="3">
+                                            <p:txEl>
+                                              <p:pRg st="2" end="2"/>
+                                            </p:txEl>
+                                          </p:spTgt>
+                                        </p:tgtEl>
+                                        <p:attrNameLst>
+                                          <p:attrName>style.visibility</p:attrName>
+                                        </p:attrNameLst>
+                                      </p:cBhvr>
+                                      <p:to>
+                                        <p:strVal val="visible"/>
+                                      </p:to>
+                                    </p:set>
+                                  </p:childTnLst>
+                                </p:cTn>
+                              </p:par>
+                              <p:par>
+                                <p:cTn id="11" presetID="1" presetClass="entr" presetSubtype="0" fill="hold" grpId="0" nodeType="withEffect">
+                                  <p:stCondLst>
+                                    <p:cond delay="0"/>
+                                  </p:stCondLst>
+                                  <p:childTnLst>
+                                    <p:set>
+                                      <p:cBhvr>
+                                        <p:cTn id="12" dur="1" fill="hold">
+                                          <p:stCondLst>
+                                            <p:cond delay="0"/>
+                                          </p:stCondLst>
+                                        </p:cTn>
+                                        <p:tgtEl>
+                                          <p:spTgt spid="3">
+                                            <p:txEl>
+                                              <p:pRg st="3" end="3"/>
+                                            </p:txEl>
+                                          </p:spTgt>
+                                        </p:tgtEl>
+                                        <p:attrNameLst>
+                                          <p:attrName>style.visibility</p:attrName>
+                                        </p:attrNameLst>
+                                      </p:cBhvr>
+                                      <p:to>
+                                        <p:strVal val="visible"/>
+                                      </p:to>
+                                    </p:set>
+                                  </p:childTnLst>
+                                </p:cTn>
+                              </p:par>
+                              <p:par>
+                                <p:cTn id="13" presetID="1" presetClass="entr" presetSubtype="0" fill="hold" grpId="0" nodeType="withEffect">
+                                  <p:stCondLst>
+                                    <p:cond delay="0"/>
+                                  </p:stCondLst>
+                                  <p:childTnLst>
+                                    <p:set>
+                                      <p:cBhvr>
+                                        <p:cTn id="14" dur="1" fill="hold">
+                                          <p:stCondLst>
+                                            <p:cond delay="0"/>
+                                          </p:stCondLst>
+                                        </p:cTn>
+                                        <p:tgtEl>
+                                          <p:spTgt spid="3">
+                                            <p:txEl>
+                                              <p:pRg st="4" end="4"/>
+                                            </p:txEl>
+                                          </p:spTgt>
+                                        </p:tgtEl>
+                                        <p:attrNameLst>
+                                          <p:attrName>style.visibility</p:attrName>
+                                        </p:attrNameLst>
+                                      </p:cBhvr>
+                                      <p:to>
+                                        <p:strVal val="visible"/>
+                                      </p:to>
+                                    </p:set>
+                                  </p:childTnLst>
+                                </p:cTn>
+                              </p:par>
+                            </p:childTnLst>
+                          </p:cTn>
+                        </p:par>
+                      </p:childTnLst>
+                    </p:cTn>
+                  </p:par>
+                </p:childTnLst>
+              </p:cTn>
+              <p:prevCondLst>
+                <p:cond evt="onPrev" delay="0">
+                  <p:tgtEl>
+                    <p:sldTgt/>
+                  </p:tgtEl>
+                </p:cond>
+              </p:prevCondLst>
+              <p:nextCondLst>
+                <p:cond evt="onNext" delay="0">
+                  <p:tgtEl>
+                    <p:sldTgt/>
+                  </p:tgtEl>
+                </p:cond>
+              </p:nextCondLst>
+            </p:seq>
+          </p:childTnLst>
+        </p:cTn>
+      </p:par>
+    </p:tnLst>
+    <p:bldLst>
+      <p:bldP spid="3" grpId="0" build="p"/>
+    </p:bldLst>
+  </p:timing>
+</p:sld>
+</file>
+
+<file path=ppt/slides/slide11.xml><?xml version="1.0" encoding="utf-8"?>
+<p:sld xmlns:a="http://schemas.openxmlformats.org/drawingml/2006/main" xmlns:r="http://schemas.openxmlformats.org/officeDocument/2006/relationships" xmlns:p="http://schemas.openxmlformats.org/presentationml/2006/main">
+  <p:cSld>
+    <p:spTree>
+      <p:nvGrpSpPr>
+        <p:cNvPr id="1" name=""/>
+        <p:cNvGrpSpPr/>
+        <p:nvPr/>
+      </p:nvGrpSpPr>
+      <p:grpSpPr>
+        <a:xfrm>
+          <a:off x="0" y="0"/>
+          <a:ext cx="0" cy="0"/>
+          <a:chOff x="0" y="0"/>
+          <a:chExt cx="0" cy="0"/>
+        </a:xfrm>
+      </p:grpSpPr>
+      <p:sp>
+        <p:nvSpPr>
+          <p:cNvPr id="4" name="Title 1">
+            <a:extLst>
+              <a:ext uri="{FF2B5EF4-FFF2-40B4-BE49-F238E27FC236}">
+                <a16:creationId xmlns:a16="http://schemas.microsoft.com/office/drawing/2014/main" id="{400BF6D4-7C75-4FDB-A9F2-AE3E304B32E1}"/>
+              </a:ext>
+            </a:extLst>
+          </p:cNvPr>
+          <p:cNvSpPr>
+            <a:spLocks noGrp="1"/>
+          </p:cNvSpPr>
+          <p:nvPr>
+            <p:ph type="title"/>
+          </p:nvPr>
+        </p:nvSpPr>
+        <p:spPr>
+          <a:xfrm>
+            <a:off x="838200" y="0"/>
+            <a:ext cx="10515600" cy="919537"/>
+          </a:xfrm>
+        </p:spPr>
+        <p:txBody>
+          <a:bodyPr/>
+          <a:lstStyle/>
+          <a:p>
+            <a:pPr algn="ctr"/>
+            <a:r>
+              <a:rPr lang="ar-SY" b="1">
+                <a:solidFill>
+                  <a:srgbClr val="FF0000"/>
+                </a:solidFill>
+              </a:rPr>
+              <a:t>مشروع نظام تحكم رقمي</a:t>
+            </a:r>
+            <a:endParaRPr lang="en-US" b="1" dirty="0">
+              <a:solidFill>
+                <a:srgbClr val="FF0000"/>
+              </a:solidFill>
+            </a:endParaRPr>
+          </a:p>
+        </p:txBody>
+      </p:sp>
+      <p:sp>
+        <p:nvSpPr>
+          <p:cNvPr id="3" name="Content Placeholder 2">
+            <a:extLst>
+              <a:ext uri="{FF2B5EF4-FFF2-40B4-BE49-F238E27FC236}">
+                <a16:creationId xmlns:a16="http://schemas.microsoft.com/office/drawing/2014/main" id="{66772C95-8B64-4510-87F3-5B05D2685CDC}"/>
+              </a:ext>
+            </a:extLst>
+          </p:cNvPr>
+          <p:cNvSpPr>
+            <a:spLocks noGrp="1"/>
+          </p:cNvSpPr>
+          <p:nvPr>
+            <p:ph idx="1"/>
+          </p:nvPr>
+        </p:nvSpPr>
+        <p:spPr>
+          <a:xfrm>
+            <a:off x="1135294" y="873303"/>
+            <a:ext cx="10218506" cy="1516606"/>
+          </a:xfrm>
+        </p:spPr>
+        <p:txBody>
+          <a:bodyPr>
+            <a:normAutofit/>
+          </a:bodyPr>
+          <a:lstStyle/>
+          <a:p>
+            <a:pPr marL="0" indent="0" algn="r" rtl="1">
+              <a:lnSpc>
+                <a:spcPct val="150000"/>
+              </a:lnSpc>
+              <a:spcBef>
+                <a:spcPts val="0"/>
+              </a:spcBef>
+              <a:spcAft>
+                <a:spcPts val="600"/>
+              </a:spcAft>
+              <a:buNone/>
+            </a:pPr>
+            <a:r>
+              <a:rPr lang="ar-SY" b="1">
+                <a:solidFill>
+                  <a:srgbClr val="FF0000"/>
+                </a:solidFill>
+              </a:rPr>
+              <a:t>اللقاء الثالث</a:t>
+            </a:r>
+          </a:p>
+          <a:p>
+            <a:pPr algn="r" rtl="1">
+              <a:lnSpc>
+                <a:spcPct val="150000"/>
+              </a:lnSpc>
+              <a:spcBef>
+                <a:spcPts val="0"/>
+              </a:spcBef>
+              <a:spcAft>
+                <a:spcPts val="600"/>
+              </a:spcAft>
+            </a:pPr>
+            <a:r>
+              <a:rPr lang="ar-SY" sz="2400" b="1"/>
+              <a:t>رسم المخطط النظري على برنامج محاكاة </a:t>
+            </a:r>
+            <a:r>
+              <a:rPr lang="en-US" sz="2400" b="1"/>
+              <a:t>Proteus</a:t>
+            </a:r>
+            <a:endParaRPr lang="en-US" b="1"/>
+          </a:p>
+          <a:p>
+            <a:pPr algn="r" rtl="1">
+              <a:lnSpc>
+                <a:spcPct val="150000"/>
+              </a:lnSpc>
+              <a:spcBef>
+                <a:spcPts val="0"/>
+              </a:spcBef>
+              <a:spcAft>
+                <a:spcPts val="600"/>
+              </a:spcAft>
+            </a:pPr>
+            <a:endParaRPr lang="ar-SY" sz="2000" b="1" dirty="0"/>
+          </a:p>
+        </p:txBody>
+      </p:sp>
+      <p:pic>
+        <p:nvPicPr>
+          <p:cNvPr id="2050" name="Picture 2" descr="Image result for isis proteus">
+            <a:extLst>
+              <a:ext uri="{FF2B5EF4-FFF2-40B4-BE49-F238E27FC236}">
+                <a16:creationId xmlns:a16="http://schemas.microsoft.com/office/drawing/2014/main" id="{8ECFAFD2-1A7C-4137-AFD2-8592926161E2}"/>
+              </a:ext>
+            </a:extLst>
+          </p:cNvPr>
+          <p:cNvPicPr>
+            <a:picLocks noChangeAspect="1" noChangeArrowheads="1"/>
+          </p:cNvPicPr>
+          <p:nvPr/>
+        </p:nvPicPr>
+        <p:blipFill>
+          <a:blip r:embed="rId2">
+            <a:extLst>
+              <a:ext uri="{28A0092B-C50C-407E-A947-70E740481C1C}">
+                <a14:useLocalDpi xmlns:a14="http://schemas.microsoft.com/office/drawing/2010/main" val="0"/>
+              </a:ext>
+            </a:extLst>
+          </a:blip>
+          <a:srcRect/>
+          <a:stretch>
+            <a:fillRect/>
+          </a:stretch>
+        </p:blipFill>
+        <p:spPr bwMode="auto">
+          <a:xfrm>
+            <a:off x="3218151" y="2389909"/>
+            <a:ext cx="5755698" cy="4070680"/>
+          </a:xfrm>
+          <a:prstGeom prst="rect">
+            <a:avLst/>
+          </a:prstGeom>
+          <a:noFill/>
+          <a:extLst>
+            <a:ext uri="{909E8E84-426E-40DD-AFC4-6F175D3DCCD1}">
+              <a14:hiddenFill xmlns:a14="http://schemas.microsoft.com/office/drawing/2010/main">
+                <a:solidFill>
+                  <a:srgbClr val="FFFFFF"/>
+                </a:solidFill>
+              </a14:hiddenFill>
+            </a:ext>
+          </a:extLst>
+        </p:spPr>
+      </p:pic>
+    </p:spTree>
+    <p:extLst>
+      <p:ext uri="{BB962C8B-B14F-4D97-AF65-F5344CB8AC3E}">
+        <p14:creationId xmlns:p14="http://schemas.microsoft.com/office/powerpoint/2010/main" val="3763674032"/>
+      </p:ext>
+    </p:extLst>
+  </p:cSld>
+  <p:clrMapOvr>
+    <a:masterClrMapping/>
+  </p:clrMapOvr>
+  <p:timing>
+    <p:tnLst>
+      <p:par>
+        <p:cTn id="1" dur="indefinite" restart="never" nodeType="tmRoot">
+          <p:childTnLst>
+            <p:seq concurrent="1" nextAc="seek">
+              <p:cTn id="2" dur="indefinite" nodeType="mainSeq">
+                <p:childTnLst>
+                  <p:par>
+                    <p:cTn id="3" fill="hold">
+                      <p:stCondLst>
+                        <p:cond delay="indefinite"/>
+                      </p:stCondLst>
+                      <p:childTnLst>
+                        <p:par>
+                          <p:cTn id="4" fill="hold">
+                            <p:stCondLst>
+                              <p:cond delay="0"/>
+                            </p:stCondLst>
+                            <p:childTnLst>
+                              <p:par>
+                                <p:cTn id="5" presetID="1" presetClass="entr" presetSubtype="0" fill="hold" grpId="0" nodeType="clickEffect">
+                                  <p:stCondLst>
+                                    <p:cond delay="0"/>
+                                  </p:stCondLst>
+                                  <p:childTnLst>
+                                    <p:set>
+                                      <p:cBhvr>
+                                        <p:cTn id="6" dur="1" fill="hold">
+                                          <p:stCondLst>
+                                            <p:cond delay="0"/>
+                                          </p:stCondLst>
+                                        </p:cTn>
+                                        <p:tgtEl>
+                                          <p:spTgt spid="3">
+                                            <p:txEl>
+                                              <p:pRg st="0" end="0"/>
+                                            </p:txEl>
+                                          </p:spTgt>
+                                        </p:tgtEl>
+                                        <p:attrNameLst>
+                                          <p:attrName>style.visibility</p:attrName>
+                                        </p:attrNameLst>
+                                      </p:cBhvr>
+                                      <p:to>
+                                        <p:strVal val="visible"/>
+                                      </p:to>
+                                    </p:set>
+                                  </p:childTnLst>
+                                </p:cTn>
+                              </p:par>
+                              <p:par>
+                                <p:cTn id="7" presetID="1" presetClass="entr" presetSubtype="0" fill="hold" grpId="0" nodeType="withEffect">
+                                  <p:stCondLst>
+                                    <p:cond delay="0"/>
+                                  </p:stCondLst>
+                                  <p:childTnLst>
+                                    <p:set>
+                                      <p:cBhvr>
+                                        <p:cTn id="8" dur="1" fill="hold">
+                                          <p:stCondLst>
+                                            <p:cond delay="0"/>
+                                          </p:stCondLst>
+                                        </p:cTn>
+                                        <p:tgtEl>
+                                          <p:spTgt spid="3">
+                                            <p:txEl>
+                                              <p:pRg st="1" end="1"/>
+                                            </p:txEl>
+                                          </p:spTgt>
+                                        </p:tgtEl>
+                                        <p:attrNameLst>
+                                          <p:attrName>style.visibility</p:attrName>
+                                        </p:attrNameLst>
+                                      </p:cBhvr>
+                                      <p:to>
+                                        <p:strVal val="visible"/>
+                                      </p:to>
+                                    </p:set>
+                                  </p:childTnLst>
+                                </p:cTn>
+                              </p:par>
+                            </p:childTnLst>
+                          </p:cTn>
+                        </p:par>
+                      </p:childTnLst>
+                    </p:cTn>
+                  </p:par>
+                </p:childTnLst>
+              </p:cTn>
+              <p:prevCondLst>
+                <p:cond evt="onPrev" delay="0">
+                  <p:tgtEl>
+                    <p:sldTgt/>
+                  </p:tgtEl>
+                </p:cond>
+              </p:prevCondLst>
+              <p:nextCondLst>
+                <p:cond evt="onNext" delay="0">
+                  <p:tgtEl>
+                    <p:sldTgt/>
+                  </p:tgtEl>
+                </p:cond>
+              </p:nextCondLst>
+            </p:seq>
+          </p:childTnLst>
+        </p:cTn>
+      </p:par>
+    </p:tnLst>
+    <p:bldLst>
+      <p:bldP spid="3" grpId="0" build="p"/>
+    </p:bldLst>
+  </p:timing>
+</p:sld>
+</file>
+
+<file path=ppt/slides/slide12.xml><?xml version="1.0" encoding="utf-8"?>
+<p:sld xmlns:a="http://schemas.openxmlformats.org/drawingml/2006/main" xmlns:r="http://schemas.openxmlformats.org/officeDocument/2006/relationships" xmlns:p="http://schemas.openxmlformats.org/presentationml/2006/main">
+  <p:cSld>
+    <p:spTree>
+      <p:nvGrpSpPr>
+        <p:cNvPr id="1" name=""/>
+        <p:cNvGrpSpPr/>
+        <p:nvPr/>
+      </p:nvGrpSpPr>
+      <p:grpSpPr>
+        <a:xfrm>
+          <a:off x="0" y="0"/>
+          <a:ext cx="0" cy="0"/>
+          <a:chOff x="0" y="0"/>
+          <a:chExt cx="0" cy="0"/>
+        </a:xfrm>
+      </p:grpSpPr>
+      <p:sp>
+        <p:nvSpPr>
+          <p:cNvPr id="4" name="Title 1">
+            <a:extLst>
+              <a:ext uri="{FF2B5EF4-FFF2-40B4-BE49-F238E27FC236}">
+                <a16:creationId xmlns:a16="http://schemas.microsoft.com/office/drawing/2014/main" id="{400BF6D4-7C75-4FDB-A9F2-AE3E304B32E1}"/>
+              </a:ext>
+            </a:extLst>
+          </p:cNvPr>
+          <p:cNvSpPr>
+            <a:spLocks noGrp="1"/>
+          </p:cNvSpPr>
+          <p:nvPr>
+            <p:ph type="title"/>
+          </p:nvPr>
+        </p:nvSpPr>
+        <p:spPr>
+          <a:xfrm>
+            <a:off x="838200" y="0"/>
+            <a:ext cx="10515600" cy="919537"/>
+          </a:xfrm>
+        </p:spPr>
+        <p:txBody>
+          <a:bodyPr/>
+          <a:lstStyle/>
+          <a:p>
+            <a:pPr algn="ctr"/>
+            <a:r>
+              <a:rPr lang="ar-SY" b="1">
+                <a:solidFill>
+                  <a:srgbClr val="FF0000"/>
+                </a:solidFill>
+              </a:rPr>
+              <a:t>مشروع نظام تحكم رقمي</a:t>
+            </a:r>
+            <a:endParaRPr lang="en-US" b="1" dirty="0">
+              <a:solidFill>
+                <a:srgbClr val="FF0000"/>
+              </a:solidFill>
+            </a:endParaRPr>
+          </a:p>
+        </p:txBody>
+      </p:sp>
+      <p:sp>
+        <p:nvSpPr>
+          <p:cNvPr id="3" name="Content Placeholder 2">
+            <a:extLst>
+              <a:ext uri="{FF2B5EF4-FFF2-40B4-BE49-F238E27FC236}">
+                <a16:creationId xmlns:a16="http://schemas.microsoft.com/office/drawing/2014/main" id="{66772C95-8B64-4510-87F3-5B05D2685CDC}"/>
+              </a:ext>
+            </a:extLst>
+          </p:cNvPr>
+          <p:cNvSpPr>
+            <a:spLocks noGrp="1"/>
+          </p:cNvSpPr>
+          <p:nvPr>
+            <p:ph idx="1"/>
+          </p:nvPr>
+        </p:nvSpPr>
+        <p:spPr>
+          <a:xfrm>
+            <a:off x="1135294" y="873303"/>
+            <a:ext cx="10218506" cy="1516606"/>
+          </a:xfrm>
+        </p:spPr>
+        <p:txBody>
+          <a:bodyPr>
+            <a:normAutofit/>
+          </a:bodyPr>
+          <a:lstStyle/>
+          <a:p>
+            <a:pPr marL="0" indent="0" algn="r" rtl="1">
+              <a:lnSpc>
+                <a:spcPct val="150000"/>
+              </a:lnSpc>
+              <a:spcBef>
+                <a:spcPts val="0"/>
+              </a:spcBef>
+              <a:spcAft>
+                <a:spcPts val="600"/>
+              </a:spcAft>
+              <a:buNone/>
+            </a:pPr>
+            <a:r>
+              <a:rPr lang="ar-SY" b="1" dirty="0">
+                <a:solidFill>
+                  <a:srgbClr val="FF0000"/>
+                </a:solidFill>
+              </a:rPr>
+              <a:t>اللقاء الثالث</a:t>
+            </a:r>
+          </a:p>
+          <a:p>
+            <a:pPr algn="r" rtl="1">
+              <a:lnSpc>
+                <a:spcPct val="150000"/>
+              </a:lnSpc>
+              <a:spcBef>
+                <a:spcPts val="0"/>
+              </a:spcBef>
+              <a:spcAft>
+                <a:spcPts val="600"/>
+              </a:spcAft>
+            </a:pPr>
+            <a:r>
+              <a:rPr lang="ar-SY" sz="2400" b="1" dirty="0"/>
+              <a:t>رسم الدارة المطبوعة على برنامج </a:t>
+            </a:r>
+            <a:r>
+              <a:rPr lang="en-US" sz="2400" b="1" dirty="0"/>
+              <a:t>Eagle</a:t>
+            </a:r>
+            <a:r>
+              <a:rPr lang="ar-SY" sz="2400" b="1" dirty="0"/>
+              <a:t> (لا تصنع الدارة في هذه المرحلة).</a:t>
+            </a:r>
+            <a:endParaRPr lang="en-US" b="1" dirty="0"/>
+          </a:p>
+          <a:p>
+            <a:pPr algn="r" rtl="1">
+              <a:lnSpc>
+                <a:spcPct val="150000"/>
+              </a:lnSpc>
+              <a:spcBef>
+                <a:spcPts val="0"/>
+              </a:spcBef>
+              <a:spcAft>
+                <a:spcPts val="600"/>
+              </a:spcAft>
+            </a:pPr>
+            <a:endParaRPr lang="ar-SY" sz="2000" b="1" dirty="0"/>
+          </a:p>
+        </p:txBody>
+      </p:sp>
+      <p:pic>
+        <p:nvPicPr>
+          <p:cNvPr id="3074" name="Picture 2" descr="Image result for eagle board">
+            <a:extLst>
+              <a:ext uri="{FF2B5EF4-FFF2-40B4-BE49-F238E27FC236}">
+                <a16:creationId xmlns:a16="http://schemas.microsoft.com/office/drawing/2014/main" id="{DFC907B6-BED3-4F34-BC6E-C3AB151502A6}"/>
+              </a:ext>
+            </a:extLst>
+          </p:cNvPr>
+          <p:cNvPicPr>
+            <a:picLocks noChangeAspect="1" noChangeArrowheads="1"/>
+          </p:cNvPicPr>
+          <p:nvPr/>
+        </p:nvPicPr>
+        <p:blipFill>
+          <a:blip r:embed="rId2">
+            <a:extLst>
+              <a:ext uri="{28A0092B-C50C-407E-A947-70E740481C1C}">
+                <a14:useLocalDpi xmlns:a14="http://schemas.microsoft.com/office/drawing/2010/main" val="0"/>
+              </a:ext>
+            </a:extLst>
+          </a:blip>
+          <a:srcRect/>
+          <a:stretch>
+            <a:fillRect/>
+          </a:stretch>
+        </p:blipFill>
+        <p:spPr bwMode="auto">
+          <a:xfrm>
+            <a:off x="3670144" y="2638309"/>
+            <a:ext cx="5148805" cy="3659565"/>
+          </a:xfrm>
+          <a:prstGeom prst="rect">
+            <a:avLst/>
+          </a:prstGeom>
+          <a:noFill/>
+          <a:extLst>
+            <a:ext uri="{909E8E84-426E-40DD-AFC4-6F175D3DCCD1}">
+              <a14:hiddenFill xmlns:a14="http://schemas.microsoft.com/office/drawing/2010/main">
+                <a:solidFill>
+                  <a:srgbClr val="FFFFFF"/>
+                </a:solidFill>
+              </a14:hiddenFill>
+            </a:ext>
+          </a:extLst>
+        </p:spPr>
+      </p:pic>
+    </p:spTree>
+    <p:extLst>
+      <p:ext uri="{BB962C8B-B14F-4D97-AF65-F5344CB8AC3E}">
+        <p14:creationId xmlns:p14="http://schemas.microsoft.com/office/powerpoint/2010/main" val="3715343042"/>
+      </p:ext>
+    </p:extLst>
+  </p:cSld>
+  <p:clrMapOvr>
+    <a:masterClrMapping/>
+  </p:clrMapOvr>
+  <p:timing>
+    <p:tnLst>
+      <p:par>
+        <p:cTn id="1" dur="indefinite" restart="never" nodeType="tmRoot">
+          <p:childTnLst>
+            <p:seq concurrent="1" nextAc="seek">
+              <p:cTn id="2" dur="indefinite" nodeType="mainSeq">
+                <p:childTnLst>
+                  <p:par>
+                    <p:cTn id="3" fill="hold">
+                      <p:stCondLst>
+                        <p:cond delay="indefinite"/>
+                      </p:stCondLst>
+                      <p:childTnLst>
+                        <p:par>
+                          <p:cTn id="4" fill="hold">
+                            <p:stCondLst>
+                              <p:cond delay="0"/>
+                            </p:stCondLst>
+                            <p:childTnLst>
+                              <p:par>
+                                <p:cTn id="5" presetID="1" presetClass="entr" presetSubtype="0" fill="hold" grpId="0" nodeType="clickEffect">
+                                  <p:stCondLst>
+                                    <p:cond delay="0"/>
+                                  </p:stCondLst>
+                                  <p:childTnLst>
+                                    <p:set>
+                                      <p:cBhvr>
+                                        <p:cTn id="6" dur="1" fill="hold">
+                                          <p:stCondLst>
+                                            <p:cond delay="0"/>
+                                          </p:stCondLst>
+                                        </p:cTn>
+                                        <p:tgtEl>
+                                          <p:spTgt spid="3">
+                                            <p:txEl>
+                                              <p:pRg st="0" end="0"/>
+                                            </p:txEl>
+                                          </p:spTgt>
+                                        </p:tgtEl>
+                                        <p:attrNameLst>
+                                          <p:attrName>style.visibility</p:attrName>
+                                        </p:attrNameLst>
+                                      </p:cBhvr>
+                                      <p:to>
+                                        <p:strVal val="visible"/>
+                                      </p:to>
+                                    </p:set>
+                                  </p:childTnLst>
+                                </p:cTn>
+                              </p:par>
+                              <p:par>
+                                <p:cTn id="7" presetID="1" presetClass="entr" presetSubtype="0" fill="hold" grpId="0" nodeType="withEffect">
+                                  <p:stCondLst>
+                                    <p:cond delay="0"/>
+                                  </p:stCondLst>
+                                  <p:childTnLst>
+                                    <p:set>
+                                      <p:cBhvr>
+                                        <p:cTn id="8" dur="1" fill="hold">
+                                          <p:stCondLst>
+                                            <p:cond delay="0"/>
+                                          </p:stCondLst>
+                                        </p:cTn>
+                                        <p:tgtEl>
+                                          <p:spTgt spid="3">
+                                            <p:txEl>
+                                              <p:pRg st="1" end="1"/>
+                                            </p:txEl>
+                                          </p:spTgt>
+                                        </p:tgtEl>
+                                        <p:attrNameLst>
+                                          <p:attrName>style.visibility</p:attrName>
+                                        </p:attrNameLst>
+                                      </p:cBhvr>
+                                      <p:to>
+                                        <p:strVal val="visible"/>
+                                      </p:to>
+                                    </p:set>
+                                  </p:childTnLst>
+                                </p:cTn>
+                              </p:par>
+                            </p:childTnLst>
+                          </p:cTn>
+                        </p:par>
+                      </p:childTnLst>
+                    </p:cTn>
+                  </p:par>
+                </p:childTnLst>
+              </p:cTn>
+              <p:prevCondLst>
+                <p:cond evt="onPrev" delay="0">
+                  <p:tgtEl>
+                    <p:sldTgt/>
+                  </p:tgtEl>
+                </p:cond>
+              </p:prevCondLst>
+              <p:nextCondLst>
+                <p:cond evt="onNext" delay="0">
+                  <p:tgtEl>
+                    <p:sldTgt/>
+                  </p:tgtEl>
+                </p:cond>
+              </p:nextCondLst>
+            </p:seq>
+          </p:childTnLst>
+        </p:cTn>
+      </p:par>
+    </p:tnLst>
+    <p:bldLst>
+      <p:bldP spid="3" grpId="0" build="p"/>
+    </p:bldLst>
+  </p:timing>
+</p:sld>
+</file>
+
+<file path=ppt/slides/slide13.xml><?xml version="1.0" encoding="utf-8"?>
+<p:sld xmlns:a="http://schemas.openxmlformats.org/drawingml/2006/main" xmlns:r="http://schemas.openxmlformats.org/officeDocument/2006/relationships" xmlns:p="http://schemas.openxmlformats.org/presentationml/2006/main">
+  <p:cSld>
+    <p:spTree>
+      <p:nvGrpSpPr>
+        <p:cNvPr id="1" name=""/>
+        <p:cNvGrpSpPr/>
+        <p:nvPr/>
+      </p:nvGrpSpPr>
+      <p:grpSpPr>
+        <a:xfrm>
+          <a:off x="0" y="0"/>
+          <a:ext cx="0" cy="0"/>
+          <a:chOff x="0" y="0"/>
+          <a:chExt cx="0" cy="0"/>
+        </a:xfrm>
+      </p:grpSpPr>
+      <p:sp>
+        <p:nvSpPr>
+          <p:cNvPr id="4" name="Title 1">
+            <a:extLst>
+              <a:ext uri="{FF2B5EF4-FFF2-40B4-BE49-F238E27FC236}">
+                <a16:creationId xmlns:a16="http://schemas.microsoft.com/office/drawing/2014/main" id="{400BF6D4-7C75-4FDB-A9F2-AE3E304B32E1}"/>
+              </a:ext>
+            </a:extLst>
+          </p:cNvPr>
+          <p:cNvSpPr>
+            <a:spLocks noGrp="1"/>
+          </p:cNvSpPr>
+          <p:nvPr>
+            <p:ph type="title"/>
+          </p:nvPr>
+        </p:nvSpPr>
+        <p:spPr>
+          <a:xfrm>
+            <a:off x="838200" y="0"/>
+            <a:ext cx="10515600" cy="919537"/>
+          </a:xfrm>
+        </p:spPr>
+        <p:txBody>
+          <a:bodyPr/>
+          <a:lstStyle/>
+          <a:p>
+            <a:pPr algn="ctr"/>
+            <a:r>
+              <a:rPr lang="ar-SY" b="1" dirty="0">
+                <a:solidFill>
+                  <a:srgbClr val="FF0000"/>
+                </a:solidFill>
+              </a:rPr>
+              <a:t>مشروع نظام تحكم رقمي</a:t>
+            </a:r>
+            <a:endParaRPr lang="en-US" b="1" dirty="0">
+              <a:solidFill>
+                <a:srgbClr val="FF0000"/>
+              </a:solidFill>
+            </a:endParaRPr>
+          </a:p>
+        </p:txBody>
+      </p:sp>
+      <p:sp>
+        <p:nvSpPr>
+          <p:cNvPr id="3" name="Content Placeholder 2">
+            <a:extLst>
+              <a:ext uri="{FF2B5EF4-FFF2-40B4-BE49-F238E27FC236}">
+                <a16:creationId xmlns:a16="http://schemas.microsoft.com/office/drawing/2014/main" id="{66772C95-8B64-4510-87F3-5B05D2685CDC}"/>
+              </a:ext>
+            </a:extLst>
+          </p:cNvPr>
+          <p:cNvSpPr>
+            <a:spLocks noGrp="1"/>
+          </p:cNvSpPr>
+          <p:nvPr>
+            <p:ph idx="1"/>
+          </p:nvPr>
+        </p:nvSpPr>
+        <p:spPr>
+          <a:xfrm>
+            <a:off x="1135294" y="800572"/>
+            <a:ext cx="10218506" cy="1506215"/>
+          </a:xfrm>
+        </p:spPr>
+        <p:txBody>
+          <a:bodyPr>
+            <a:normAutofit/>
+          </a:bodyPr>
+          <a:lstStyle/>
+          <a:p>
+            <a:pPr marL="0" indent="0" algn="r" rtl="1">
+              <a:lnSpc>
+                <a:spcPct val="150000"/>
+              </a:lnSpc>
+              <a:spcBef>
+                <a:spcPts val="0"/>
+              </a:spcBef>
+              <a:spcAft>
+                <a:spcPts val="600"/>
+              </a:spcAft>
+              <a:buNone/>
+            </a:pPr>
+            <a:r>
+              <a:rPr lang="ar-SY" sz="2400" b="1" dirty="0">
+                <a:solidFill>
+                  <a:srgbClr val="FF0000"/>
+                </a:solidFill>
+              </a:rPr>
+              <a:t>اللقاء الثالث</a:t>
+            </a:r>
+          </a:p>
+          <a:p>
+            <a:pPr algn="r" rtl="1">
+              <a:lnSpc>
+                <a:spcPct val="150000"/>
+              </a:lnSpc>
+              <a:spcBef>
+                <a:spcPts val="0"/>
+              </a:spcBef>
+              <a:spcAft>
+                <a:spcPts val="600"/>
+              </a:spcAft>
+            </a:pPr>
+            <a:r>
+              <a:rPr lang="ar-SY" sz="2000" b="1" dirty="0"/>
+              <a:t>تحديد المتحكم وعناصر نظام التحكم + رسم مخطط صندوقي للمتحكم</a:t>
+            </a:r>
+            <a:endParaRPr lang="en-US" sz="2000" b="1" dirty="0"/>
+          </a:p>
+          <a:p>
+            <a:pPr algn="r" rtl="1">
+              <a:lnSpc>
+                <a:spcPct val="150000"/>
+              </a:lnSpc>
+              <a:spcBef>
+                <a:spcPts val="0"/>
+              </a:spcBef>
+              <a:spcAft>
+                <a:spcPts val="600"/>
+              </a:spcAft>
+            </a:pPr>
+            <a:endParaRPr lang="ar-SY" sz="1800" b="1" dirty="0"/>
+          </a:p>
+        </p:txBody>
+      </p:sp>
+      <p:graphicFrame>
+        <p:nvGraphicFramePr>
+          <p:cNvPr id="2" name="Table 1">
+            <a:extLst>
+              <a:ext uri="{FF2B5EF4-FFF2-40B4-BE49-F238E27FC236}">
+                <a16:creationId xmlns:a16="http://schemas.microsoft.com/office/drawing/2014/main" id="{12B7934D-5EF6-42BA-BA6D-51F3CA011485}"/>
+              </a:ext>
+            </a:extLst>
+          </p:cNvPr>
+          <p:cNvGraphicFramePr>
+            <a:graphicFrameLocks noGrp="1"/>
+          </p:cNvGraphicFramePr>
+          <p:nvPr>
+            <p:extLst>
+              <p:ext uri="{D42A27DB-BD31-4B8C-83A1-F6EECF244321}">
+                <p14:modId xmlns:p14="http://schemas.microsoft.com/office/powerpoint/2010/main" val="1954378830"/>
+              </p:ext>
+            </p:extLst>
+          </p:nvPr>
+        </p:nvGraphicFramePr>
+        <p:xfrm>
+          <a:off x="757670" y="2089153"/>
+          <a:ext cx="10676659" cy="4450080"/>
+        </p:xfrm>
+        <a:graphic>
+          <a:graphicData uri="http://schemas.openxmlformats.org/drawingml/2006/table">
+            <a:tbl>
+              <a:tblPr firstRow="1" bandRow="1">
+                <a:tableStyleId>{69012ECD-51FC-41F1-AA8D-1B2483CD663E}</a:tableStyleId>
+              </a:tblPr>
+              <a:tblGrid>
+                <a:gridCol w="6367807">
+                  <a:extLst>
+                    <a:ext uri="{9D8B030D-6E8A-4147-A177-3AD203B41FA5}">
+                      <a16:colId xmlns:a16="http://schemas.microsoft.com/office/drawing/2014/main" val="184326639"/>
+                    </a:ext>
+                  </a:extLst>
+                </a:gridCol>
+                <a:gridCol w="4308852">
+                  <a:extLst>
+                    <a:ext uri="{9D8B030D-6E8A-4147-A177-3AD203B41FA5}">
+                      <a16:colId xmlns:a16="http://schemas.microsoft.com/office/drawing/2014/main" val="968670964"/>
+                    </a:ext>
+                  </a:extLst>
+                </a:gridCol>
+              </a:tblGrid>
               <a:tr h="370840">
-                <a:tc vMerge="1">
+                <a:tc>
                   <a:txBody>
                     <a:bodyPr/>
                     <a:lstStyle/>
                     <a:p>
-                      <a:pPr algn="ctr" rtl="1"/>
+                      <a:pPr algn="ctr"/>
+                      <a:r>
+                        <a:rPr lang="ar-SY" dirty="0"/>
+                        <a:t>مثال</a:t>
+                      </a:r>
                       <a:endParaRPr lang="en-US" dirty="0"/>
                     </a:p>
                   </a:txBody>
@@ -3917,7 +5264,300 @@
                     <a:bodyPr/>
                     <a:lstStyle/>
                     <a:p>
-                      <a:pPr marL="0" marR="0" lvl="0" indent="0" algn="ctr" defTabSz="914400" rtl="0" eaLnBrk="1" fontAlgn="auto" latinLnBrk="0" hangingPunct="1">
+                      <a:pPr algn="ctr"/>
+                      <a:r>
+                        <a:rPr lang="ar-SY" dirty="0"/>
+                        <a:t>العنصر</a:t>
+                      </a:r>
+                      <a:endParaRPr lang="en-US" dirty="0"/>
+                    </a:p>
+                  </a:txBody>
+                  <a:tcPr/>
+                </a:tc>
+                <a:extLst>
+                  <a:ext uri="{0D108BD9-81ED-4DB2-BD59-A6C34878D82A}">
+                    <a16:rowId xmlns:a16="http://schemas.microsoft.com/office/drawing/2014/main" val="3340231213"/>
+                  </a:ext>
+                </a:extLst>
+              </a:tr>
+              <a:tr h="370840">
+                <a:tc>
+                  <a:txBody>
+                    <a:bodyPr/>
+                    <a:lstStyle/>
+                    <a:p>
+                      <a:pPr algn="ctr" rtl="1"/>
+                      <a:r>
+                        <a:rPr lang="en-US" dirty="0"/>
+                        <a:t>P, PI, PD, PID</a:t>
+                      </a:r>
+                    </a:p>
+                  </a:txBody>
+                  <a:tcPr/>
+                </a:tc>
+                <a:tc>
+                  <a:txBody>
+                    <a:bodyPr/>
+                    <a:lstStyle/>
+                    <a:p>
+                      <a:pPr algn="ctr" rtl="1"/>
+                      <a:r>
+                        <a:rPr lang="ar-SY" b="1" dirty="0"/>
+                        <a:t>نوع المتحكم</a:t>
+                      </a:r>
+                      <a:endParaRPr lang="en-US" b="1" dirty="0"/>
+                    </a:p>
+                  </a:txBody>
+                  <a:tcPr/>
+                </a:tc>
+                <a:extLst>
+                  <a:ext uri="{0D108BD9-81ED-4DB2-BD59-A6C34878D82A}">
+                    <a16:rowId xmlns:a16="http://schemas.microsoft.com/office/drawing/2014/main" val="885357690"/>
+                  </a:ext>
+                </a:extLst>
+              </a:tr>
+              <a:tr h="370840">
+                <a:tc>
+                  <a:txBody>
+                    <a:bodyPr/>
+                    <a:lstStyle/>
+                    <a:p>
+                      <a:pPr algn="ctr" rtl="1"/>
+                      <a:r>
+                        <a:rPr lang="ar-SY" dirty="0"/>
+                        <a:t>الحرارة المرجعية عن طريق مقاومة متغيرة</a:t>
+                      </a:r>
+                      <a:endParaRPr lang="en-US" dirty="0"/>
+                    </a:p>
+                  </a:txBody>
+                  <a:tcPr/>
+                </a:tc>
+                <a:tc>
+                  <a:txBody>
+                    <a:bodyPr/>
+                    <a:lstStyle/>
+                    <a:p>
+                      <a:pPr algn="ctr" rtl="1"/>
+                      <a:r>
+                        <a:rPr lang="ar-SY" b="1" dirty="0"/>
+                        <a:t>الإشارة المرجعية</a:t>
+                      </a:r>
+                      <a:endParaRPr lang="en-US" b="1" dirty="0"/>
+                    </a:p>
+                  </a:txBody>
+                  <a:tcPr/>
+                </a:tc>
+                <a:extLst>
+                  <a:ext uri="{0D108BD9-81ED-4DB2-BD59-A6C34878D82A}">
+                    <a16:rowId xmlns:a16="http://schemas.microsoft.com/office/drawing/2014/main" val="3929800802"/>
+                  </a:ext>
+                </a:extLst>
+              </a:tr>
+              <a:tr h="370840">
+                <a:tc>
+                  <a:txBody>
+                    <a:bodyPr/>
+                    <a:lstStyle/>
+                    <a:p>
+                      <a:pPr algn="ctr" rtl="1"/>
+                      <a:r>
+                        <a:rPr lang="en-US" dirty="0">
+                          <a:latin typeface="Arial" panose="020B0604020202020204" pitchFamily="34" charset="0"/>
+                          <a:cs typeface="Arial" panose="020B0604020202020204" pitchFamily="34" charset="0"/>
+                        </a:rPr>
+                        <a:t>°C</a:t>
+                      </a:r>
+                      <a:endParaRPr lang="en-US" dirty="0"/>
+                    </a:p>
+                  </a:txBody>
+                  <a:tcPr/>
+                </a:tc>
+                <a:tc>
+                  <a:txBody>
+                    <a:bodyPr/>
+                    <a:lstStyle/>
+                    <a:p>
+                      <a:pPr algn="ctr" rtl="1"/>
+                      <a:r>
+                        <a:rPr lang="ar-SY" b="1" dirty="0"/>
+                        <a:t>واحدة الإشارة المرجعية</a:t>
+                      </a:r>
+                      <a:endParaRPr lang="en-US" b="1" dirty="0"/>
+                    </a:p>
+                  </a:txBody>
+                  <a:tcPr/>
+                </a:tc>
+                <a:extLst>
+                  <a:ext uri="{0D108BD9-81ED-4DB2-BD59-A6C34878D82A}">
+                    <a16:rowId xmlns:a16="http://schemas.microsoft.com/office/drawing/2014/main" val="1466916503"/>
+                  </a:ext>
+                </a:extLst>
+              </a:tr>
+              <a:tr h="370840">
+                <a:tc>
+                  <a:txBody>
+                    <a:bodyPr/>
+                    <a:lstStyle/>
+                    <a:p>
+                      <a:pPr algn="ctr" rtl="1"/>
+                      <a:r>
+                        <a:rPr lang="en-US" dirty="0" err="1"/>
+                        <a:t>v_ref</a:t>
+                      </a:r>
+                      <a:endParaRPr lang="en-US" dirty="0"/>
+                    </a:p>
+                  </a:txBody>
+                  <a:tcPr/>
+                </a:tc>
+                <a:tc>
+                  <a:txBody>
+                    <a:bodyPr/>
+                    <a:lstStyle/>
+                    <a:p>
+                      <a:pPr algn="ctr" rtl="1"/>
+                      <a:r>
+                        <a:rPr lang="ar-SY" b="1" dirty="0"/>
+                        <a:t>الإشارة المرجعية في البرنامج</a:t>
+                      </a:r>
+                      <a:endParaRPr lang="en-US" b="1" dirty="0"/>
+                    </a:p>
+                  </a:txBody>
+                  <a:tcPr/>
+                </a:tc>
+                <a:extLst>
+                  <a:ext uri="{0D108BD9-81ED-4DB2-BD59-A6C34878D82A}">
+                    <a16:rowId xmlns:a16="http://schemas.microsoft.com/office/drawing/2014/main" val="1833516269"/>
+                  </a:ext>
+                </a:extLst>
+              </a:tr>
+              <a:tr h="370840">
+                <a:tc>
+                  <a:txBody>
+                    <a:bodyPr/>
+                    <a:lstStyle/>
+                    <a:p>
+                      <a:pPr algn="ctr" rtl="1"/>
+                      <a:r>
+                        <a:rPr lang="en-US" dirty="0"/>
+                        <a:t>ADC count</a:t>
+                      </a:r>
+                    </a:p>
+                  </a:txBody>
+                  <a:tcPr/>
+                </a:tc>
+                <a:tc>
+                  <a:txBody>
+                    <a:bodyPr/>
+                    <a:lstStyle/>
+                    <a:p>
+                      <a:pPr algn="ctr" rtl="1"/>
+                      <a:r>
+                        <a:rPr lang="ar-SY" b="1" dirty="0"/>
+                        <a:t>واحدة الإشارة المرجعية في البرنامج</a:t>
+                      </a:r>
+                      <a:endParaRPr lang="en-US" b="1" dirty="0"/>
+                    </a:p>
+                  </a:txBody>
+                  <a:tcPr/>
+                </a:tc>
+                <a:extLst>
+                  <a:ext uri="{0D108BD9-81ED-4DB2-BD59-A6C34878D82A}">
+                    <a16:rowId xmlns:a16="http://schemas.microsoft.com/office/drawing/2014/main" val="2494356144"/>
+                  </a:ext>
+                </a:extLst>
+              </a:tr>
+              <a:tr h="370840">
+                <a:tc>
+                  <a:txBody>
+                    <a:bodyPr/>
+                    <a:lstStyle/>
+                    <a:p>
+                      <a:pPr algn="ctr" rtl="1"/>
+                      <a:r>
+                        <a:rPr lang="ar-SY" dirty="0"/>
+                        <a:t>علاقة </a:t>
+                      </a:r>
+                      <a:r>
+                        <a:rPr lang="en-US" dirty="0" err="1"/>
+                        <a:t>v_ref</a:t>
+                      </a:r>
+                      <a:r>
+                        <a:rPr lang="ar-SY" dirty="0"/>
+                        <a:t> مع الحرارة المرجعية؟</a:t>
+                      </a:r>
+                      <a:endParaRPr lang="en-US" dirty="0"/>
+                    </a:p>
+                  </a:txBody>
+                  <a:tcPr/>
+                </a:tc>
+                <a:tc>
+                  <a:txBody>
+                    <a:bodyPr/>
+                    <a:lstStyle/>
+                    <a:p>
+                      <a:pPr algn="ctr" rtl="1"/>
+                      <a:r>
+                        <a:rPr lang="ar-SY" b="1" dirty="0"/>
+                        <a:t>علاقة الإشارة المرجعية في البرنامج بالمتحول الفيزيائي</a:t>
+                      </a:r>
+                      <a:endParaRPr lang="en-US" b="1" dirty="0"/>
+                    </a:p>
+                  </a:txBody>
+                  <a:tcPr/>
+                </a:tc>
+                <a:extLst>
+                  <a:ext uri="{0D108BD9-81ED-4DB2-BD59-A6C34878D82A}">
+                    <a16:rowId xmlns:a16="http://schemas.microsoft.com/office/drawing/2014/main" val="3341103511"/>
+                  </a:ext>
+                </a:extLst>
+              </a:tr>
+              <a:tr h="370840">
+                <a:tc>
+                  <a:txBody>
+                    <a:bodyPr/>
+                    <a:lstStyle/>
+                    <a:p>
+                      <a:pPr algn="ctr" rtl="1"/>
+                      <a:r>
+                        <a:rPr lang="ar-SY" dirty="0"/>
+                        <a:t>الحرارة المقاسة عن طريق حساس </a:t>
+                      </a:r>
+                      <a:r>
+                        <a:rPr lang="en-US" dirty="0"/>
+                        <a:t>LM35</a:t>
+                      </a:r>
+                    </a:p>
+                  </a:txBody>
+                  <a:tcPr/>
+                </a:tc>
+                <a:tc>
+                  <a:txBody>
+                    <a:bodyPr/>
+                    <a:lstStyle/>
+                    <a:p>
+                      <a:pPr algn="ctr" rtl="1"/>
+                      <a:r>
+                        <a:rPr lang="ar-SY" b="1" dirty="0"/>
+                        <a:t>إشارة الحساس</a:t>
+                      </a:r>
+                      <a:endParaRPr lang="en-US" b="1" dirty="0"/>
+                    </a:p>
+                  </a:txBody>
+                  <a:tcPr/>
+                </a:tc>
+                <a:extLst>
+                  <a:ext uri="{0D108BD9-81ED-4DB2-BD59-A6C34878D82A}">
+                    <a16:rowId xmlns:a16="http://schemas.microsoft.com/office/drawing/2014/main" val="3461003442"/>
+                  </a:ext>
+                </a:extLst>
+              </a:tr>
+              <a:tr h="370840">
+                <a:tc>
+                  <a:txBody>
+                    <a:bodyPr/>
+                    <a:lstStyle/>
+                    <a:p>
+                      <a:pPr marL="0" marR="0" lvl="0" indent="0" algn="ctr" defTabSz="914400" rtl="1" eaLnBrk="1" fontAlgn="auto" latinLnBrk="0" hangingPunct="1">
                         <a:lnSpc>
                           <a:spcPct val="100000"/>
                         </a:lnSpc>
@@ -3935,29 +5575,169 @@
                         <a:defRPr/>
                       </a:pPr>
                       <a:r>
-                        <a:rPr kumimoji="0" lang="en-US" sz="1800" b="1" i="0" u="none" strike="noStrike" kern="1200" cap="none" spc="0" normalizeH="0" baseline="0" noProof="0" dirty="0">
-                          <a:ln>
-                            <a:noFill/>
-                          </a:ln>
-                          <a:solidFill>
-                            <a:prstClr val="black"/>
-                          </a:solidFill>
-                          <a:effectLst/>
-                          <a:uLnTx/>
-                          <a:uFillTx/>
-                          <a:latin typeface="Calibri" panose="020F0502020204030204"/>
-                          <a:ea typeface="+mn-ea"/>
-                          <a:cs typeface="+mn-cs"/>
+                        <a:rPr lang="en-US" dirty="0">
+                          <a:latin typeface="Arial" panose="020B0604020202020204" pitchFamily="34" charset="0"/>
+                          <a:cs typeface="Arial" panose="020B0604020202020204" pitchFamily="34" charset="0"/>
                         </a:rPr>
-                        <a:t>29-30/5/2019</a:t>
+                        <a:t>°C</a:t>
                       </a:r>
+                      <a:endParaRPr lang="en-US" dirty="0"/>
+                    </a:p>
+                  </a:txBody>
+                  <a:tcPr/>
+                </a:tc>
+                <a:tc>
+                  <a:txBody>
+                    <a:bodyPr/>
+                    <a:lstStyle/>
+                    <a:p>
+                      <a:pPr algn="ctr" rtl="1"/>
+                      <a:r>
+                        <a:rPr lang="ar-SY" b="1" dirty="0"/>
+                        <a:t>واحدة إشارة الحساس </a:t>
+                      </a:r>
+                      <a:endParaRPr lang="en-US" b="1" dirty="0"/>
                     </a:p>
                   </a:txBody>
                   <a:tcPr/>
                 </a:tc>
                 <a:extLst>
                   <a:ext uri="{0D108BD9-81ED-4DB2-BD59-A6C34878D82A}">
-                    <a16:rowId xmlns:a16="http://schemas.microsoft.com/office/drawing/2014/main" val="2448921878"/>
+                    <a16:rowId xmlns:a16="http://schemas.microsoft.com/office/drawing/2014/main" val="3762086447"/>
+                  </a:ext>
+                </a:extLst>
+              </a:tr>
+              <a:tr h="370840">
+                <a:tc>
+                  <a:txBody>
+                    <a:bodyPr/>
+                    <a:lstStyle/>
+                    <a:p>
+                      <a:pPr algn="ctr" rtl="1"/>
+                      <a:r>
+                        <a:rPr lang="en-US" dirty="0" err="1"/>
+                        <a:t>v_sen</a:t>
+                      </a:r>
+                      <a:endParaRPr lang="en-US" dirty="0"/>
+                    </a:p>
+                  </a:txBody>
+                  <a:tcPr/>
+                </a:tc>
+                <a:tc>
+                  <a:txBody>
+                    <a:bodyPr/>
+                    <a:lstStyle/>
+                    <a:p>
+                      <a:pPr algn="ctr" rtl="1"/>
+                      <a:r>
+                        <a:rPr lang="ar-SY" b="1" dirty="0"/>
+                        <a:t>إشارة الحساس في البرنامج</a:t>
+                      </a:r>
+                      <a:endParaRPr lang="en-US" b="1" dirty="0"/>
+                    </a:p>
+                  </a:txBody>
+                  <a:tcPr/>
+                </a:tc>
+                <a:extLst>
+                  <a:ext uri="{0D108BD9-81ED-4DB2-BD59-A6C34878D82A}">
+                    <a16:rowId xmlns:a16="http://schemas.microsoft.com/office/drawing/2014/main" val="2035997888"/>
+                  </a:ext>
+                </a:extLst>
+              </a:tr>
+              <a:tr h="370840">
+                <a:tc>
+                  <a:txBody>
+                    <a:bodyPr/>
+                    <a:lstStyle/>
+                    <a:p>
+                      <a:pPr algn="ctr" rtl="1"/>
+                      <a:r>
+                        <a:rPr lang="en-US" dirty="0"/>
+                        <a:t>ADC count</a:t>
+                      </a:r>
+                    </a:p>
+                  </a:txBody>
+                  <a:tcPr/>
+                </a:tc>
+                <a:tc>
+                  <a:txBody>
+                    <a:bodyPr/>
+                    <a:lstStyle/>
+                    <a:p>
+                      <a:pPr algn="ctr" rtl="1"/>
+                      <a:r>
+                        <a:rPr lang="ar-SY" b="1" dirty="0"/>
+                        <a:t>واحدة إشارة الحساس في البرنامج</a:t>
+                      </a:r>
+                      <a:endParaRPr lang="en-US" b="1" dirty="0"/>
+                    </a:p>
+                  </a:txBody>
+                  <a:tcPr/>
+                </a:tc>
+                <a:extLst>
+                  <a:ext uri="{0D108BD9-81ED-4DB2-BD59-A6C34878D82A}">
+                    <a16:rowId xmlns:a16="http://schemas.microsoft.com/office/drawing/2014/main" val="3100634424"/>
+                  </a:ext>
+                </a:extLst>
+              </a:tr>
+              <a:tr h="370840">
+                <a:tc>
+                  <a:txBody>
+                    <a:bodyPr/>
+                    <a:lstStyle/>
+                    <a:p>
+                      <a:pPr marL="0" marR="0" lvl="0" indent="0" algn="ctr" defTabSz="914400" rtl="1" eaLnBrk="1" fontAlgn="auto" latinLnBrk="0" hangingPunct="1">
+                        <a:lnSpc>
+                          <a:spcPct val="100000"/>
+                        </a:lnSpc>
+                        <a:spcBef>
+                          <a:spcPts val="0"/>
+                        </a:spcBef>
+                        <a:spcAft>
+                          <a:spcPts val="0"/>
+                        </a:spcAft>
+                        <a:buClrTx/>
+                        <a:buSzTx/>
+                        <a:buFontTx/>
+                        <a:buNone/>
+                        <a:tabLst/>
+                        <a:defRPr/>
+                      </a:pPr>
+                      <a:r>
+                        <a:rPr lang="ar-SY" dirty="0"/>
+                        <a:t>علاقة </a:t>
+                      </a:r>
+                      <a:r>
+                        <a:rPr lang="en-US" dirty="0" err="1"/>
+                        <a:t>v_sen</a:t>
+                      </a:r>
+                      <a:r>
+                        <a:rPr lang="ar-SY" dirty="0"/>
+                        <a:t> مع الحرارة المقاسة؟</a:t>
+                      </a:r>
+                      <a:endParaRPr lang="en-US" dirty="0"/>
+                    </a:p>
+                  </a:txBody>
+                  <a:tcPr/>
+                </a:tc>
+                <a:tc>
+                  <a:txBody>
+                    <a:bodyPr/>
+                    <a:lstStyle/>
+                    <a:p>
+                      <a:pPr algn="ctr"/>
+                      <a:r>
+                        <a:rPr lang="ar-SY" b="1" dirty="0"/>
+                        <a:t>علاقة الإشارة المرجعية في البرنامج بالمتحول الفيزيائي</a:t>
+                      </a:r>
+                      <a:endParaRPr lang="en-US" b="1" dirty="0"/>
+                    </a:p>
+                  </a:txBody>
+                  <a:tcPr/>
+                </a:tc>
+                <a:extLst>
+                  <a:ext uri="{0D108BD9-81ED-4DB2-BD59-A6C34878D82A}">
+                    <a16:rowId xmlns:a16="http://schemas.microsoft.com/office/drawing/2014/main" val="2547492736"/>
                   </a:ext>
                 </a:extLst>
               </a:tr>
@@ -3968,13 +5748,1858 @@
     </p:spTree>
     <p:extLst>
       <p:ext uri="{BB962C8B-B14F-4D97-AF65-F5344CB8AC3E}">
-        <p14:creationId xmlns:p14="http://schemas.microsoft.com/office/powerpoint/2010/main" val="3181181196"/>
+        <p14:creationId xmlns:p14="http://schemas.microsoft.com/office/powerpoint/2010/main" val="4175286925"/>
       </p:ext>
     </p:extLst>
   </p:cSld>
   <p:clrMapOvr>
     <a:masterClrMapping/>
   </p:clrMapOvr>
+  <p:timing>
+    <p:tnLst>
+      <p:par>
+        <p:cTn id="1" dur="indefinite" restart="never" nodeType="tmRoot">
+          <p:childTnLst>
+            <p:seq concurrent="1" nextAc="seek">
+              <p:cTn id="2" dur="indefinite" nodeType="mainSeq">
+                <p:childTnLst>
+                  <p:par>
+                    <p:cTn id="3" fill="hold">
+                      <p:stCondLst>
+                        <p:cond delay="indefinite"/>
+                      </p:stCondLst>
+                      <p:childTnLst>
+                        <p:par>
+                          <p:cTn id="4" fill="hold">
+                            <p:stCondLst>
+                              <p:cond delay="0"/>
+                            </p:stCondLst>
+                            <p:childTnLst>
+                              <p:par>
+                                <p:cTn id="5" presetID="1" presetClass="entr" presetSubtype="0" fill="hold" grpId="0" nodeType="clickEffect">
+                                  <p:stCondLst>
+                                    <p:cond delay="0"/>
+                                  </p:stCondLst>
+                                  <p:childTnLst>
+                                    <p:set>
+                                      <p:cBhvr>
+                                        <p:cTn id="6" dur="1" fill="hold">
+                                          <p:stCondLst>
+                                            <p:cond delay="0"/>
+                                          </p:stCondLst>
+                                        </p:cTn>
+                                        <p:tgtEl>
+                                          <p:spTgt spid="3">
+                                            <p:txEl>
+                                              <p:pRg st="0" end="0"/>
+                                            </p:txEl>
+                                          </p:spTgt>
+                                        </p:tgtEl>
+                                        <p:attrNameLst>
+                                          <p:attrName>style.visibility</p:attrName>
+                                        </p:attrNameLst>
+                                      </p:cBhvr>
+                                      <p:to>
+                                        <p:strVal val="visible"/>
+                                      </p:to>
+                                    </p:set>
+                                  </p:childTnLst>
+                                </p:cTn>
+                              </p:par>
+                            </p:childTnLst>
+                          </p:cTn>
+                        </p:par>
+                      </p:childTnLst>
+                    </p:cTn>
+                  </p:par>
+                  <p:par>
+                    <p:cTn id="7" fill="hold">
+                      <p:stCondLst>
+                        <p:cond delay="indefinite"/>
+                      </p:stCondLst>
+                      <p:childTnLst>
+                        <p:par>
+                          <p:cTn id="8" fill="hold">
+                            <p:stCondLst>
+                              <p:cond delay="0"/>
+                            </p:stCondLst>
+                            <p:childTnLst>
+                              <p:par>
+                                <p:cTn id="9" presetID="1" presetClass="entr" presetSubtype="0" fill="hold" grpId="0" nodeType="clickEffect">
+                                  <p:stCondLst>
+                                    <p:cond delay="0"/>
+                                  </p:stCondLst>
+                                  <p:childTnLst>
+                                    <p:set>
+                                      <p:cBhvr>
+                                        <p:cTn id="10" dur="1" fill="hold">
+                                          <p:stCondLst>
+                                            <p:cond delay="0"/>
+                                          </p:stCondLst>
+                                        </p:cTn>
+                                        <p:tgtEl>
+                                          <p:spTgt spid="3">
+                                            <p:txEl>
+                                              <p:pRg st="1" end="1"/>
+                                            </p:txEl>
+                                          </p:spTgt>
+                                        </p:tgtEl>
+                                        <p:attrNameLst>
+                                          <p:attrName>style.visibility</p:attrName>
+                                        </p:attrNameLst>
+                                      </p:cBhvr>
+                                      <p:to>
+                                        <p:strVal val="visible"/>
+                                      </p:to>
+                                    </p:set>
+                                  </p:childTnLst>
+                                </p:cTn>
+                              </p:par>
+                            </p:childTnLst>
+                          </p:cTn>
+                        </p:par>
+                      </p:childTnLst>
+                    </p:cTn>
+                  </p:par>
+                </p:childTnLst>
+              </p:cTn>
+              <p:prevCondLst>
+                <p:cond evt="onPrev" delay="0">
+                  <p:tgtEl>
+                    <p:sldTgt/>
+                  </p:tgtEl>
+                </p:cond>
+              </p:prevCondLst>
+              <p:nextCondLst>
+                <p:cond evt="onNext" delay="0">
+                  <p:tgtEl>
+                    <p:sldTgt/>
+                  </p:tgtEl>
+                </p:cond>
+              </p:nextCondLst>
+            </p:seq>
+          </p:childTnLst>
+        </p:cTn>
+      </p:par>
+    </p:tnLst>
+    <p:bldLst>
+      <p:bldP spid="3" grpId="0" build="p"/>
+    </p:bldLst>
+  </p:timing>
+</p:sld>
+</file>
+
+<file path=ppt/slides/slide14.xml><?xml version="1.0" encoding="utf-8"?>
+<p:sld xmlns:a="http://schemas.openxmlformats.org/drawingml/2006/main" xmlns:r="http://schemas.openxmlformats.org/officeDocument/2006/relationships" xmlns:p="http://schemas.openxmlformats.org/presentationml/2006/main">
+  <p:cSld>
+    <p:spTree>
+      <p:nvGrpSpPr>
+        <p:cNvPr id="1" name=""/>
+        <p:cNvGrpSpPr/>
+        <p:nvPr/>
+      </p:nvGrpSpPr>
+      <p:grpSpPr>
+        <a:xfrm>
+          <a:off x="0" y="0"/>
+          <a:ext cx="0" cy="0"/>
+          <a:chOff x="0" y="0"/>
+          <a:chExt cx="0" cy="0"/>
+        </a:xfrm>
+      </p:grpSpPr>
+      <p:sp>
+        <p:nvSpPr>
+          <p:cNvPr id="4" name="Title 1">
+            <a:extLst>
+              <a:ext uri="{FF2B5EF4-FFF2-40B4-BE49-F238E27FC236}">
+                <a16:creationId xmlns:a16="http://schemas.microsoft.com/office/drawing/2014/main" id="{400BF6D4-7C75-4FDB-A9F2-AE3E304B32E1}"/>
+              </a:ext>
+            </a:extLst>
+          </p:cNvPr>
+          <p:cNvSpPr>
+            <a:spLocks noGrp="1"/>
+          </p:cNvSpPr>
+          <p:nvPr>
+            <p:ph type="title"/>
+          </p:nvPr>
+        </p:nvSpPr>
+        <p:spPr>
+          <a:xfrm>
+            <a:off x="838200" y="0"/>
+            <a:ext cx="10515600" cy="919537"/>
+          </a:xfrm>
+        </p:spPr>
+        <p:txBody>
+          <a:bodyPr/>
+          <a:lstStyle/>
+          <a:p>
+            <a:pPr algn="ctr"/>
+            <a:r>
+              <a:rPr lang="ar-SY" b="1" dirty="0">
+                <a:solidFill>
+                  <a:srgbClr val="FF0000"/>
+                </a:solidFill>
+              </a:rPr>
+              <a:t>مشروع نظام تحكم رقمي</a:t>
+            </a:r>
+            <a:endParaRPr lang="en-US" b="1" dirty="0">
+              <a:solidFill>
+                <a:srgbClr val="FF0000"/>
+              </a:solidFill>
+            </a:endParaRPr>
+          </a:p>
+        </p:txBody>
+      </p:sp>
+      <p:sp>
+        <p:nvSpPr>
+          <p:cNvPr id="3" name="Content Placeholder 2">
+            <a:extLst>
+              <a:ext uri="{FF2B5EF4-FFF2-40B4-BE49-F238E27FC236}">
+                <a16:creationId xmlns:a16="http://schemas.microsoft.com/office/drawing/2014/main" id="{66772C95-8B64-4510-87F3-5B05D2685CDC}"/>
+              </a:ext>
+            </a:extLst>
+          </p:cNvPr>
+          <p:cNvSpPr>
+            <a:spLocks noGrp="1"/>
+          </p:cNvSpPr>
+          <p:nvPr>
+            <p:ph idx="1"/>
+          </p:nvPr>
+        </p:nvSpPr>
+        <p:spPr>
+          <a:xfrm>
+            <a:off x="1135294" y="800572"/>
+            <a:ext cx="10218506" cy="1506215"/>
+          </a:xfrm>
+        </p:spPr>
+        <p:txBody>
+          <a:bodyPr>
+            <a:normAutofit/>
+          </a:bodyPr>
+          <a:lstStyle/>
+          <a:p>
+            <a:pPr marL="0" indent="0" algn="r" rtl="1">
+              <a:lnSpc>
+                <a:spcPct val="150000"/>
+              </a:lnSpc>
+              <a:spcBef>
+                <a:spcPts val="0"/>
+              </a:spcBef>
+              <a:spcAft>
+                <a:spcPts val="600"/>
+              </a:spcAft>
+              <a:buNone/>
+            </a:pPr>
+            <a:r>
+              <a:rPr lang="ar-SY" sz="2400" b="1" dirty="0">
+                <a:solidFill>
+                  <a:srgbClr val="FF0000"/>
+                </a:solidFill>
+              </a:rPr>
+              <a:t>اللقاء الثالث</a:t>
+            </a:r>
+          </a:p>
+          <a:p>
+            <a:pPr algn="r" rtl="1">
+              <a:lnSpc>
+                <a:spcPct val="150000"/>
+              </a:lnSpc>
+              <a:spcBef>
+                <a:spcPts val="0"/>
+              </a:spcBef>
+              <a:spcAft>
+                <a:spcPts val="600"/>
+              </a:spcAft>
+            </a:pPr>
+            <a:r>
+              <a:rPr lang="ar-SY" sz="2000" b="1" dirty="0"/>
+              <a:t>تحديد المتحكم وعناصر نظام التحكم + رسم مخطط صندوقي للمتحكم</a:t>
+            </a:r>
+            <a:endParaRPr lang="en-US" sz="2000" b="1" dirty="0"/>
+          </a:p>
+          <a:p>
+            <a:pPr algn="r" rtl="1">
+              <a:lnSpc>
+                <a:spcPct val="150000"/>
+              </a:lnSpc>
+              <a:spcBef>
+                <a:spcPts val="0"/>
+              </a:spcBef>
+              <a:spcAft>
+                <a:spcPts val="600"/>
+              </a:spcAft>
+            </a:pPr>
+            <a:endParaRPr lang="ar-SY" sz="1800" b="1" dirty="0"/>
+          </a:p>
+        </p:txBody>
+      </p:sp>
+      <p:graphicFrame>
+        <p:nvGraphicFramePr>
+          <p:cNvPr id="2" name="Table 1">
+            <a:extLst>
+              <a:ext uri="{FF2B5EF4-FFF2-40B4-BE49-F238E27FC236}">
+                <a16:creationId xmlns:a16="http://schemas.microsoft.com/office/drawing/2014/main" id="{12B7934D-5EF6-42BA-BA6D-51F3CA011485}"/>
+              </a:ext>
+            </a:extLst>
+          </p:cNvPr>
+          <p:cNvGraphicFramePr>
+            <a:graphicFrameLocks noGrp="1"/>
+          </p:cNvGraphicFramePr>
+          <p:nvPr>
+            <p:extLst>
+              <p:ext uri="{D42A27DB-BD31-4B8C-83A1-F6EECF244321}">
+                <p14:modId xmlns:p14="http://schemas.microsoft.com/office/powerpoint/2010/main" val="2399830602"/>
+              </p:ext>
+            </p:extLst>
+          </p:nvPr>
+        </p:nvGraphicFramePr>
+        <p:xfrm>
+          <a:off x="757670" y="2089153"/>
+          <a:ext cx="10676659" cy="2966720"/>
+        </p:xfrm>
+        <a:graphic>
+          <a:graphicData uri="http://schemas.openxmlformats.org/drawingml/2006/table">
+            <a:tbl>
+              <a:tblPr firstRow="1" bandRow="1">
+                <a:tableStyleId>{69012ECD-51FC-41F1-AA8D-1B2483CD663E}</a:tableStyleId>
+              </a:tblPr>
+              <a:tblGrid>
+                <a:gridCol w="6367807">
+                  <a:extLst>
+                    <a:ext uri="{9D8B030D-6E8A-4147-A177-3AD203B41FA5}">
+                      <a16:colId xmlns:a16="http://schemas.microsoft.com/office/drawing/2014/main" val="184326639"/>
+                    </a:ext>
+                  </a:extLst>
+                </a:gridCol>
+                <a:gridCol w="4308852">
+                  <a:extLst>
+                    <a:ext uri="{9D8B030D-6E8A-4147-A177-3AD203B41FA5}">
+                      <a16:colId xmlns:a16="http://schemas.microsoft.com/office/drawing/2014/main" val="968670964"/>
+                    </a:ext>
+                  </a:extLst>
+                </a:gridCol>
+              </a:tblGrid>
+              <a:tr h="370840">
+                <a:tc>
+                  <a:txBody>
+                    <a:bodyPr/>
+                    <a:lstStyle/>
+                    <a:p>
+                      <a:pPr algn="ctr"/>
+                      <a:r>
+                        <a:rPr lang="ar-SY" dirty="0"/>
+                        <a:t>مثال</a:t>
+                      </a:r>
+                      <a:endParaRPr lang="en-US" dirty="0"/>
+                    </a:p>
+                  </a:txBody>
+                  <a:tcPr/>
+                </a:tc>
+                <a:tc>
+                  <a:txBody>
+                    <a:bodyPr/>
+                    <a:lstStyle/>
+                    <a:p>
+                      <a:pPr algn="ctr"/>
+                      <a:r>
+                        <a:rPr lang="ar-SY" dirty="0"/>
+                        <a:t>العنصر</a:t>
+                      </a:r>
+                      <a:endParaRPr lang="en-US" dirty="0"/>
+                    </a:p>
+                  </a:txBody>
+                  <a:tcPr/>
+                </a:tc>
+                <a:extLst>
+                  <a:ext uri="{0D108BD9-81ED-4DB2-BD59-A6C34878D82A}">
+                    <a16:rowId xmlns:a16="http://schemas.microsoft.com/office/drawing/2014/main" val="3340231213"/>
+                  </a:ext>
+                </a:extLst>
+              </a:tr>
+              <a:tr h="370840">
+                <a:tc>
+                  <a:txBody>
+                    <a:bodyPr/>
+                    <a:lstStyle/>
+                    <a:p>
+                      <a:pPr algn="ctr" rtl="1"/>
+                      <a:r>
+                        <a:rPr lang="ar-SY" dirty="0"/>
+                        <a:t>سرعة مروحة عن طريق </a:t>
+                      </a:r>
+                      <a:r>
+                        <a:rPr lang="en-US" dirty="0"/>
+                        <a:t>PWM</a:t>
+                      </a:r>
+                    </a:p>
+                  </a:txBody>
+                  <a:tcPr/>
+                </a:tc>
+                <a:tc>
+                  <a:txBody>
+                    <a:bodyPr/>
+                    <a:lstStyle/>
+                    <a:p>
+                      <a:pPr algn="ctr" rtl="1"/>
+                      <a:r>
+                        <a:rPr lang="ar-SY" b="1" dirty="0"/>
+                        <a:t>إشارة التحكم</a:t>
+                      </a:r>
+                      <a:endParaRPr lang="en-US" b="1" dirty="0"/>
+                    </a:p>
+                  </a:txBody>
+                  <a:tcPr/>
+                </a:tc>
+                <a:extLst>
+                  <a:ext uri="{0D108BD9-81ED-4DB2-BD59-A6C34878D82A}">
+                    <a16:rowId xmlns:a16="http://schemas.microsoft.com/office/drawing/2014/main" val="3929800802"/>
+                  </a:ext>
+                </a:extLst>
+              </a:tr>
+              <a:tr h="370840">
+                <a:tc>
+                  <a:txBody>
+                    <a:bodyPr/>
+                    <a:lstStyle/>
+                    <a:p>
+                      <a:pPr algn="ctr" rtl="1"/>
+                      <a:r>
+                        <a:rPr lang="en-US" dirty="0">
+                          <a:latin typeface="Arial" panose="020B0604020202020204" pitchFamily="34" charset="0"/>
+                          <a:cs typeface="Arial" panose="020B0604020202020204" pitchFamily="34" charset="0"/>
+                        </a:rPr>
+                        <a:t>RPM</a:t>
+                      </a:r>
+                      <a:endParaRPr lang="en-US" dirty="0"/>
+                    </a:p>
+                  </a:txBody>
+                  <a:tcPr/>
+                </a:tc>
+                <a:tc>
+                  <a:txBody>
+                    <a:bodyPr/>
+                    <a:lstStyle/>
+                    <a:p>
+                      <a:pPr marL="0" marR="0" lvl="0" indent="0" algn="ctr" defTabSz="914400" rtl="1" eaLnBrk="1" fontAlgn="auto" latinLnBrk="0" hangingPunct="1">
+                        <a:lnSpc>
+                          <a:spcPct val="100000"/>
+                        </a:lnSpc>
+                        <a:spcBef>
+                          <a:spcPts val="0"/>
+                        </a:spcBef>
+                        <a:spcAft>
+                          <a:spcPts val="0"/>
+                        </a:spcAft>
+                        <a:buClrTx/>
+                        <a:buSzTx/>
+                        <a:buFontTx/>
+                        <a:buNone/>
+                        <a:tabLst/>
+                        <a:defRPr/>
+                      </a:pPr>
+                      <a:r>
+                        <a:rPr lang="ar-SY" b="1" dirty="0"/>
+                        <a:t>واحدة إشارة التحكم</a:t>
+                      </a:r>
+                      <a:endParaRPr lang="en-US" b="1" dirty="0"/>
+                    </a:p>
+                  </a:txBody>
+                  <a:tcPr/>
+                </a:tc>
+                <a:extLst>
+                  <a:ext uri="{0D108BD9-81ED-4DB2-BD59-A6C34878D82A}">
+                    <a16:rowId xmlns:a16="http://schemas.microsoft.com/office/drawing/2014/main" val="1466916503"/>
+                  </a:ext>
+                </a:extLst>
+              </a:tr>
+              <a:tr h="370840">
+                <a:tc>
+                  <a:txBody>
+                    <a:bodyPr/>
+                    <a:lstStyle/>
+                    <a:p>
+                      <a:pPr algn="ctr" rtl="1"/>
+                      <a:r>
+                        <a:rPr lang="en-US" dirty="0" err="1"/>
+                        <a:t>fan_speed</a:t>
+                      </a:r>
+                      <a:endParaRPr lang="en-US" dirty="0"/>
+                    </a:p>
+                  </a:txBody>
+                  <a:tcPr/>
+                </a:tc>
+                <a:tc>
+                  <a:txBody>
+                    <a:bodyPr/>
+                    <a:lstStyle/>
+                    <a:p>
+                      <a:pPr marL="0" marR="0" lvl="0" indent="0" algn="ctr" defTabSz="914400" rtl="1" eaLnBrk="1" fontAlgn="auto" latinLnBrk="0" hangingPunct="1">
+                        <a:lnSpc>
+                          <a:spcPct val="100000"/>
+                        </a:lnSpc>
+                        <a:spcBef>
+                          <a:spcPts val="0"/>
+                        </a:spcBef>
+                        <a:spcAft>
+                          <a:spcPts val="0"/>
+                        </a:spcAft>
+                        <a:buClrTx/>
+                        <a:buSzTx/>
+                        <a:buFontTx/>
+                        <a:buNone/>
+                        <a:tabLst/>
+                        <a:defRPr/>
+                      </a:pPr>
+                      <a:r>
+                        <a:rPr lang="ar-SY" b="1" dirty="0"/>
+                        <a:t>إشارة التحكم في البرنامج</a:t>
+                      </a:r>
+                      <a:endParaRPr lang="en-US" b="1" dirty="0"/>
+                    </a:p>
+                  </a:txBody>
+                  <a:tcPr/>
+                </a:tc>
+                <a:extLst>
+                  <a:ext uri="{0D108BD9-81ED-4DB2-BD59-A6C34878D82A}">
+                    <a16:rowId xmlns:a16="http://schemas.microsoft.com/office/drawing/2014/main" val="1833516269"/>
+                  </a:ext>
+                </a:extLst>
+              </a:tr>
+              <a:tr h="370840">
+                <a:tc>
+                  <a:txBody>
+                    <a:bodyPr/>
+                    <a:lstStyle/>
+                    <a:p>
+                      <a:pPr algn="ctr" rtl="1"/>
+                      <a:r>
+                        <a:rPr lang="en-US" dirty="0"/>
+                        <a:t>Timer count</a:t>
+                      </a:r>
+                    </a:p>
+                  </a:txBody>
+                  <a:tcPr/>
+                </a:tc>
+                <a:tc>
+                  <a:txBody>
+                    <a:bodyPr/>
+                    <a:lstStyle/>
+                    <a:p>
+                      <a:pPr marL="0" marR="0" lvl="0" indent="0" algn="ctr" defTabSz="914400" rtl="1" eaLnBrk="1" fontAlgn="auto" latinLnBrk="0" hangingPunct="1">
+                        <a:lnSpc>
+                          <a:spcPct val="100000"/>
+                        </a:lnSpc>
+                        <a:spcBef>
+                          <a:spcPts val="0"/>
+                        </a:spcBef>
+                        <a:spcAft>
+                          <a:spcPts val="0"/>
+                        </a:spcAft>
+                        <a:buClrTx/>
+                        <a:buSzTx/>
+                        <a:buFontTx/>
+                        <a:buNone/>
+                        <a:tabLst/>
+                        <a:defRPr/>
+                      </a:pPr>
+                      <a:r>
+                        <a:rPr lang="ar-SY" b="1" dirty="0"/>
+                        <a:t>واحدة إشارة التحكم في البرنامج</a:t>
+                      </a:r>
+                      <a:endParaRPr lang="en-US" b="1" dirty="0"/>
+                    </a:p>
+                  </a:txBody>
+                  <a:tcPr/>
+                </a:tc>
+                <a:extLst>
+                  <a:ext uri="{0D108BD9-81ED-4DB2-BD59-A6C34878D82A}">
+                    <a16:rowId xmlns:a16="http://schemas.microsoft.com/office/drawing/2014/main" val="2494356144"/>
+                  </a:ext>
+                </a:extLst>
+              </a:tr>
+              <a:tr h="370840">
+                <a:tc>
+                  <a:txBody>
+                    <a:bodyPr/>
+                    <a:lstStyle/>
+                    <a:p>
+                      <a:pPr marL="0" marR="0" lvl="0" indent="0" algn="ctr" defTabSz="914400" rtl="1" eaLnBrk="1" fontAlgn="auto" latinLnBrk="0" hangingPunct="1">
+                        <a:lnSpc>
+                          <a:spcPct val="100000"/>
+                        </a:lnSpc>
+                        <a:spcBef>
+                          <a:spcPts val="0"/>
+                        </a:spcBef>
+                        <a:spcAft>
+                          <a:spcPts val="0"/>
+                        </a:spcAft>
+                        <a:buClrTx/>
+                        <a:buSzTx/>
+                        <a:buFontTx/>
+                        <a:buNone/>
+                        <a:tabLst/>
+                        <a:defRPr/>
+                      </a:pPr>
+                      <a:r>
+                        <a:rPr lang="ar-SY" dirty="0"/>
+                        <a:t>علاقة </a:t>
+                      </a:r>
+                      <a:r>
+                        <a:rPr lang="en-US" dirty="0" err="1"/>
+                        <a:t>fan_speed</a:t>
+                      </a:r>
+                      <a:r>
+                        <a:rPr lang="ar-SY" dirty="0"/>
+                        <a:t> مع سرعة المروحة؟</a:t>
+                      </a:r>
+                      <a:endParaRPr lang="en-US" dirty="0"/>
+                    </a:p>
+                  </a:txBody>
+                  <a:tcPr/>
+                </a:tc>
+                <a:tc>
+                  <a:txBody>
+                    <a:bodyPr/>
+                    <a:lstStyle/>
+                    <a:p>
+                      <a:pPr marL="0" marR="0" lvl="0" indent="0" algn="ctr" defTabSz="914400" rtl="1" eaLnBrk="1" fontAlgn="auto" latinLnBrk="0" hangingPunct="1">
+                        <a:lnSpc>
+                          <a:spcPct val="100000"/>
+                        </a:lnSpc>
+                        <a:spcBef>
+                          <a:spcPts val="0"/>
+                        </a:spcBef>
+                        <a:spcAft>
+                          <a:spcPts val="0"/>
+                        </a:spcAft>
+                        <a:buClrTx/>
+                        <a:buSzTx/>
+                        <a:buFontTx/>
+                        <a:buNone/>
+                        <a:tabLst/>
+                        <a:defRPr/>
+                      </a:pPr>
+                      <a:r>
+                        <a:rPr lang="ar-SY" b="1" dirty="0"/>
+                        <a:t>علاقة إشارة التحكم في البرنامج بالمتحول الفيزيائي</a:t>
+                      </a:r>
+                      <a:endParaRPr lang="en-US" b="1" dirty="0"/>
+                    </a:p>
+                  </a:txBody>
+                  <a:tcPr/>
+                </a:tc>
+                <a:extLst>
+                  <a:ext uri="{0D108BD9-81ED-4DB2-BD59-A6C34878D82A}">
+                    <a16:rowId xmlns:a16="http://schemas.microsoft.com/office/drawing/2014/main" val="3341103511"/>
+                  </a:ext>
+                </a:extLst>
+              </a:tr>
+              <a:tr h="370840">
+                <a:tc>
+                  <a:txBody>
+                    <a:bodyPr/>
+                    <a:lstStyle/>
+                    <a:p>
+                      <a:pPr algn="ctr" rtl="1"/>
+                      <a:r>
+                        <a:rPr lang="en-US" dirty="0"/>
+                        <a:t>0-20000</a:t>
+                      </a:r>
+                    </a:p>
+                  </a:txBody>
+                  <a:tcPr/>
+                </a:tc>
+                <a:tc>
+                  <a:txBody>
+                    <a:bodyPr/>
+                    <a:lstStyle/>
+                    <a:p>
+                      <a:pPr marL="0" marR="0" lvl="0" indent="0" algn="ctr" defTabSz="914400" rtl="1" eaLnBrk="1" fontAlgn="auto" latinLnBrk="0" hangingPunct="1">
+                        <a:lnSpc>
+                          <a:spcPct val="100000"/>
+                        </a:lnSpc>
+                        <a:spcBef>
+                          <a:spcPts val="0"/>
+                        </a:spcBef>
+                        <a:spcAft>
+                          <a:spcPts val="0"/>
+                        </a:spcAft>
+                        <a:buClrTx/>
+                        <a:buSzTx/>
+                        <a:buFontTx/>
+                        <a:buNone/>
+                        <a:tabLst/>
+                        <a:defRPr/>
+                      </a:pPr>
+                      <a:r>
+                        <a:rPr lang="ar-SY" b="1" dirty="0"/>
+                        <a:t>مجال إشارة التحكم في البرنامج</a:t>
+                      </a:r>
+                      <a:endParaRPr lang="en-US" b="1" dirty="0"/>
+                    </a:p>
+                  </a:txBody>
+                  <a:tcPr/>
+                </a:tc>
+                <a:extLst>
+                  <a:ext uri="{0D108BD9-81ED-4DB2-BD59-A6C34878D82A}">
+                    <a16:rowId xmlns:a16="http://schemas.microsoft.com/office/drawing/2014/main" val="3461003442"/>
+                  </a:ext>
+                </a:extLst>
+              </a:tr>
+              <a:tr h="370840">
+                <a:tc>
+                  <a:txBody>
+                    <a:bodyPr/>
+                    <a:lstStyle/>
+                    <a:p>
+                      <a:pPr marL="0" marR="0" lvl="0" indent="0" algn="ctr" defTabSz="914400" rtl="1" eaLnBrk="1" fontAlgn="auto" latinLnBrk="0" hangingPunct="1">
+                        <a:lnSpc>
+                          <a:spcPct val="100000"/>
+                        </a:lnSpc>
+                        <a:spcBef>
+                          <a:spcPts val="0"/>
+                        </a:spcBef>
+                        <a:spcAft>
+                          <a:spcPts val="0"/>
+                        </a:spcAft>
+                        <a:buClrTx/>
+                        <a:buSzTx/>
+                        <a:buFontTx/>
+                        <a:buNone/>
+                        <a:tabLst/>
+                        <a:defRPr/>
+                      </a:pPr>
+                      <a:r>
+                        <a:rPr lang="en-US" dirty="0"/>
+                        <a:t>100-0 rpm</a:t>
+                      </a:r>
+                    </a:p>
+                  </a:txBody>
+                  <a:tcPr/>
+                </a:tc>
+                <a:tc>
+                  <a:txBody>
+                    <a:bodyPr/>
+                    <a:lstStyle/>
+                    <a:p>
+                      <a:pPr marL="0" marR="0" lvl="0" indent="0" algn="ctr" defTabSz="914400" rtl="1" eaLnBrk="1" fontAlgn="auto" latinLnBrk="0" hangingPunct="1">
+                        <a:lnSpc>
+                          <a:spcPct val="100000"/>
+                        </a:lnSpc>
+                        <a:spcBef>
+                          <a:spcPts val="0"/>
+                        </a:spcBef>
+                        <a:spcAft>
+                          <a:spcPts val="0"/>
+                        </a:spcAft>
+                        <a:buClrTx/>
+                        <a:buSzTx/>
+                        <a:buFontTx/>
+                        <a:buNone/>
+                        <a:tabLst/>
+                        <a:defRPr/>
+                      </a:pPr>
+                      <a:r>
+                        <a:rPr lang="ar-SY" b="1" dirty="0"/>
+                        <a:t>مجال إشارة التحكم الفيزيائية</a:t>
+                      </a:r>
+                      <a:endParaRPr lang="en-US" b="1" dirty="0"/>
+                    </a:p>
+                  </a:txBody>
+                  <a:tcPr/>
+                </a:tc>
+                <a:extLst>
+                  <a:ext uri="{0D108BD9-81ED-4DB2-BD59-A6C34878D82A}">
+                    <a16:rowId xmlns:a16="http://schemas.microsoft.com/office/drawing/2014/main" val="3762086447"/>
+                  </a:ext>
+                </a:extLst>
+              </a:tr>
+            </a:tbl>
+          </a:graphicData>
+        </a:graphic>
+      </p:graphicFrame>
+    </p:spTree>
+    <p:extLst>
+      <p:ext uri="{BB962C8B-B14F-4D97-AF65-F5344CB8AC3E}">
+        <p14:creationId xmlns:p14="http://schemas.microsoft.com/office/powerpoint/2010/main" val="3189464056"/>
+      </p:ext>
+    </p:extLst>
+  </p:cSld>
+  <p:clrMapOvr>
+    <a:masterClrMapping/>
+  </p:clrMapOvr>
+  <p:timing>
+    <p:tnLst>
+      <p:par>
+        <p:cTn id="1" dur="indefinite" restart="never" nodeType="tmRoot">
+          <p:childTnLst>
+            <p:seq concurrent="1" nextAc="seek">
+              <p:cTn id="2" dur="indefinite" nodeType="mainSeq">
+                <p:childTnLst>
+                  <p:par>
+                    <p:cTn id="3" fill="hold">
+                      <p:stCondLst>
+                        <p:cond delay="indefinite"/>
+                      </p:stCondLst>
+                      <p:childTnLst>
+                        <p:par>
+                          <p:cTn id="4" fill="hold">
+                            <p:stCondLst>
+                              <p:cond delay="0"/>
+                            </p:stCondLst>
+                            <p:childTnLst>
+                              <p:par>
+                                <p:cTn id="5" presetID="1" presetClass="entr" presetSubtype="0" fill="hold" grpId="0" nodeType="clickEffect">
+                                  <p:stCondLst>
+                                    <p:cond delay="0"/>
+                                  </p:stCondLst>
+                                  <p:childTnLst>
+                                    <p:set>
+                                      <p:cBhvr>
+                                        <p:cTn id="6" dur="1" fill="hold">
+                                          <p:stCondLst>
+                                            <p:cond delay="0"/>
+                                          </p:stCondLst>
+                                        </p:cTn>
+                                        <p:tgtEl>
+                                          <p:spTgt spid="3">
+                                            <p:txEl>
+                                              <p:pRg st="0" end="0"/>
+                                            </p:txEl>
+                                          </p:spTgt>
+                                        </p:tgtEl>
+                                        <p:attrNameLst>
+                                          <p:attrName>style.visibility</p:attrName>
+                                        </p:attrNameLst>
+                                      </p:cBhvr>
+                                      <p:to>
+                                        <p:strVal val="visible"/>
+                                      </p:to>
+                                    </p:set>
+                                  </p:childTnLst>
+                                </p:cTn>
+                              </p:par>
+                            </p:childTnLst>
+                          </p:cTn>
+                        </p:par>
+                      </p:childTnLst>
+                    </p:cTn>
+                  </p:par>
+                  <p:par>
+                    <p:cTn id="7" fill="hold">
+                      <p:stCondLst>
+                        <p:cond delay="indefinite"/>
+                      </p:stCondLst>
+                      <p:childTnLst>
+                        <p:par>
+                          <p:cTn id="8" fill="hold">
+                            <p:stCondLst>
+                              <p:cond delay="0"/>
+                            </p:stCondLst>
+                            <p:childTnLst>
+                              <p:par>
+                                <p:cTn id="9" presetID="1" presetClass="entr" presetSubtype="0" fill="hold" grpId="0" nodeType="clickEffect">
+                                  <p:stCondLst>
+                                    <p:cond delay="0"/>
+                                  </p:stCondLst>
+                                  <p:childTnLst>
+                                    <p:set>
+                                      <p:cBhvr>
+                                        <p:cTn id="10" dur="1" fill="hold">
+                                          <p:stCondLst>
+                                            <p:cond delay="0"/>
+                                          </p:stCondLst>
+                                        </p:cTn>
+                                        <p:tgtEl>
+                                          <p:spTgt spid="3">
+                                            <p:txEl>
+                                              <p:pRg st="1" end="1"/>
+                                            </p:txEl>
+                                          </p:spTgt>
+                                        </p:tgtEl>
+                                        <p:attrNameLst>
+                                          <p:attrName>style.visibility</p:attrName>
+                                        </p:attrNameLst>
+                                      </p:cBhvr>
+                                      <p:to>
+                                        <p:strVal val="visible"/>
+                                      </p:to>
+                                    </p:set>
+                                  </p:childTnLst>
+                                </p:cTn>
+                              </p:par>
+                            </p:childTnLst>
+                          </p:cTn>
+                        </p:par>
+                      </p:childTnLst>
+                    </p:cTn>
+                  </p:par>
+                </p:childTnLst>
+              </p:cTn>
+              <p:prevCondLst>
+                <p:cond evt="onPrev" delay="0">
+                  <p:tgtEl>
+                    <p:sldTgt/>
+                  </p:tgtEl>
+                </p:cond>
+              </p:prevCondLst>
+              <p:nextCondLst>
+                <p:cond evt="onNext" delay="0">
+                  <p:tgtEl>
+                    <p:sldTgt/>
+                  </p:tgtEl>
+                </p:cond>
+              </p:nextCondLst>
+            </p:seq>
+          </p:childTnLst>
+        </p:cTn>
+      </p:par>
+    </p:tnLst>
+    <p:bldLst>
+      <p:bldP spid="3" grpId="0" build="p"/>
+    </p:bldLst>
+  </p:timing>
+</p:sld>
+</file>
+
+<file path=ppt/slides/slide15.xml><?xml version="1.0" encoding="utf-8"?>
+<p:sld xmlns:a="http://schemas.openxmlformats.org/drawingml/2006/main" xmlns:r="http://schemas.openxmlformats.org/officeDocument/2006/relationships" xmlns:p="http://schemas.openxmlformats.org/presentationml/2006/main">
+  <p:cSld>
+    <p:spTree>
+      <p:nvGrpSpPr>
+        <p:cNvPr id="1" name=""/>
+        <p:cNvGrpSpPr/>
+        <p:nvPr/>
+      </p:nvGrpSpPr>
+      <p:grpSpPr>
+        <a:xfrm>
+          <a:off x="0" y="0"/>
+          <a:ext cx="0" cy="0"/>
+          <a:chOff x="0" y="0"/>
+          <a:chExt cx="0" cy="0"/>
+        </a:xfrm>
+      </p:grpSpPr>
+      <p:sp>
+        <p:nvSpPr>
+          <p:cNvPr id="4" name="Title 1">
+            <a:extLst>
+              <a:ext uri="{FF2B5EF4-FFF2-40B4-BE49-F238E27FC236}">
+                <a16:creationId xmlns:a16="http://schemas.microsoft.com/office/drawing/2014/main" id="{400BF6D4-7C75-4FDB-A9F2-AE3E304B32E1}"/>
+              </a:ext>
+            </a:extLst>
+          </p:cNvPr>
+          <p:cNvSpPr>
+            <a:spLocks noGrp="1"/>
+          </p:cNvSpPr>
+          <p:nvPr>
+            <p:ph type="title"/>
+          </p:nvPr>
+        </p:nvSpPr>
+        <p:spPr>
+          <a:xfrm>
+            <a:off x="838200" y="0"/>
+            <a:ext cx="10515600" cy="919537"/>
+          </a:xfrm>
+        </p:spPr>
+        <p:txBody>
+          <a:bodyPr/>
+          <a:lstStyle/>
+          <a:p>
+            <a:pPr algn="ctr"/>
+            <a:r>
+              <a:rPr lang="ar-SY" b="1" dirty="0">
+                <a:solidFill>
+                  <a:srgbClr val="FF0000"/>
+                </a:solidFill>
+              </a:rPr>
+              <a:t>مشروع نظام تحكم رقمي</a:t>
+            </a:r>
+            <a:endParaRPr lang="en-US" b="1" dirty="0">
+              <a:solidFill>
+                <a:srgbClr val="FF0000"/>
+              </a:solidFill>
+            </a:endParaRPr>
+          </a:p>
+        </p:txBody>
+      </p:sp>
+      <p:sp>
+        <p:nvSpPr>
+          <p:cNvPr id="3" name="Content Placeholder 2">
+            <a:extLst>
+              <a:ext uri="{FF2B5EF4-FFF2-40B4-BE49-F238E27FC236}">
+                <a16:creationId xmlns:a16="http://schemas.microsoft.com/office/drawing/2014/main" id="{66772C95-8B64-4510-87F3-5B05D2685CDC}"/>
+              </a:ext>
+            </a:extLst>
+          </p:cNvPr>
+          <p:cNvSpPr>
+            <a:spLocks noGrp="1"/>
+          </p:cNvSpPr>
+          <p:nvPr>
+            <p:ph idx="1"/>
+          </p:nvPr>
+        </p:nvSpPr>
+        <p:spPr>
+          <a:xfrm>
+            <a:off x="986747" y="774186"/>
+            <a:ext cx="10218506" cy="1043815"/>
+          </a:xfrm>
+        </p:spPr>
+        <p:txBody>
+          <a:bodyPr>
+            <a:noAutofit/>
+          </a:bodyPr>
+          <a:lstStyle/>
+          <a:p>
+            <a:pPr marL="0" indent="0" algn="ctr" rtl="1">
+              <a:lnSpc>
+                <a:spcPct val="150000"/>
+              </a:lnSpc>
+              <a:spcBef>
+                <a:spcPts val="0"/>
+              </a:spcBef>
+              <a:spcAft>
+                <a:spcPts val="600"/>
+              </a:spcAft>
+              <a:buNone/>
+            </a:pPr>
+            <a:r>
+              <a:rPr lang="ar-SY" sz="4000" b="1" dirty="0">
+                <a:solidFill>
+                  <a:srgbClr val="FF0000"/>
+                </a:solidFill>
+              </a:rPr>
+              <a:t>جوائز قيمة لأفضل مشروعين!</a:t>
+            </a:r>
+          </a:p>
+          <a:p>
+            <a:pPr marL="0" indent="0" algn="r" rtl="1">
+              <a:lnSpc>
+                <a:spcPct val="150000"/>
+              </a:lnSpc>
+              <a:spcBef>
+                <a:spcPts val="0"/>
+              </a:spcBef>
+              <a:spcAft>
+                <a:spcPts val="600"/>
+              </a:spcAft>
+              <a:buNone/>
+            </a:pPr>
+            <a:endParaRPr lang="ar-SY" b="1" dirty="0"/>
+          </a:p>
+        </p:txBody>
+      </p:sp>
+      <p:sp>
+        <p:nvSpPr>
+          <p:cNvPr id="5" name="Rectangle 4">
+            <a:extLst>
+              <a:ext uri="{FF2B5EF4-FFF2-40B4-BE49-F238E27FC236}">
+                <a16:creationId xmlns:a16="http://schemas.microsoft.com/office/drawing/2014/main" id="{706BABCB-8E67-47AD-A7C5-5276C0857BF3}"/>
+              </a:ext>
+            </a:extLst>
+          </p:cNvPr>
+          <p:cNvSpPr/>
+          <p:nvPr/>
+        </p:nvSpPr>
+        <p:spPr>
+          <a:xfrm>
+            <a:off x="2344106" y="5957544"/>
+            <a:ext cx="2362763" cy="369332"/>
+          </a:xfrm>
+          <a:prstGeom prst="rect">
+            <a:avLst/>
+          </a:prstGeom>
+        </p:spPr>
+        <p:txBody>
+          <a:bodyPr wrap="none">
+            <a:spAutoFit/>
+          </a:bodyPr>
+          <a:lstStyle/>
+          <a:p>
+            <a:r>
+              <a:rPr lang="en-US" b="1" dirty="0"/>
+              <a:t>Arduino Mega 2560 R3</a:t>
+            </a:r>
+            <a:endParaRPr lang="en-US" dirty="0"/>
+          </a:p>
+        </p:txBody>
+      </p:sp>
+      <p:pic>
+        <p:nvPicPr>
+          <p:cNvPr id="5122" name="Picture 2" descr="Image result for arduino mega 2560">
+            <a:extLst>
+              <a:ext uri="{FF2B5EF4-FFF2-40B4-BE49-F238E27FC236}">
+                <a16:creationId xmlns:a16="http://schemas.microsoft.com/office/drawing/2014/main" id="{F3DCEF3E-68D7-4967-9C29-7E742BA577CD}"/>
+              </a:ext>
+            </a:extLst>
+          </p:cNvPr>
+          <p:cNvPicPr>
+            <a:picLocks noChangeAspect="1" noChangeArrowheads="1"/>
+          </p:cNvPicPr>
+          <p:nvPr/>
+        </p:nvPicPr>
+        <p:blipFill>
+          <a:blip r:embed="rId2">
+            <a:extLst>
+              <a:ext uri="{28A0092B-C50C-407E-A947-70E740481C1C}">
+                <a14:useLocalDpi xmlns:a14="http://schemas.microsoft.com/office/drawing/2010/main" val="0"/>
+              </a:ext>
+            </a:extLst>
+          </a:blip>
+          <a:srcRect/>
+          <a:stretch>
+            <a:fillRect/>
+          </a:stretch>
+        </p:blipFill>
+        <p:spPr bwMode="auto">
+          <a:xfrm>
+            <a:off x="2111457" y="3535279"/>
+            <a:ext cx="2828059" cy="2150918"/>
+          </a:xfrm>
+          <a:prstGeom prst="rect">
+            <a:avLst/>
+          </a:prstGeom>
+          <a:noFill/>
+          <a:extLst>
+            <a:ext uri="{909E8E84-426E-40DD-AFC4-6F175D3DCCD1}">
+              <a14:hiddenFill xmlns:a14="http://schemas.microsoft.com/office/drawing/2010/main">
+                <a:solidFill>
+                  <a:srgbClr val="FFFFFF"/>
+                </a:solidFill>
+              </a14:hiddenFill>
+            </a:ext>
+          </a:extLst>
+        </p:spPr>
+      </p:pic>
+      <p:pic>
+        <p:nvPicPr>
+          <p:cNvPr id="7" name="Picture 6" descr="A circuit board&#10;&#10;Description automatically generated">
+            <a:extLst>
+              <a:ext uri="{FF2B5EF4-FFF2-40B4-BE49-F238E27FC236}">
+                <a16:creationId xmlns:a16="http://schemas.microsoft.com/office/drawing/2014/main" id="{49CAB516-C1AE-46A3-827D-276094082FD7}"/>
+              </a:ext>
+            </a:extLst>
+          </p:cNvPr>
+          <p:cNvPicPr>
+            <a:picLocks noChangeAspect="1"/>
+          </p:cNvPicPr>
+          <p:nvPr/>
+        </p:nvPicPr>
+        <p:blipFill>
+          <a:blip r:embed="rId3">
+            <a:extLst>
+              <a:ext uri="{28A0092B-C50C-407E-A947-70E740481C1C}">
+                <a14:useLocalDpi xmlns:a14="http://schemas.microsoft.com/office/drawing/2010/main" val="0"/>
+              </a:ext>
+            </a:extLst>
+          </a:blip>
+          <a:stretch>
+            <a:fillRect/>
+          </a:stretch>
+        </p:blipFill>
+        <p:spPr>
+          <a:xfrm>
+            <a:off x="6731979" y="3098213"/>
+            <a:ext cx="3514818" cy="2633807"/>
+          </a:xfrm>
+          <a:prstGeom prst="rect">
+            <a:avLst/>
+          </a:prstGeom>
+        </p:spPr>
+      </p:pic>
+      <p:sp>
+        <p:nvSpPr>
+          <p:cNvPr id="9" name="Rectangle 8">
+            <a:extLst>
+              <a:ext uri="{FF2B5EF4-FFF2-40B4-BE49-F238E27FC236}">
+                <a16:creationId xmlns:a16="http://schemas.microsoft.com/office/drawing/2014/main" id="{B652A6F3-B7D3-4344-93A9-0BF3899DC352}"/>
+              </a:ext>
+            </a:extLst>
+          </p:cNvPr>
+          <p:cNvSpPr/>
+          <p:nvPr/>
+        </p:nvSpPr>
+        <p:spPr>
+          <a:xfrm>
+            <a:off x="7617492" y="5957544"/>
+            <a:ext cx="1842877" cy="369332"/>
+          </a:xfrm>
+          <a:prstGeom prst="rect">
+            <a:avLst/>
+          </a:prstGeom>
+        </p:spPr>
+        <p:txBody>
+          <a:bodyPr wrap="none">
+            <a:spAutoFit/>
+          </a:bodyPr>
+          <a:lstStyle/>
+          <a:p>
+            <a:r>
+              <a:rPr lang="en-US" b="1" dirty="0" err="1"/>
+              <a:t>Hexabitz</a:t>
+            </a:r>
+            <a:r>
+              <a:rPr lang="en-US" b="1" dirty="0"/>
+              <a:t> Intro Kit</a:t>
+            </a:r>
+            <a:endParaRPr lang="en-US" dirty="0"/>
+          </a:p>
+        </p:txBody>
+      </p:sp>
+      <p:sp>
+        <p:nvSpPr>
+          <p:cNvPr id="13" name="Content Placeholder 2">
+            <a:extLst>
+              <a:ext uri="{FF2B5EF4-FFF2-40B4-BE49-F238E27FC236}">
+                <a16:creationId xmlns:a16="http://schemas.microsoft.com/office/drawing/2014/main" id="{85F69A9A-DA10-49A7-ADFC-4596F9895150}"/>
+              </a:ext>
+            </a:extLst>
+          </p:cNvPr>
+          <p:cNvSpPr txBox="1">
+            <a:spLocks/>
+          </p:cNvSpPr>
+          <p:nvPr/>
+        </p:nvSpPr>
+        <p:spPr>
+          <a:xfrm>
+            <a:off x="7385159" y="2293324"/>
+            <a:ext cx="2208457" cy="804889"/>
+          </a:xfrm>
+          <a:prstGeom prst="rect">
+            <a:avLst/>
+          </a:prstGeom>
+        </p:spPr>
+        <p:txBody>
+          <a:bodyPr vert="horz" lIns="91440" tIns="45720" rIns="91440" bIns="45720" rtlCol="0">
+            <a:noAutofit/>
+          </a:bodyPr>
+          <a:lstStyle>
+            <a:lvl1pPr marL="228600" indent="-228600" algn="l" defTabSz="914400" rtl="0" eaLnBrk="1" latinLnBrk="0" hangingPunct="1">
+              <a:lnSpc>
+                <a:spcPct val="90000"/>
+              </a:lnSpc>
+              <a:spcBef>
+                <a:spcPts val="1000"/>
+              </a:spcBef>
+              <a:buFont typeface="Arial" panose="020B0604020202020204" pitchFamily="34" charset="0"/>
+              <a:buChar char="•"/>
+              <a:defRPr sz="2800" kern="1200">
+                <a:solidFill>
+                  <a:schemeClr val="tx1"/>
+                </a:solidFill>
+                <a:latin typeface="+mn-lt"/>
+                <a:ea typeface="+mn-ea"/>
+                <a:cs typeface="+mn-cs"/>
+              </a:defRPr>
+            </a:lvl1pPr>
+            <a:lvl2pPr marL="685800" indent="-228600" algn="l" defTabSz="914400" rtl="0" eaLnBrk="1" latinLnBrk="0" hangingPunct="1">
+              <a:lnSpc>
+                <a:spcPct val="90000"/>
+              </a:lnSpc>
+              <a:spcBef>
+                <a:spcPts val="500"/>
+              </a:spcBef>
+              <a:buFont typeface="Arial" panose="020B0604020202020204" pitchFamily="34" charset="0"/>
+              <a:buChar char="•"/>
+              <a:defRPr sz="2400" kern="1200">
+                <a:solidFill>
+                  <a:schemeClr val="tx1"/>
+                </a:solidFill>
+                <a:latin typeface="+mn-lt"/>
+                <a:ea typeface="+mn-ea"/>
+                <a:cs typeface="+mn-cs"/>
+              </a:defRPr>
+            </a:lvl2pPr>
+            <a:lvl3pPr marL="1143000" indent="-228600" algn="l" defTabSz="914400" rtl="0" eaLnBrk="1" latinLnBrk="0" hangingPunct="1">
+              <a:lnSpc>
+                <a:spcPct val="90000"/>
+              </a:lnSpc>
+              <a:spcBef>
+                <a:spcPts val="500"/>
+              </a:spcBef>
+              <a:buFont typeface="Arial" panose="020B0604020202020204" pitchFamily="34" charset="0"/>
+              <a:buChar char="•"/>
+              <a:defRPr sz="2000" kern="1200">
+                <a:solidFill>
+                  <a:schemeClr val="tx1"/>
+                </a:solidFill>
+                <a:latin typeface="+mn-lt"/>
+                <a:ea typeface="+mn-ea"/>
+                <a:cs typeface="+mn-cs"/>
+              </a:defRPr>
+            </a:lvl3pPr>
+            <a:lvl4pPr marL="1600200" indent="-228600" algn="l" defTabSz="914400" rtl="0" eaLnBrk="1" latinLnBrk="0" hangingPunct="1">
+              <a:lnSpc>
+                <a:spcPct val="90000"/>
+              </a:lnSpc>
+              <a:spcBef>
+                <a:spcPts val="500"/>
+              </a:spcBef>
+              <a:buFont typeface="Arial" panose="020B0604020202020204" pitchFamily="34" charset="0"/>
+              <a:buChar char="•"/>
+              <a:defRPr sz="1800" kern="1200">
+                <a:solidFill>
+                  <a:schemeClr val="tx1"/>
+                </a:solidFill>
+                <a:latin typeface="+mn-lt"/>
+                <a:ea typeface="+mn-ea"/>
+                <a:cs typeface="+mn-cs"/>
+              </a:defRPr>
+            </a:lvl4pPr>
+            <a:lvl5pPr marL="2057400" indent="-228600" algn="l" defTabSz="914400" rtl="0" eaLnBrk="1" latinLnBrk="0" hangingPunct="1">
+              <a:lnSpc>
+                <a:spcPct val="90000"/>
+              </a:lnSpc>
+              <a:spcBef>
+                <a:spcPts val="500"/>
+              </a:spcBef>
+              <a:buFont typeface="Arial" panose="020B0604020202020204" pitchFamily="34" charset="0"/>
+              <a:buChar char="•"/>
+              <a:defRPr sz="1800" kern="1200">
+                <a:solidFill>
+                  <a:schemeClr val="tx1"/>
+                </a:solidFill>
+                <a:latin typeface="+mn-lt"/>
+                <a:ea typeface="+mn-ea"/>
+                <a:cs typeface="+mn-cs"/>
+              </a:defRPr>
+            </a:lvl5pPr>
+            <a:lvl6pPr marL="2514600" indent="-228600" algn="l" defTabSz="914400" rtl="0" eaLnBrk="1" latinLnBrk="0" hangingPunct="1">
+              <a:lnSpc>
+                <a:spcPct val="90000"/>
+              </a:lnSpc>
+              <a:spcBef>
+                <a:spcPts val="500"/>
+              </a:spcBef>
+              <a:buFont typeface="Arial" panose="020B0604020202020204" pitchFamily="34" charset="0"/>
+              <a:buChar char="•"/>
+              <a:defRPr sz="1800" kern="1200">
+                <a:solidFill>
+                  <a:schemeClr val="tx1"/>
+                </a:solidFill>
+                <a:latin typeface="+mn-lt"/>
+                <a:ea typeface="+mn-ea"/>
+                <a:cs typeface="+mn-cs"/>
+              </a:defRPr>
+            </a:lvl6pPr>
+            <a:lvl7pPr marL="2971800" indent="-228600" algn="l" defTabSz="914400" rtl="0" eaLnBrk="1" latinLnBrk="0" hangingPunct="1">
+              <a:lnSpc>
+                <a:spcPct val="90000"/>
+              </a:lnSpc>
+              <a:spcBef>
+                <a:spcPts val="500"/>
+              </a:spcBef>
+              <a:buFont typeface="Arial" panose="020B0604020202020204" pitchFamily="34" charset="0"/>
+              <a:buChar char="•"/>
+              <a:defRPr sz="1800" kern="1200">
+                <a:solidFill>
+                  <a:schemeClr val="tx1"/>
+                </a:solidFill>
+                <a:latin typeface="+mn-lt"/>
+                <a:ea typeface="+mn-ea"/>
+                <a:cs typeface="+mn-cs"/>
+              </a:defRPr>
+            </a:lvl7pPr>
+            <a:lvl8pPr marL="3429000" indent="-228600" algn="l" defTabSz="914400" rtl="0" eaLnBrk="1" latinLnBrk="0" hangingPunct="1">
+              <a:lnSpc>
+                <a:spcPct val="90000"/>
+              </a:lnSpc>
+              <a:spcBef>
+                <a:spcPts val="500"/>
+              </a:spcBef>
+              <a:buFont typeface="Arial" panose="020B0604020202020204" pitchFamily="34" charset="0"/>
+              <a:buChar char="•"/>
+              <a:defRPr sz="1800" kern="1200">
+                <a:solidFill>
+                  <a:schemeClr val="tx1"/>
+                </a:solidFill>
+                <a:latin typeface="+mn-lt"/>
+                <a:ea typeface="+mn-ea"/>
+                <a:cs typeface="+mn-cs"/>
+              </a:defRPr>
+            </a:lvl8pPr>
+            <a:lvl9pPr marL="3886200" indent="-228600" algn="l" defTabSz="914400" rtl="0" eaLnBrk="1" latinLnBrk="0" hangingPunct="1">
+              <a:lnSpc>
+                <a:spcPct val="90000"/>
+              </a:lnSpc>
+              <a:spcBef>
+                <a:spcPts val="500"/>
+              </a:spcBef>
+              <a:buFont typeface="Arial" panose="020B0604020202020204" pitchFamily="34" charset="0"/>
+              <a:buChar char="•"/>
+              <a:defRPr sz="1800" kern="1200">
+                <a:solidFill>
+                  <a:schemeClr val="tx1"/>
+                </a:solidFill>
+                <a:latin typeface="+mn-lt"/>
+                <a:ea typeface="+mn-ea"/>
+                <a:cs typeface="+mn-cs"/>
+              </a:defRPr>
+            </a:lvl9pPr>
+          </a:lstStyle>
+          <a:p>
+            <a:pPr marL="0" indent="0" algn="ctr" rtl="1">
+              <a:lnSpc>
+                <a:spcPct val="150000"/>
+              </a:lnSpc>
+              <a:spcBef>
+                <a:spcPts val="0"/>
+              </a:spcBef>
+              <a:spcAft>
+                <a:spcPts val="600"/>
+              </a:spcAft>
+              <a:buFont typeface="Arial" panose="020B0604020202020204" pitchFamily="34" charset="0"/>
+              <a:buNone/>
+            </a:pPr>
+            <a:r>
+              <a:rPr lang="ar-SY" sz="3200" b="1" dirty="0">
+                <a:solidFill>
+                  <a:srgbClr val="FF0000"/>
+                </a:solidFill>
+              </a:rPr>
+              <a:t>الجائزة الأولى</a:t>
+            </a:r>
+          </a:p>
+          <a:p>
+            <a:pPr marL="0" indent="0" algn="r" rtl="1">
+              <a:lnSpc>
+                <a:spcPct val="150000"/>
+              </a:lnSpc>
+              <a:spcBef>
+                <a:spcPts val="0"/>
+              </a:spcBef>
+              <a:spcAft>
+                <a:spcPts val="600"/>
+              </a:spcAft>
+              <a:buFont typeface="Arial" panose="020B0604020202020204" pitchFamily="34" charset="0"/>
+              <a:buNone/>
+            </a:pPr>
+            <a:endParaRPr lang="ar-SY" sz="2000" b="1" dirty="0"/>
+          </a:p>
+        </p:txBody>
+      </p:sp>
+      <p:sp>
+        <p:nvSpPr>
+          <p:cNvPr id="14" name="Content Placeholder 2">
+            <a:extLst>
+              <a:ext uri="{FF2B5EF4-FFF2-40B4-BE49-F238E27FC236}">
+                <a16:creationId xmlns:a16="http://schemas.microsoft.com/office/drawing/2014/main" id="{7CE4C594-20AC-406C-9D94-2A3DBE22FCCA}"/>
+              </a:ext>
+            </a:extLst>
+          </p:cNvPr>
+          <p:cNvSpPr txBox="1">
+            <a:spLocks/>
+          </p:cNvSpPr>
+          <p:nvPr/>
+        </p:nvSpPr>
+        <p:spPr>
+          <a:xfrm>
+            <a:off x="2460728" y="2324823"/>
+            <a:ext cx="2208457" cy="804889"/>
+          </a:xfrm>
+          <a:prstGeom prst="rect">
+            <a:avLst/>
+          </a:prstGeom>
+        </p:spPr>
+        <p:txBody>
+          <a:bodyPr vert="horz" lIns="91440" tIns="45720" rIns="91440" bIns="45720" rtlCol="0">
+            <a:noAutofit/>
+          </a:bodyPr>
+          <a:lstStyle>
+            <a:lvl1pPr marL="228600" indent="-228600" algn="l" defTabSz="914400" rtl="0" eaLnBrk="1" latinLnBrk="0" hangingPunct="1">
+              <a:lnSpc>
+                <a:spcPct val="90000"/>
+              </a:lnSpc>
+              <a:spcBef>
+                <a:spcPts val="1000"/>
+              </a:spcBef>
+              <a:buFont typeface="Arial" panose="020B0604020202020204" pitchFamily="34" charset="0"/>
+              <a:buChar char="•"/>
+              <a:defRPr sz="2800" kern="1200">
+                <a:solidFill>
+                  <a:schemeClr val="tx1"/>
+                </a:solidFill>
+                <a:latin typeface="+mn-lt"/>
+                <a:ea typeface="+mn-ea"/>
+                <a:cs typeface="+mn-cs"/>
+              </a:defRPr>
+            </a:lvl1pPr>
+            <a:lvl2pPr marL="685800" indent="-228600" algn="l" defTabSz="914400" rtl="0" eaLnBrk="1" latinLnBrk="0" hangingPunct="1">
+              <a:lnSpc>
+                <a:spcPct val="90000"/>
+              </a:lnSpc>
+              <a:spcBef>
+                <a:spcPts val="500"/>
+              </a:spcBef>
+              <a:buFont typeface="Arial" panose="020B0604020202020204" pitchFamily="34" charset="0"/>
+              <a:buChar char="•"/>
+              <a:defRPr sz="2400" kern="1200">
+                <a:solidFill>
+                  <a:schemeClr val="tx1"/>
+                </a:solidFill>
+                <a:latin typeface="+mn-lt"/>
+                <a:ea typeface="+mn-ea"/>
+                <a:cs typeface="+mn-cs"/>
+              </a:defRPr>
+            </a:lvl2pPr>
+            <a:lvl3pPr marL="1143000" indent="-228600" algn="l" defTabSz="914400" rtl="0" eaLnBrk="1" latinLnBrk="0" hangingPunct="1">
+              <a:lnSpc>
+                <a:spcPct val="90000"/>
+              </a:lnSpc>
+              <a:spcBef>
+                <a:spcPts val="500"/>
+              </a:spcBef>
+              <a:buFont typeface="Arial" panose="020B0604020202020204" pitchFamily="34" charset="0"/>
+              <a:buChar char="•"/>
+              <a:defRPr sz="2000" kern="1200">
+                <a:solidFill>
+                  <a:schemeClr val="tx1"/>
+                </a:solidFill>
+                <a:latin typeface="+mn-lt"/>
+                <a:ea typeface="+mn-ea"/>
+                <a:cs typeface="+mn-cs"/>
+              </a:defRPr>
+            </a:lvl3pPr>
+            <a:lvl4pPr marL="1600200" indent="-228600" algn="l" defTabSz="914400" rtl="0" eaLnBrk="1" latinLnBrk="0" hangingPunct="1">
+              <a:lnSpc>
+                <a:spcPct val="90000"/>
+              </a:lnSpc>
+              <a:spcBef>
+                <a:spcPts val="500"/>
+              </a:spcBef>
+              <a:buFont typeface="Arial" panose="020B0604020202020204" pitchFamily="34" charset="0"/>
+              <a:buChar char="•"/>
+              <a:defRPr sz="1800" kern="1200">
+                <a:solidFill>
+                  <a:schemeClr val="tx1"/>
+                </a:solidFill>
+                <a:latin typeface="+mn-lt"/>
+                <a:ea typeface="+mn-ea"/>
+                <a:cs typeface="+mn-cs"/>
+              </a:defRPr>
+            </a:lvl4pPr>
+            <a:lvl5pPr marL="2057400" indent="-228600" algn="l" defTabSz="914400" rtl="0" eaLnBrk="1" latinLnBrk="0" hangingPunct="1">
+              <a:lnSpc>
+                <a:spcPct val="90000"/>
+              </a:lnSpc>
+              <a:spcBef>
+                <a:spcPts val="500"/>
+              </a:spcBef>
+              <a:buFont typeface="Arial" panose="020B0604020202020204" pitchFamily="34" charset="0"/>
+              <a:buChar char="•"/>
+              <a:defRPr sz="1800" kern="1200">
+                <a:solidFill>
+                  <a:schemeClr val="tx1"/>
+                </a:solidFill>
+                <a:latin typeface="+mn-lt"/>
+                <a:ea typeface="+mn-ea"/>
+                <a:cs typeface="+mn-cs"/>
+              </a:defRPr>
+            </a:lvl5pPr>
+            <a:lvl6pPr marL="2514600" indent="-228600" algn="l" defTabSz="914400" rtl="0" eaLnBrk="1" latinLnBrk="0" hangingPunct="1">
+              <a:lnSpc>
+                <a:spcPct val="90000"/>
+              </a:lnSpc>
+              <a:spcBef>
+                <a:spcPts val="500"/>
+              </a:spcBef>
+              <a:buFont typeface="Arial" panose="020B0604020202020204" pitchFamily="34" charset="0"/>
+              <a:buChar char="•"/>
+              <a:defRPr sz="1800" kern="1200">
+                <a:solidFill>
+                  <a:schemeClr val="tx1"/>
+                </a:solidFill>
+                <a:latin typeface="+mn-lt"/>
+                <a:ea typeface="+mn-ea"/>
+                <a:cs typeface="+mn-cs"/>
+              </a:defRPr>
+            </a:lvl6pPr>
+            <a:lvl7pPr marL="2971800" indent="-228600" algn="l" defTabSz="914400" rtl="0" eaLnBrk="1" latinLnBrk="0" hangingPunct="1">
+              <a:lnSpc>
+                <a:spcPct val="90000"/>
+              </a:lnSpc>
+              <a:spcBef>
+                <a:spcPts val="500"/>
+              </a:spcBef>
+              <a:buFont typeface="Arial" panose="020B0604020202020204" pitchFamily="34" charset="0"/>
+              <a:buChar char="•"/>
+              <a:defRPr sz="1800" kern="1200">
+                <a:solidFill>
+                  <a:schemeClr val="tx1"/>
+                </a:solidFill>
+                <a:latin typeface="+mn-lt"/>
+                <a:ea typeface="+mn-ea"/>
+                <a:cs typeface="+mn-cs"/>
+              </a:defRPr>
+            </a:lvl7pPr>
+            <a:lvl8pPr marL="3429000" indent="-228600" algn="l" defTabSz="914400" rtl="0" eaLnBrk="1" latinLnBrk="0" hangingPunct="1">
+              <a:lnSpc>
+                <a:spcPct val="90000"/>
+              </a:lnSpc>
+              <a:spcBef>
+                <a:spcPts val="500"/>
+              </a:spcBef>
+              <a:buFont typeface="Arial" panose="020B0604020202020204" pitchFamily="34" charset="0"/>
+              <a:buChar char="•"/>
+              <a:defRPr sz="1800" kern="1200">
+                <a:solidFill>
+                  <a:schemeClr val="tx1"/>
+                </a:solidFill>
+                <a:latin typeface="+mn-lt"/>
+                <a:ea typeface="+mn-ea"/>
+                <a:cs typeface="+mn-cs"/>
+              </a:defRPr>
+            </a:lvl8pPr>
+            <a:lvl9pPr marL="3886200" indent="-228600" algn="l" defTabSz="914400" rtl="0" eaLnBrk="1" latinLnBrk="0" hangingPunct="1">
+              <a:lnSpc>
+                <a:spcPct val="90000"/>
+              </a:lnSpc>
+              <a:spcBef>
+                <a:spcPts val="500"/>
+              </a:spcBef>
+              <a:buFont typeface="Arial" panose="020B0604020202020204" pitchFamily="34" charset="0"/>
+              <a:buChar char="•"/>
+              <a:defRPr sz="1800" kern="1200">
+                <a:solidFill>
+                  <a:schemeClr val="tx1"/>
+                </a:solidFill>
+                <a:latin typeface="+mn-lt"/>
+                <a:ea typeface="+mn-ea"/>
+                <a:cs typeface="+mn-cs"/>
+              </a:defRPr>
+            </a:lvl9pPr>
+          </a:lstStyle>
+          <a:p>
+            <a:pPr marL="0" indent="0" algn="ctr" rtl="1">
+              <a:lnSpc>
+                <a:spcPct val="150000"/>
+              </a:lnSpc>
+              <a:spcBef>
+                <a:spcPts val="0"/>
+              </a:spcBef>
+              <a:spcAft>
+                <a:spcPts val="600"/>
+              </a:spcAft>
+              <a:buFont typeface="Arial" panose="020B0604020202020204" pitchFamily="34" charset="0"/>
+              <a:buNone/>
+            </a:pPr>
+            <a:r>
+              <a:rPr lang="ar-SY" sz="3200" b="1" dirty="0">
+                <a:solidFill>
+                  <a:srgbClr val="FF0000"/>
+                </a:solidFill>
+              </a:rPr>
+              <a:t>الجائزة الثانية</a:t>
+            </a:r>
+          </a:p>
+          <a:p>
+            <a:pPr marL="0" indent="0" algn="r" rtl="1">
+              <a:lnSpc>
+                <a:spcPct val="150000"/>
+              </a:lnSpc>
+              <a:spcBef>
+                <a:spcPts val="0"/>
+              </a:spcBef>
+              <a:spcAft>
+                <a:spcPts val="600"/>
+              </a:spcAft>
+              <a:buFont typeface="Arial" panose="020B0604020202020204" pitchFamily="34" charset="0"/>
+              <a:buNone/>
+            </a:pPr>
+            <a:endParaRPr lang="ar-SY" sz="2000" b="1" dirty="0"/>
+          </a:p>
+        </p:txBody>
+      </p:sp>
+    </p:spTree>
+    <p:extLst>
+      <p:ext uri="{BB962C8B-B14F-4D97-AF65-F5344CB8AC3E}">
+        <p14:creationId xmlns:p14="http://schemas.microsoft.com/office/powerpoint/2010/main" val="3363403216"/>
+      </p:ext>
+    </p:extLst>
+  </p:cSld>
+  <p:clrMapOvr>
+    <a:masterClrMapping/>
+  </p:clrMapOvr>
+  <p:timing>
+    <p:tnLst>
+      <p:par>
+        <p:cTn id="1" dur="indefinite" restart="never" nodeType="tmRoot">
+          <p:childTnLst>
+            <p:seq concurrent="1" nextAc="seek">
+              <p:cTn id="2" dur="indefinite" nodeType="mainSeq">
+                <p:childTnLst>
+                  <p:par>
+                    <p:cTn id="3" fill="hold">
+                      <p:stCondLst>
+                        <p:cond delay="indefinite"/>
+                      </p:stCondLst>
+                      <p:childTnLst>
+                        <p:par>
+                          <p:cTn id="4" fill="hold">
+                            <p:stCondLst>
+                              <p:cond delay="0"/>
+                            </p:stCondLst>
+                            <p:childTnLst>
+                              <p:par>
+                                <p:cTn id="5" presetID="1" presetClass="entr" presetSubtype="0" fill="hold" grpId="0" nodeType="clickEffect">
+                                  <p:stCondLst>
+                                    <p:cond delay="0"/>
+                                  </p:stCondLst>
+                                  <p:childTnLst>
+                                    <p:set>
+                                      <p:cBhvr>
+                                        <p:cTn id="6" dur="1" fill="hold">
+                                          <p:stCondLst>
+                                            <p:cond delay="0"/>
+                                          </p:stCondLst>
+                                        </p:cTn>
+                                        <p:tgtEl>
+                                          <p:spTgt spid="3">
+                                            <p:txEl>
+                                              <p:pRg st="0" end="0"/>
+                                            </p:txEl>
+                                          </p:spTgt>
+                                        </p:tgtEl>
+                                        <p:attrNameLst>
+                                          <p:attrName>style.visibility</p:attrName>
+                                        </p:attrNameLst>
+                                      </p:cBhvr>
+                                      <p:to>
+                                        <p:strVal val="visible"/>
+                                      </p:to>
+                                    </p:set>
+                                  </p:childTnLst>
+                                </p:cTn>
+                              </p:par>
+                            </p:childTnLst>
+                          </p:cTn>
+                        </p:par>
+                      </p:childTnLst>
+                    </p:cTn>
+                  </p:par>
+                  <p:par>
+                    <p:cTn id="7" fill="hold">
+                      <p:stCondLst>
+                        <p:cond delay="indefinite"/>
+                      </p:stCondLst>
+                      <p:childTnLst>
+                        <p:par>
+                          <p:cTn id="8" fill="hold">
+                            <p:stCondLst>
+                              <p:cond delay="0"/>
+                            </p:stCondLst>
+                            <p:childTnLst>
+                              <p:par>
+                                <p:cTn id="9" presetID="1" presetClass="entr" presetSubtype="0" fill="hold" grpId="0" nodeType="clickEffect">
+                                  <p:stCondLst>
+                                    <p:cond delay="0"/>
+                                  </p:stCondLst>
+                                  <p:childTnLst>
+                                    <p:set>
+                                      <p:cBhvr>
+                                        <p:cTn id="10" dur="1" fill="hold">
+                                          <p:stCondLst>
+                                            <p:cond delay="0"/>
+                                          </p:stCondLst>
+                                        </p:cTn>
+                                        <p:tgtEl>
+                                          <p:spTgt spid="13">
+                                            <p:txEl>
+                                              <p:pRg st="0" end="0"/>
+                                            </p:txEl>
+                                          </p:spTgt>
+                                        </p:tgtEl>
+                                        <p:attrNameLst>
+                                          <p:attrName>style.visibility</p:attrName>
+                                        </p:attrNameLst>
+                                      </p:cBhvr>
+                                      <p:to>
+                                        <p:strVal val="visible"/>
+                                      </p:to>
+                                    </p:set>
+                                  </p:childTnLst>
+                                </p:cTn>
+                              </p:par>
+                            </p:childTnLst>
+                          </p:cTn>
+                        </p:par>
+                      </p:childTnLst>
+                    </p:cTn>
+                  </p:par>
+                  <p:par>
+                    <p:cTn id="11" fill="hold">
+                      <p:stCondLst>
+                        <p:cond delay="indefinite"/>
+                      </p:stCondLst>
+                      <p:childTnLst>
+                        <p:par>
+                          <p:cTn id="12" fill="hold">
+                            <p:stCondLst>
+                              <p:cond delay="0"/>
+                            </p:stCondLst>
+                            <p:childTnLst>
+                              <p:par>
+                                <p:cTn id="13" presetID="1" presetClass="entr" presetSubtype="0" fill="hold" grpId="0" nodeType="clickEffect">
+                                  <p:stCondLst>
+                                    <p:cond delay="0"/>
+                                  </p:stCondLst>
+                                  <p:childTnLst>
+                                    <p:set>
+                                      <p:cBhvr>
+                                        <p:cTn id="14" dur="1" fill="hold">
+                                          <p:stCondLst>
+                                            <p:cond delay="0"/>
+                                          </p:stCondLst>
+                                        </p:cTn>
+                                        <p:tgtEl>
+                                          <p:spTgt spid="14">
+                                            <p:txEl>
+                                              <p:pRg st="0" end="0"/>
+                                            </p:txEl>
+                                          </p:spTgt>
+                                        </p:tgtEl>
+                                        <p:attrNameLst>
+                                          <p:attrName>style.visibility</p:attrName>
+                                        </p:attrNameLst>
+                                      </p:cBhvr>
+                                      <p:to>
+                                        <p:strVal val="visible"/>
+                                      </p:to>
+                                    </p:set>
+                                  </p:childTnLst>
+                                </p:cTn>
+                              </p:par>
+                            </p:childTnLst>
+                          </p:cTn>
+                        </p:par>
+                      </p:childTnLst>
+                    </p:cTn>
+                  </p:par>
+                </p:childTnLst>
+              </p:cTn>
+              <p:prevCondLst>
+                <p:cond evt="onPrev" delay="0">
+                  <p:tgtEl>
+                    <p:sldTgt/>
+                  </p:tgtEl>
+                </p:cond>
+              </p:prevCondLst>
+              <p:nextCondLst>
+                <p:cond evt="onNext" delay="0">
+                  <p:tgtEl>
+                    <p:sldTgt/>
+                  </p:tgtEl>
+                </p:cond>
+              </p:nextCondLst>
+            </p:seq>
+          </p:childTnLst>
+        </p:cTn>
+      </p:par>
+    </p:tnLst>
+    <p:bldLst>
+      <p:bldP spid="3" grpId="0" build="p"/>
+      <p:bldP spid="13" grpId="0" build="p"/>
+      <p:bldP spid="14" grpId="0" build="p"/>
+    </p:bldLst>
+  </p:timing>
 </p:sld>
 </file>
 
@@ -6731,6 +10356,326 @@
 </file>
 
 <file path=ppt/slides/slide7.xml><?xml version="1.0" encoding="utf-8"?>
+<p:sld xmlns:a="http://schemas.openxmlformats.org/drawingml/2006/main" xmlns:r="http://schemas.openxmlformats.org/officeDocument/2006/relationships" xmlns:p="http://schemas.openxmlformats.org/presentationml/2006/main">
+  <p:cSld>
+    <p:spTree>
+      <p:nvGrpSpPr>
+        <p:cNvPr id="1" name=""/>
+        <p:cNvGrpSpPr/>
+        <p:nvPr/>
+      </p:nvGrpSpPr>
+      <p:grpSpPr>
+        <a:xfrm>
+          <a:off x="0" y="0"/>
+          <a:ext cx="0" cy="0"/>
+          <a:chOff x="0" y="0"/>
+          <a:chExt cx="0" cy="0"/>
+        </a:xfrm>
+      </p:grpSpPr>
+      <p:sp>
+        <p:nvSpPr>
+          <p:cNvPr id="4" name="Title 1">
+            <a:extLst>
+              <a:ext uri="{FF2B5EF4-FFF2-40B4-BE49-F238E27FC236}">
+                <a16:creationId xmlns:a16="http://schemas.microsoft.com/office/drawing/2014/main" id="{400BF6D4-7C75-4FDB-A9F2-AE3E304B32E1}"/>
+              </a:ext>
+            </a:extLst>
+          </p:cNvPr>
+          <p:cNvSpPr>
+            <a:spLocks noGrp="1"/>
+          </p:cNvSpPr>
+          <p:nvPr>
+            <p:ph type="title"/>
+          </p:nvPr>
+        </p:nvSpPr>
+        <p:spPr>
+          <a:xfrm>
+            <a:off x="838200" y="0"/>
+            <a:ext cx="10515600" cy="919537"/>
+          </a:xfrm>
+        </p:spPr>
+        <p:txBody>
+          <a:bodyPr/>
+          <a:lstStyle/>
+          <a:p>
+            <a:pPr algn="ctr"/>
+            <a:r>
+              <a:rPr lang="ar-SY" b="1" dirty="0">
+                <a:solidFill>
+                  <a:srgbClr val="FF0000"/>
+                </a:solidFill>
+              </a:rPr>
+              <a:t>مشروع نظام تحكم رقمي</a:t>
+            </a:r>
+            <a:endParaRPr lang="en-US" b="1" dirty="0">
+              <a:solidFill>
+                <a:srgbClr val="FF0000"/>
+              </a:solidFill>
+            </a:endParaRPr>
+          </a:p>
+        </p:txBody>
+      </p:sp>
+      <p:sp>
+        <p:nvSpPr>
+          <p:cNvPr id="3" name="Content Placeholder 2">
+            <a:extLst>
+              <a:ext uri="{FF2B5EF4-FFF2-40B4-BE49-F238E27FC236}">
+                <a16:creationId xmlns:a16="http://schemas.microsoft.com/office/drawing/2014/main" id="{66772C95-8B64-4510-87F3-5B05D2685CDC}"/>
+              </a:ext>
+            </a:extLst>
+          </p:cNvPr>
+          <p:cNvSpPr>
+            <a:spLocks noGrp="1"/>
+          </p:cNvSpPr>
+          <p:nvPr>
+            <p:ph idx="1"/>
+          </p:nvPr>
+        </p:nvSpPr>
+        <p:spPr>
+          <a:xfrm>
+            <a:off x="1135294" y="873303"/>
+            <a:ext cx="10218506" cy="5568594"/>
+          </a:xfrm>
+        </p:spPr>
+        <p:txBody>
+          <a:bodyPr>
+            <a:normAutofit/>
+          </a:bodyPr>
+          <a:lstStyle/>
+          <a:p>
+            <a:pPr marL="0" indent="0" algn="r" rtl="1">
+              <a:lnSpc>
+                <a:spcPct val="150000"/>
+              </a:lnSpc>
+              <a:spcBef>
+                <a:spcPts val="0"/>
+              </a:spcBef>
+              <a:spcAft>
+                <a:spcPts val="600"/>
+              </a:spcAft>
+              <a:buNone/>
+            </a:pPr>
+            <a:r>
+              <a:rPr lang="ar-SY" b="1" dirty="0">
+                <a:solidFill>
+                  <a:srgbClr val="FF0000"/>
+                </a:solidFill>
+              </a:rPr>
+              <a:t>اللقاء الثاني</a:t>
+            </a:r>
+          </a:p>
+          <a:p>
+            <a:pPr algn="r" rtl="1">
+              <a:lnSpc>
+                <a:spcPct val="150000"/>
+              </a:lnSpc>
+              <a:spcBef>
+                <a:spcPts val="0"/>
+              </a:spcBef>
+              <a:spcAft>
+                <a:spcPts val="600"/>
+              </a:spcAft>
+            </a:pPr>
+            <a:r>
+              <a:rPr lang="ar-SY" sz="2400" b="1" dirty="0"/>
+              <a:t>رسم المخطط النظري على برنامج </a:t>
+            </a:r>
+            <a:r>
+              <a:rPr lang="en-US" sz="2400" b="1" dirty="0"/>
+              <a:t>Eagle</a:t>
+            </a:r>
+            <a:endParaRPr lang="en-US" b="1" dirty="0"/>
+          </a:p>
+          <a:p>
+            <a:pPr algn="r" rtl="1">
+              <a:lnSpc>
+                <a:spcPct val="150000"/>
+              </a:lnSpc>
+              <a:spcBef>
+                <a:spcPts val="0"/>
+              </a:spcBef>
+              <a:spcAft>
+                <a:spcPts val="600"/>
+              </a:spcAft>
+            </a:pPr>
+            <a:endParaRPr lang="ar-SY" sz="2000" b="1" dirty="0"/>
+          </a:p>
+        </p:txBody>
+      </p:sp>
+      <p:pic>
+        <p:nvPicPr>
+          <p:cNvPr id="1026" name="Picture 2" descr="Image result for eagle schematics">
+            <a:extLst>
+              <a:ext uri="{FF2B5EF4-FFF2-40B4-BE49-F238E27FC236}">
+                <a16:creationId xmlns:a16="http://schemas.microsoft.com/office/drawing/2014/main" id="{EEBE03C8-1893-4105-8863-46ACC266038F}"/>
+              </a:ext>
+            </a:extLst>
+          </p:cNvPr>
+          <p:cNvPicPr>
+            <a:picLocks noChangeAspect="1" noChangeArrowheads="1"/>
+          </p:cNvPicPr>
+          <p:nvPr/>
+        </p:nvPicPr>
+        <p:blipFill>
+          <a:blip r:embed="rId2">
+            <a:extLst>
+              <a:ext uri="{28A0092B-C50C-407E-A947-70E740481C1C}">
+                <a14:useLocalDpi xmlns:a14="http://schemas.microsoft.com/office/drawing/2010/main" val="0"/>
+              </a:ext>
+            </a:extLst>
+          </a:blip>
+          <a:srcRect/>
+          <a:stretch>
+            <a:fillRect/>
+          </a:stretch>
+        </p:blipFill>
+        <p:spPr bwMode="auto">
+          <a:xfrm>
+            <a:off x="3209925" y="2526874"/>
+            <a:ext cx="5772150" cy="3915023"/>
+          </a:xfrm>
+          <a:prstGeom prst="rect">
+            <a:avLst/>
+          </a:prstGeom>
+          <a:noFill/>
+          <a:extLst>
+            <a:ext uri="{909E8E84-426E-40DD-AFC4-6F175D3DCCD1}">
+              <a14:hiddenFill xmlns:a14="http://schemas.microsoft.com/office/drawing/2010/main">
+                <a:solidFill>
+                  <a:srgbClr val="FFFFFF"/>
+                </a:solidFill>
+              </a14:hiddenFill>
+            </a:ext>
+          </a:extLst>
+        </p:spPr>
+      </p:pic>
+    </p:spTree>
+    <p:extLst>
+      <p:ext uri="{BB962C8B-B14F-4D97-AF65-F5344CB8AC3E}">
+        <p14:creationId xmlns:p14="http://schemas.microsoft.com/office/powerpoint/2010/main" val="3250518829"/>
+      </p:ext>
+    </p:extLst>
+  </p:cSld>
+  <p:clrMapOvr>
+    <a:masterClrMapping/>
+  </p:clrMapOvr>
+  <p:timing>
+    <p:tnLst>
+      <p:par>
+        <p:cTn id="1" dur="indefinite" restart="never" nodeType="tmRoot">
+          <p:childTnLst>
+            <p:seq concurrent="1" nextAc="seek">
+              <p:cTn id="2" dur="indefinite" nodeType="mainSeq">
+                <p:childTnLst>
+                  <p:par>
+                    <p:cTn id="3" fill="hold">
+                      <p:stCondLst>
+                        <p:cond delay="indefinite"/>
+                      </p:stCondLst>
+                      <p:childTnLst>
+                        <p:par>
+                          <p:cTn id="4" fill="hold">
+                            <p:stCondLst>
+                              <p:cond delay="0"/>
+                            </p:stCondLst>
+                            <p:childTnLst>
+                              <p:par>
+                                <p:cTn id="5" presetID="1" presetClass="entr" presetSubtype="0" fill="hold" grpId="0" nodeType="clickEffect">
+                                  <p:stCondLst>
+                                    <p:cond delay="0"/>
+                                  </p:stCondLst>
+                                  <p:childTnLst>
+                                    <p:set>
+                                      <p:cBhvr>
+                                        <p:cTn id="6" dur="1" fill="hold">
+                                          <p:stCondLst>
+                                            <p:cond delay="0"/>
+                                          </p:stCondLst>
+                                        </p:cTn>
+                                        <p:tgtEl>
+                                          <p:spTgt spid="3">
+                                            <p:txEl>
+                                              <p:pRg st="0" end="0"/>
+                                            </p:txEl>
+                                          </p:spTgt>
+                                        </p:tgtEl>
+                                        <p:attrNameLst>
+                                          <p:attrName>style.visibility</p:attrName>
+                                        </p:attrNameLst>
+                                      </p:cBhvr>
+                                      <p:to>
+                                        <p:strVal val="visible"/>
+                                      </p:to>
+                                    </p:set>
+                                  </p:childTnLst>
+                                </p:cTn>
+                              </p:par>
+                              <p:par>
+                                <p:cTn id="7" presetID="1" presetClass="entr" presetSubtype="0" fill="hold" grpId="0" nodeType="withEffect">
+                                  <p:stCondLst>
+                                    <p:cond delay="0"/>
+                                  </p:stCondLst>
+                                  <p:childTnLst>
+                                    <p:set>
+                                      <p:cBhvr>
+                                        <p:cTn id="8" dur="1" fill="hold">
+                                          <p:stCondLst>
+                                            <p:cond delay="0"/>
+                                          </p:stCondLst>
+                                        </p:cTn>
+                                        <p:tgtEl>
+                                          <p:spTgt spid="3">
+                                            <p:txEl>
+                                              <p:pRg st="1" end="1"/>
+                                            </p:txEl>
+                                          </p:spTgt>
+                                        </p:tgtEl>
+                                        <p:attrNameLst>
+                                          <p:attrName>style.visibility</p:attrName>
+                                        </p:attrNameLst>
+                                      </p:cBhvr>
+                                      <p:to>
+                                        <p:strVal val="visible"/>
+                                      </p:to>
+                                    </p:set>
+                                  </p:childTnLst>
+                                </p:cTn>
+                              </p:par>
+                            </p:childTnLst>
+                          </p:cTn>
+                        </p:par>
+                      </p:childTnLst>
+                    </p:cTn>
+                  </p:par>
+                </p:childTnLst>
+              </p:cTn>
+              <p:prevCondLst>
+                <p:cond evt="onPrev" delay="0">
+                  <p:tgtEl>
+                    <p:sldTgt/>
+                  </p:tgtEl>
+                </p:cond>
+              </p:prevCondLst>
+              <p:nextCondLst>
+                <p:cond evt="onNext" delay="0">
+                  <p:tgtEl>
+                    <p:sldTgt/>
+                  </p:tgtEl>
+                </p:cond>
+              </p:nextCondLst>
+            </p:seq>
+          </p:childTnLst>
+        </p:cTn>
+      </p:par>
+    </p:tnLst>
+    <p:bldLst>
+      <p:bldP spid="3" grpId="0" build="p"/>
+    </p:bldLst>
+  </p:timing>
+</p:sld>
+</file>
+
+<file path=ppt/slides/slide8.xml><?xml version="1.0" encoding="utf-8"?>
 <p:sld xmlns:a="http://schemas.openxmlformats.org/drawingml/2006/main" xmlns:r="http://schemas.openxmlformats.org/officeDocument/2006/relationships" xmlns:p="http://schemas.openxmlformats.org/presentationml/2006/main">
   <p:cSld>
     <p:spTree>
@@ -7793,6 +11738,585 @@
 </p:sld>
 </file>
 
+<file path=ppt/slides/slide9.xml><?xml version="1.0" encoding="utf-8"?>
+<p:sld xmlns:a="http://schemas.openxmlformats.org/drawingml/2006/main" xmlns:r="http://schemas.openxmlformats.org/officeDocument/2006/relationships" xmlns:p="http://schemas.openxmlformats.org/presentationml/2006/main">
+  <p:cSld>
+    <p:spTree>
+      <p:nvGrpSpPr>
+        <p:cNvPr id="1" name=""/>
+        <p:cNvGrpSpPr/>
+        <p:nvPr/>
+      </p:nvGrpSpPr>
+      <p:grpSpPr>
+        <a:xfrm>
+          <a:off x="0" y="0"/>
+          <a:ext cx="0" cy="0"/>
+          <a:chOff x="0" y="0"/>
+          <a:chExt cx="0" cy="0"/>
+        </a:xfrm>
+      </p:grpSpPr>
+      <p:sp>
+        <p:nvSpPr>
+          <p:cNvPr id="4" name="Title 1">
+            <a:extLst>
+              <a:ext uri="{FF2B5EF4-FFF2-40B4-BE49-F238E27FC236}">
+                <a16:creationId xmlns:a16="http://schemas.microsoft.com/office/drawing/2014/main" id="{400BF6D4-7C75-4FDB-A9F2-AE3E304B32E1}"/>
+              </a:ext>
+            </a:extLst>
+          </p:cNvPr>
+          <p:cNvSpPr>
+            <a:spLocks noGrp="1"/>
+          </p:cNvSpPr>
+          <p:nvPr>
+            <p:ph type="title"/>
+          </p:nvPr>
+        </p:nvSpPr>
+        <p:spPr>
+          <a:xfrm>
+            <a:off x="838200" y="0"/>
+            <a:ext cx="10515600" cy="919537"/>
+          </a:xfrm>
+        </p:spPr>
+        <p:txBody>
+          <a:bodyPr/>
+          <a:lstStyle/>
+          <a:p>
+            <a:pPr algn="ctr"/>
+            <a:r>
+              <a:rPr lang="ar-SY" b="1" dirty="0">
+                <a:solidFill>
+                  <a:srgbClr val="FF0000"/>
+                </a:solidFill>
+              </a:rPr>
+              <a:t>مشروع نظام تحكم رقمي</a:t>
+            </a:r>
+            <a:endParaRPr lang="en-US" b="1" dirty="0">
+              <a:solidFill>
+                <a:srgbClr val="FF0000"/>
+              </a:solidFill>
+            </a:endParaRPr>
+          </a:p>
+        </p:txBody>
+      </p:sp>
+      <p:sp>
+        <p:nvSpPr>
+          <p:cNvPr id="3" name="Content Placeholder 2">
+            <a:extLst>
+              <a:ext uri="{FF2B5EF4-FFF2-40B4-BE49-F238E27FC236}">
+                <a16:creationId xmlns:a16="http://schemas.microsoft.com/office/drawing/2014/main" id="{66772C95-8B64-4510-87F3-5B05D2685CDC}"/>
+              </a:ext>
+            </a:extLst>
+          </p:cNvPr>
+          <p:cNvSpPr>
+            <a:spLocks noGrp="1"/>
+          </p:cNvSpPr>
+          <p:nvPr>
+            <p:ph idx="1"/>
+          </p:nvPr>
+        </p:nvSpPr>
+        <p:spPr>
+          <a:xfrm>
+            <a:off x="1135294" y="873303"/>
+            <a:ext cx="10218506" cy="5568594"/>
+          </a:xfrm>
+        </p:spPr>
+        <p:txBody>
+          <a:bodyPr>
+            <a:normAutofit/>
+          </a:bodyPr>
+          <a:lstStyle/>
+          <a:p>
+            <a:pPr marL="0" indent="0" algn="r" rtl="1">
+              <a:lnSpc>
+                <a:spcPct val="150000"/>
+              </a:lnSpc>
+              <a:spcBef>
+                <a:spcPts val="0"/>
+              </a:spcBef>
+              <a:spcAft>
+                <a:spcPts val="600"/>
+              </a:spcAft>
+              <a:buNone/>
+            </a:pPr>
+            <a:r>
+              <a:rPr lang="ar-SY" b="1" dirty="0">
+                <a:solidFill>
+                  <a:srgbClr val="FF0000"/>
+                </a:solidFill>
+              </a:rPr>
+              <a:t>اللقاء الثالث</a:t>
+            </a:r>
+          </a:p>
+          <a:p>
+            <a:pPr algn="r" rtl="1">
+              <a:lnSpc>
+                <a:spcPct val="150000"/>
+              </a:lnSpc>
+              <a:spcBef>
+                <a:spcPts val="0"/>
+              </a:spcBef>
+              <a:spcAft>
+                <a:spcPts val="600"/>
+              </a:spcAft>
+            </a:pPr>
+            <a:r>
+              <a:rPr lang="ar-SY" sz="2000" b="1" dirty="0"/>
+              <a:t>الثلاثاء-الخميس </a:t>
+            </a:r>
+            <a:r>
+              <a:rPr lang="en-US" sz="2000" b="1" dirty="0">
+                <a:solidFill>
+                  <a:prstClr val="black"/>
+                </a:solidFill>
+              </a:rPr>
+              <a:t>16-18/4/2019</a:t>
+            </a:r>
+            <a:r>
+              <a:rPr lang="ar-SY" sz="2000" b="1" dirty="0"/>
+              <a:t>: مخبر الإلكترونيات الصناعية مع أ. زكي أو غرفة د. أسعد.</a:t>
+            </a:r>
+            <a:endParaRPr lang="en-US" sz="2000" b="1" dirty="0"/>
+          </a:p>
+          <a:p>
+            <a:pPr algn="r" rtl="1">
+              <a:lnSpc>
+                <a:spcPct val="150000"/>
+              </a:lnSpc>
+              <a:spcBef>
+                <a:spcPts val="0"/>
+              </a:spcBef>
+              <a:spcAft>
+                <a:spcPts val="600"/>
+              </a:spcAft>
+            </a:pPr>
+            <a:r>
+              <a:rPr lang="ar-SY" sz="2000" b="1" dirty="0"/>
+              <a:t>المطلوب إنجازه:</a:t>
+            </a:r>
+          </a:p>
+          <a:p>
+            <a:pPr lvl="1" algn="r" rtl="1">
+              <a:lnSpc>
+                <a:spcPct val="150000"/>
+              </a:lnSpc>
+              <a:spcBef>
+                <a:spcPts val="0"/>
+              </a:spcBef>
+              <a:spcAft>
+                <a:spcPts val="600"/>
+              </a:spcAft>
+            </a:pPr>
+            <a:r>
+              <a:rPr lang="ar-SY" sz="2000" b="1" dirty="0"/>
+              <a:t>اختبار الدارة على </a:t>
+            </a:r>
+            <a:r>
+              <a:rPr lang="en-US" sz="2000" b="1" dirty="0"/>
+              <a:t>test board</a:t>
+            </a:r>
+          </a:p>
+          <a:p>
+            <a:pPr lvl="1" algn="r" rtl="1">
+              <a:lnSpc>
+                <a:spcPct val="150000"/>
+              </a:lnSpc>
+              <a:spcBef>
+                <a:spcPts val="0"/>
+              </a:spcBef>
+              <a:spcAft>
+                <a:spcPts val="600"/>
+              </a:spcAft>
+            </a:pPr>
+            <a:r>
+              <a:rPr lang="ar-SY" sz="2000" b="1" dirty="0"/>
+              <a:t>رسم المخطط النظري على برنامج محاكاة </a:t>
+            </a:r>
+            <a:r>
+              <a:rPr lang="en-US" sz="2000" b="1" dirty="0"/>
+              <a:t>Proteus</a:t>
+            </a:r>
+            <a:endParaRPr lang="ar-SY" sz="2000" b="1" dirty="0"/>
+          </a:p>
+          <a:p>
+            <a:pPr lvl="1" algn="r" rtl="1">
+              <a:lnSpc>
+                <a:spcPct val="150000"/>
+              </a:lnSpc>
+              <a:spcBef>
+                <a:spcPts val="0"/>
+              </a:spcBef>
+              <a:spcAft>
+                <a:spcPts val="600"/>
+              </a:spcAft>
+            </a:pPr>
+            <a:r>
+              <a:rPr lang="ar-SY" sz="2000" b="1" dirty="0"/>
+              <a:t>رسم الدارة المطبوعة </a:t>
+            </a:r>
+            <a:r>
+              <a:rPr lang="en-US" sz="2000" b="1" dirty="0"/>
+              <a:t>PCB</a:t>
+            </a:r>
+            <a:r>
+              <a:rPr lang="ar-SY" sz="2000" b="1" dirty="0"/>
+              <a:t> باستخدام برنامج </a:t>
+            </a:r>
+            <a:r>
+              <a:rPr lang="en-US" sz="2000" b="1" dirty="0"/>
+              <a:t>Eagle</a:t>
+            </a:r>
+            <a:endParaRPr lang="ar-SY" sz="2000" b="1" dirty="0"/>
+          </a:p>
+          <a:p>
+            <a:pPr lvl="1" algn="r" rtl="1">
+              <a:lnSpc>
+                <a:spcPct val="150000"/>
+              </a:lnSpc>
+              <a:spcBef>
+                <a:spcPts val="0"/>
+              </a:spcBef>
+              <a:spcAft>
+                <a:spcPts val="600"/>
+              </a:spcAft>
+            </a:pPr>
+            <a:r>
+              <a:rPr lang="ar-SY" sz="2000" b="1" dirty="0"/>
+              <a:t>تحديد عناصر نظام التحكم</a:t>
+            </a:r>
+          </a:p>
+          <a:p>
+            <a:pPr algn="r" rtl="1">
+              <a:lnSpc>
+                <a:spcPct val="150000"/>
+              </a:lnSpc>
+              <a:spcBef>
+                <a:spcPts val="0"/>
+              </a:spcBef>
+              <a:spcAft>
+                <a:spcPts val="600"/>
+              </a:spcAft>
+            </a:pPr>
+            <a:endParaRPr lang="ar-SY" sz="2000" b="1" dirty="0"/>
+          </a:p>
+        </p:txBody>
+      </p:sp>
+    </p:spTree>
+    <p:extLst>
+      <p:ext uri="{BB962C8B-B14F-4D97-AF65-F5344CB8AC3E}">
+        <p14:creationId xmlns:p14="http://schemas.microsoft.com/office/powerpoint/2010/main" val="1145387404"/>
+      </p:ext>
+    </p:extLst>
+  </p:cSld>
+  <p:clrMapOvr>
+    <a:masterClrMapping/>
+  </p:clrMapOvr>
+  <p:timing>
+    <p:tnLst>
+      <p:par>
+        <p:cTn id="1" dur="indefinite" restart="never" nodeType="tmRoot">
+          <p:childTnLst>
+            <p:seq concurrent="1" nextAc="seek">
+              <p:cTn id="2" dur="indefinite" nodeType="mainSeq">
+                <p:childTnLst>
+                  <p:par>
+                    <p:cTn id="3" fill="hold">
+                      <p:stCondLst>
+                        <p:cond delay="indefinite"/>
+                      </p:stCondLst>
+                      <p:childTnLst>
+                        <p:par>
+                          <p:cTn id="4" fill="hold">
+                            <p:stCondLst>
+                              <p:cond delay="0"/>
+                            </p:stCondLst>
+                            <p:childTnLst>
+                              <p:par>
+                                <p:cTn id="5" presetID="1" presetClass="entr" presetSubtype="0" fill="hold" grpId="0" nodeType="clickEffect">
+                                  <p:stCondLst>
+                                    <p:cond delay="0"/>
+                                  </p:stCondLst>
+                                  <p:childTnLst>
+                                    <p:set>
+                                      <p:cBhvr>
+                                        <p:cTn id="6" dur="1" fill="hold">
+                                          <p:stCondLst>
+                                            <p:cond delay="0"/>
+                                          </p:stCondLst>
+                                        </p:cTn>
+                                        <p:tgtEl>
+                                          <p:spTgt spid="3">
+                                            <p:txEl>
+                                              <p:pRg st="0" end="0"/>
+                                            </p:txEl>
+                                          </p:spTgt>
+                                        </p:tgtEl>
+                                        <p:attrNameLst>
+                                          <p:attrName>style.visibility</p:attrName>
+                                        </p:attrNameLst>
+                                      </p:cBhvr>
+                                      <p:to>
+                                        <p:strVal val="visible"/>
+                                      </p:to>
+                                    </p:set>
+                                  </p:childTnLst>
+                                </p:cTn>
+                              </p:par>
+                            </p:childTnLst>
+                          </p:cTn>
+                        </p:par>
+                      </p:childTnLst>
+                    </p:cTn>
+                  </p:par>
+                  <p:par>
+                    <p:cTn id="7" fill="hold">
+                      <p:stCondLst>
+                        <p:cond delay="indefinite"/>
+                      </p:stCondLst>
+                      <p:childTnLst>
+                        <p:par>
+                          <p:cTn id="8" fill="hold">
+                            <p:stCondLst>
+                              <p:cond delay="0"/>
+                            </p:stCondLst>
+                            <p:childTnLst>
+                              <p:par>
+                                <p:cTn id="9" presetID="1" presetClass="entr" presetSubtype="0" fill="hold" grpId="0" nodeType="clickEffect">
+                                  <p:stCondLst>
+                                    <p:cond delay="0"/>
+                                  </p:stCondLst>
+                                  <p:childTnLst>
+                                    <p:set>
+                                      <p:cBhvr>
+                                        <p:cTn id="10" dur="1" fill="hold">
+                                          <p:stCondLst>
+                                            <p:cond delay="0"/>
+                                          </p:stCondLst>
+                                        </p:cTn>
+                                        <p:tgtEl>
+                                          <p:spTgt spid="3">
+                                            <p:txEl>
+                                              <p:pRg st="1" end="1"/>
+                                            </p:txEl>
+                                          </p:spTgt>
+                                        </p:tgtEl>
+                                        <p:attrNameLst>
+                                          <p:attrName>style.visibility</p:attrName>
+                                        </p:attrNameLst>
+                                      </p:cBhvr>
+                                      <p:to>
+                                        <p:strVal val="visible"/>
+                                      </p:to>
+                                    </p:set>
+                                  </p:childTnLst>
+                                </p:cTn>
+                              </p:par>
+                            </p:childTnLst>
+                          </p:cTn>
+                        </p:par>
+                      </p:childTnLst>
+                    </p:cTn>
+                  </p:par>
+                  <p:par>
+                    <p:cTn id="11" fill="hold">
+                      <p:stCondLst>
+                        <p:cond delay="indefinite"/>
+                      </p:stCondLst>
+                      <p:childTnLst>
+                        <p:par>
+                          <p:cTn id="12" fill="hold">
+                            <p:stCondLst>
+                              <p:cond delay="0"/>
+                            </p:stCondLst>
+                            <p:childTnLst>
+                              <p:par>
+                                <p:cTn id="13" presetID="1" presetClass="entr" presetSubtype="0" fill="hold" grpId="0" nodeType="clickEffect">
+                                  <p:stCondLst>
+                                    <p:cond delay="0"/>
+                                  </p:stCondLst>
+                                  <p:childTnLst>
+                                    <p:set>
+                                      <p:cBhvr>
+                                        <p:cTn id="14" dur="1" fill="hold">
+                                          <p:stCondLst>
+                                            <p:cond delay="0"/>
+                                          </p:stCondLst>
+                                        </p:cTn>
+                                        <p:tgtEl>
+                                          <p:spTgt spid="3">
+                                            <p:txEl>
+                                              <p:pRg st="2" end="2"/>
+                                            </p:txEl>
+                                          </p:spTgt>
+                                        </p:tgtEl>
+                                        <p:attrNameLst>
+                                          <p:attrName>style.visibility</p:attrName>
+                                        </p:attrNameLst>
+                                      </p:cBhvr>
+                                      <p:to>
+                                        <p:strVal val="visible"/>
+                                      </p:to>
+                                    </p:set>
+                                  </p:childTnLst>
+                                </p:cTn>
+                              </p:par>
+                              <p:par>
+                                <p:cTn id="15" presetID="1" presetClass="entr" presetSubtype="0" fill="hold" grpId="0" nodeType="withEffect">
+                                  <p:stCondLst>
+                                    <p:cond delay="0"/>
+                                  </p:stCondLst>
+                                  <p:childTnLst>
+                                    <p:set>
+                                      <p:cBhvr>
+                                        <p:cTn id="16" dur="1" fill="hold">
+                                          <p:stCondLst>
+                                            <p:cond delay="0"/>
+                                          </p:stCondLst>
+                                        </p:cTn>
+                                        <p:tgtEl>
+                                          <p:spTgt spid="3">
+                                            <p:txEl>
+                                              <p:pRg st="3" end="3"/>
+                                            </p:txEl>
+                                          </p:spTgt>
+                                        </p:tgtEl>
+                                        <p:attrNameLst>
+                                          <p:attrName>style.visibility</p:attrName>
+                                        </p:attrNameLst>
+                                      </p:cBhvr>
+                                      <p:to>
+                                        <p:strVal val="visible"/>
+                                      </p:to>
+                                    </p:set>
+                                  </p:childTnLst>
+                                </p:cTn>
+                              </p:par>
+                              <p:par>
+                                <p:cTn id="17" presetID="1" presetClass="entr" presetSubtype="0" fill="hold" grpId="0" nodeType="withEffect">
+                                  <p:stCondLst>
+                                    <p:cond delay="0"/>
+                                  </p:stCondLst>
+                                  <p:childTnLst>
+                                    <p:set>
+                                      <p:cBhvr>
+                                        <p:cTn id="18" dur="1" fill="hold">
+                                          <p:stCondLst>
+                                            <p:cond delay="0"/>
+                                          </p:stCondLst>
+                                        </p:cTn>
+                                        <p:tgtEl>
+                                          <p:spTgt spid="3">
+                                            <p:txEl>
+                                              <p:pRg st="4" end="4"/>
+                                            </p:txEl>
+                                          </p:spTgt>
+                                        </p:tgtEl>
+                                        <p:attrNameLst>
+                                          <p:attrName>style.visibility</p:attrName>
+                                        </p:attrNameLst>
+                                      </p:cBhvr>
+                                      <p:to>
+                                        <p:strVal val="visible"/>
+                                      </p:to>
+                                    </p:set>
+                                  </p:childTnLst>
+                                </p:cTn>
+                              </p:par>
+                              <p:par>
+                                <p:cTn id="19" presetID="1" presetClass="entr" presetSubtype="0" fill="hold" grpId="0" nodeType="withEffect">
+                                  <p:stCondLst>
+                                    <p:cond delay="0"/>
+                                  </p:stCondLst>
+                                  <p:childTnLst>
+                                    <p:set>
+                                      <p:cBhvr>
+                                        <p:cTn id="20" dur="1" fill="hold">
+                                          <p:stCondLst>
+                                            <p:cond delay="0"/>
+                                          </p:stCondLst>
+                                        </p:cTn>
+                                        <p:tgtEl>
+                                          <p:spTgt spid="3">
+                                            <p:txEl>
+                                              <p:pRg st="5" end="5"/>
+                                            </p:txEl>
+                                          </p:spTgt>
+                                        </p:tgtEl>
+                                        <p:attrNameLst>
+                                          <p:attrName>style.visibility</p:attrName>
+                                        </p:attrNameLst>
+                                      </p:cBhvr>
+                                      <p:to>
+                                        <p:strVal val="visible"/>
+                                      </p:to>
+                                    </p:set>
+                                  </p:childTnLst>
+                                </p:cTn>
+                              </p:par>
+                              <p:par>
+                                <p:cTn id="21" presetID="1" presetClass="entr" presetSubtype="0" fill="hold" grpId="0" nodeType="withEffect">
+                                  <p:stCondLst>
+                                    <p:cond delay="0"/>
+                                  </p:stCondLst>
+                                  <p:childTnLst>
+                                    <p:set>
+                                      <p:cBhvr>
+                                        <p:cTn id="22" dur="1" fill="hold">
+                                          <p:stCondLst>
+                                            <p:cond delay="0"/>
+                                          </p:stCondLst>
+                                        </p:cTn>
+                                        <p:tgtEl>
+                                          <p:spTgt spid="3">
+                                            <p:txEl>
+                                              <p:pRg st="6" end="6"/>
+                                            </p:txEl>
+                                          </p:spTgt>
+                                        </p:tgtEl>
+                                        <p:attrNameLst>
+                                          <p:attrName>style.visibility</p:attrName>
+                                        </p:attrNameLst>
+                                      </p:cBhvr>
+                                      <p:to>
+                                        <p:strVal val="visible"/>
+                                      </p:to>
+                                    </p:set>
+                                  </p:childTnLst>
+                                </p:cTn>
+                              </p:par>
+                            </p:childTnLst>
+                          </p:cTn>
+                        </p:par>
+                      </p:childTnLst>
+                    </p:cTn>
+                  </p:par>
+                </p:childTnLst>
+              </p:cTn>
+              <p:prevCondLst>
+                <p:cond evt="onPrev" delay="0">
+                  <p:tgtEl>
+                    <p:sldTgt/>
+                  </p:tgtEl>
+                </p:cond>
+              </p:prevCondLst>
+              <p:nextCondLst>
+                <p:cond evt="onNext" delay="0">
+                  <p:tgtEl>
+                    <p:sldTgt/>
+                  </p:tgtEl>
+                </p:cond>
+              </p:nextCondLst>
+            </p:seq>
+          </p:childTnLst>
+        </p:cTn>
+      </p:par>
+    </p:tnLst>
+    <p:bldLst>
+      <p:bldP spid="3" grpId="0" build="p"/>
+    </p:bldLst>
+  </p:timing>
+</p:sld>
+</file>
+
 <file path=ppt/theme/theme1.xml><?xml version="1.0" encoding="utf-8"?>
 <a:theme xmlns:a="http://schemas.openxmlformats.org/drawingml/2006/main" name="Office Theme">
   <a:themeElements>

--- a/مشروع نظام تحكم رقمي - ثالث تحكم.pptx
+++ b/مشروع نظام تحكم رقمي - ثالث تحكم.pptx
@@ -273,7 +273,7 @@
           <a:p>
             <a:fld id="{90829C1E-E322-41E1-8B09-BD09A8CCC7E7}" type="datetimeFigureOut">
               <a:rPr lang="en-US" smtClean="0"/>
-              <a:t>4/2/2019</a:t>
+              <a:t>4/3/2019</a:t>
             </a:fld>
             <a:endParaRPr lang="en-US"/>
           </a:p>
@@ -471,7 +471,7 @@
           <a:p>
             <a:fld id="{90829C1E-E322-41E1-8B09-BD09A8CCC7E7}" type="datetimeFigureOut">
               <a:rPr lang="en-US" smtClean="0"/>
-              <a:t>4/2/2019</a:t>
+              <a:t>4/3/2019</a:t>
             </a:fld>
             <a:endParaRPr lang="en-US"/>
           </a:p>
@@ -679,7 +679,7 @@
           <a:p>
             <a:fld id="{90829C1E-E322-41E1-8B09-BD09A8CCC7E7}" type="datetimeFigureOut">
               <a:rPr lang="en-US" smtClean="0"/>
-              <a:t>4/2/2019</a:t>
+              <a:t>4/3/2019</a:t>
             </a:fld>
             <a:endParaRPr lang="en-US"/>
           </a:p>
@@ -877,7 +877,7 @@
           <a:p>
             <a:fld id="{90829C1E-E322-41E1-8B09-BD09A8CCC7E7}" type="datetimeFigureOut">
               <a:rPr lang="en-US" smtClean="0"/>
-              <a:t>4/2/2019</a:t>
+              <a:t>4/3/2019</a:t>
             </a:fld>
             <a:endParaRPr lang="en-US"/>
           </a:p>
@@ -1152,7 +1152,7 @@
           <a:p>
             <a:fld id="{90829C1E-E322-41E1-8B09-BD09A8CCC7E7}" type="datetimeFigureOut">
               <a:rPr lang="en-US" smtClean="0"/>
-              <a:t>4/2/2019</a:t>
+              <a:t>4/3/2019</a:t>
             </a:fld>
             <a:endParaRPr lang="en-US"/>
           </a:p>
@@ -1417,7 +1417,7 @@
           <a:p>
             <a:fld id="{90829C1E-E322-41E1-8B09-BD09A8CCC7E7}" type="datetimeFigureOut">
               <a:rPr lang="en-US" smtClean="0"/>
-              <a:t>4/2/2019</a:t>
+              <a:t>4/3/2019</a:t>
             </a:fld>
             <a:endParaRPr lang="en-US"/>
           </a:p>
@@ -1829,7 +1829,7 @@
           <a:p>
             <a:fld id="{90829C1E-E322-41E1-8B09-BD09A8CCC7E7}" type="datetimeFigureOut">
               <a:rPr lang="en-US" smtClean="0"/>
-              <a:t>4/2/2019</a:t>
+              <a:t>4/3/2019</a:t>
             </a:fld>
             <a:endParaRPr lang="en-US"/>
           </a:p>
@@ -1970,7 +1970,7 @@
           <a:p>
             <a:fld id="{90829C1E-E322-41E1-8B09-BD09A8CCC7E7}" type="datetimeFigureOut">
               <a:rPr lang="en-US" smtClean="0"/>
-              <a:t>4/2/2019</a:t>
+              <a:t>4/3/2019</a:t>
             </a:fld>
             <a:endParaRPr lang="en-US"/>
           </a:p>
@@ -2083,7 +2083,7 @@
           <a:p>
             <a:fld id="{90829C1E-E322-41E1-8B09-BD09A8CCC7E7}" type="datetimeFigureOut">
               <a:rPr lang="en-US" smtClean="0"/>
-              <a:t>4/2/2019</a:t>
+              <a:t>4/3/2019</a:t>
             </a:fld>
             <a:endParaRPr lang="en-US"/>
           </a:p>
@@ -2394,7 +2394,7 @@
           <a:p>
             <a:fld id="{90829C1E-E322-41E1-8B09-BD09A8CCC7E7}" type="datetimeFigureOut">
               <a:rPr lang="en-US" smtClean="0"/>
-              <a:t>4/2/2019</a:t>
+              <a:t>4/3/2019</a:t>
             </a:fld>
             <a:endParaRPr lang="en-US"/>
           </a:p>
@@ -2682,7 +2682,7 @@
           <a:p>
             <a:fld id="{90829C1E-E322-41E1-8B09-BD09A8CCC7E7}" type="datetimeFigureOut">
               <a:rPr lang="en-US" smtClean="0"/>
-              <a:t>4/2/2019</a:t>
+              <a:t>4/3/2019</a:t>
             </a:fld>
             <a:endParaRPr lang="en-US"/>
           </a:p>
@@ -2923,7 +2923,7 @@
           <a:p>
             <a:fld id="{90829C1E-E322-41E1-8B09-BD09A8CCC7E7}" type="datetimeFigureOut">
               <a:rPr lang="en-US" smtClean="0"/>
-              <a:t>4/2/2019</a:t>
+              <a:t>4/3/2019</a:t>
             </a:fld>
             <a:endParaRPr lang="en-US"/>
           </a:p>
@@ -7405,6 +7405,80 @@
               <a:buNone/>
             </a:pPr>
             <a:endParaRPr lang="ar-SY" sz="2000" b="1" dirty="0"/>
+          </a:p>
+        </p:txBody>
+      </p:sp>
+      <p:sp>
+        <p:nvSpPr>
+          <p:cNvPr id="2" name="Rectangle 1">
+            <a:extLst>
+              <a:ext uri="{FF2B5EF4-FFF2-40B4-BE49-F238E27FC236}">
+                <a16:creationId xmlns:a16="http://schemas.microsoft.com/office/drawing/2014/main" id="{4DAC0796-8E8B-4C31-ACFB-7789512843C3}"/>
+              </a:ext>
+            </a:extLst>
+          </p:cNvPr>
+          <p:cNvSpPr/>
+          <p:nvPr/>
+        </p:nvSpPr>
+        <p:spPr>
+          <a:xfrm>
+            <a:off x="6301722" y="6326876"/>
+            <a:ext cx="4763227" cy="369332"/>
+          </a:xfrm>
+          <a:prstGeom prst="rect">
+            <a:avLst/>
+          </a:prstGeom>
+        </p:spPr>
+        <p:txBody>
+          <a:bodyPr wrap="none">
+            <a:spAutoFit/>
+          </a:bodyPr>
+          <a:lstStyle/>
+          <a:p>
+            <a:r>
+              <a:rPr lang="en-US" dirty="0">
+                <a:hlinkClick r:id="rId4"/>
+              </a:rPr>
+              <a:t>https://hexabitz.com/product/hexabitz-intro-kit/</a:t>
+            </a:r>
+            <a:endParaRPr lang="en-US" dirty="0"/>
+          </a:p>
+        </p:txBody>
+      </p:sp>
+      <p:sp>
+        <p:nvSpPr>
+          <p:cNvPr id="6" name="Rectangle 5">
+            <a:extLst>
+              <a:ext uri="{FF2B5EF4-FFF2-40B4-BE49-F238E27FC236}">
+                <a16:creationId xmlns:a16="http://schemas.microsoft.com/office/drawing/2014/main" id="{C497C8E1-5269-44CD-9D2D-47CDDDE32CD4}"/>
+              </a:ext>
+            </a:extLst>
+          </p:cNvPr>
+          <p:cNvSpPr/>
+          <p:nvPr/>
+        </p:nvSpPr>
+        <p:spPr>
+          <a:xfrm>
+            <a:off x="1320478" y="6327959"/>
+            <a:ext cx="4241289" cy="369332"/>
+          </a:xfrm>
+          <a:prstGeom prst="rect">
+            <a:avLst/>
+          </a:prstGeom>
+        </p:spPr>
+        <p:txBody>
+          <a:bodyPr wrap="none">
+            <a:spAutoFit/>
+          </a:bodyPr>
+          <a:lstStyle/>
+          <a:p>
+            <a:r>
+              <a:rPr lang="en-US" dirty="0">
+                <a:hlinkClick r:id="rId5"/>
+              </a:rPr>
+              <a:t>https://store.arduino.cc/usa/mega-2560-r3</a:t>
+            </a:r>
+            <a:endParaRPr lang="en-US" dirty="0"/>
           </a:p>
         </p:txBody>
       </p:sp>

--- a/مشروع نظام تحكم رقمي - ثالث تحكم.pptx
+++ b/مشروع نظام تحكم رقمي - ثالث تحكم.pptx
@@ -273,7 +273,7 @@
           <a:p>
             <a:fld id="{90829C1E-E322-41E1-8B09-BD09A8CCC7E7}" type="datetimeFigureOut">
               <a:rPr lang="en-US" smtClean="0"/>
-              <a:t>4/3/2019</a:t>
+              <a:t>4/25/2019</a:t>
             </a:fld>
             <a:endParaRPr lang="en-US"/>
           </a:p>
@@ -471,7 +471,7 @@
           <a:p>
             <a:fld id="{90829C1E-E322-41E1-8B09-BD09A8CCC7E7}" type="datetimeFigureOut">
               <a:rPr lang="en-US" smtClean="0"/>
-              <a:t>4/3/2019</a:t>
+              <a:t>4/25/2019</a:t>
             </a:fld>
             <a:endParaRPr lang="en-US"/>
           </a:p>
@@ -679,7 +679,7 @@
           <a:p>
             <a:fld id="{90829C1E-E322-41E1-8B09-BD09A8CCC7E7}" type="datetimeFigureOut">
               <a:rPr lang="en-US" smtClean="0"/>
-              <a:t>4/3/2019</a:t>
+              <a:t>4/25/2019</a:t>
             </a:fld>
             <a:endParaRPr lang="en-US"/>
           </a:p>
@@ -877,7 +877,7 @@
           <a:p>
             <a:fld id="{90829C1E-E322-41E1-8B09-BD09A8CCC7E7}" type="datetimeFigureOut">
               <a:rPr lang="en-US" smtClean="0"/>
-              <a:t>4/3/2019</a:t>
+              <a:t>4/25/2019</a:t>
             </a:fld>
             <a:endParaRPr lang="en-US"/>
           </a:p>
@@ -1152,7 +1152,7 @@
           <a:p>
             <a:fld id="{90829C1E-E322-41E1-8B09-BD09A8CCC7E7}" type="datetimeFigureOut">
               <a:rPr lang="en-US" smtClean="0"/>
-              <a:t>4/3/2019</a:t>
+              <a:t>4/25/2019</a:t>
             </a:fld>
             <a:endParaRPr lang="en-US"/>
           </a:p>
@@ -1417,7 +1417,7 @@
           <a:p>
             <a:fld id="{90829C1E-E322-41E1-8B09-BD09A8CCC7E7}" type="datetimeFigureOut">
               <a:rPr lang="en-US" smtClean="0"/>
-              <a:t>4/3/2019</a:t>
+              <a:t>4/25/2019</a:t>
             </a:fld>
             <a:endParaRPr lang="en-US"/>
           </a:p>
@@ -1829,7 +1829,7 @@
           <a:p>
             <a:fld id="{90829C1E-E322-41E1-8B09-BD09A8CCC7E7}" type="datetimeFigureOut">
               <a:rPr lang="en-US" smtClean="0"/>
-              <a:t>4/3/2019</a:t>
+              <a:t>4/25/2019</a:t>
             </a:fld>
             <a:endParaRPr lang="en-US"/>
           </a:p>
@@ -1970,7 +1970,7 @@
           <a:p>
             <a:fld id="{90829C1E-E322-41E1-8B09-BD09A8CCC7E7}" type="datetimeFigureOut">
               <a:rPr lang="en-US" smtClean="0"/>
-              <a:t>4/3/2019</a:t>
+              <a:t>4/25/2019</a:t>
             </a:fld>
             <a:endParaRPr lang="en-US"/>
           </a:p>
@@ -2083,7 +2083,7 @@
           <a:p>
             <a:fld id="{90829C1E-E322-41E1-8B09-BD09A8CCC7E7}" type="datetimeFigureOut">
               <a:rPr lang="en-US" smtClean="0"/>
-              <a:t>4/3/2019</a:t>
+              <a:t>4/25/2019</a:t>
             </a:fld>
             <a:endParaRPr lang="en-US"/>
           </a:p>
@@ -2394,7 +2394,7 @@
           <a:p>
             <a:fld id="{90829C1E-E322-41E1-8B09-BD09A8CCC7E7}" type="datetimeFigureOut">
               <a:rPr lang="en-US" smtClean="0"/>
-              <a:t>4/3/2019</a:t>
+              <a:t>4/25/2019</a:t>
             </a:fld>
             <a:endParaRPr lang="en-US"/>
           </a:p>
@@ -2682,7 +2682,7 @@
           <a:p>
             <a:fld id="{90829C1E-E322-41E1-8B09-BD09A8CCC7E7}" type="datetimeFigureOut">
               <a:rPr lang="en-US" smtClean="0"/>
-              <a:t>4/3/2019</a:t>
+              <a:t>4/25/2019</a:t>
             </a:fld>
             <a:endParaRPr lang="en-US"/>
           </a:p>
@@ -2923,7 +2923,7 @@
           <a:p>
             <a:fld id="{90829C1E-E322-41E1-8B09-BD09A8CCC7E7}" type="datetimeFigureOut">
               <a:rPr lang="en-US" smtClean="0"/>
-              <a:t>4/3/2019</a:t>
+              <a:t>4/25/2019</a:t>
             </a:fld>
             <a:endParaRPr lang="en-US"/>
           </a:p>
@@ -5212,7 +5212,7 @@
           <p:nvPr>
             <p:extLst>
               <p:ext uri="{D42A27DB-BD31-4B8C-83A1-F6EECF244321}">
-                <p14:modId xmlns:p14="http://schemas.microsoft.com/office/powerpoint/2010/main" val="1954378830"/>
+                <p14:modId xmlns:p14="http://schemas.microsoft.com/office/powerpoint/2010/main" val="1209334403"/>
               </p:ext>
             </p:extLst>
           </p:nvPr>
@@ -5728,7 +5728,7 @@
                       <a:pPr algn="ctr"/>
                       <a:r>
                         <a:rPr lang="ar-SY" b="1" dirty="0"/>
-                        <a:t>علاقة الإشارة المرجعية في البرنامج بالمتحول الفيزيائي</a:t>
+                        <a:t>علاقة الإشارة الحساس في البرنامج بالمتحول الفيزيائي</a:t>
                       </a:r>
                       <a:endParaRPr lang="en-US" b="1" dirty="0"/>
                     </a:p>
